--- a/Day5/5-paev-andmetarkus-esitlus.pptx
+++ b/Day5/5-paev-andmetarkus-esitlus.pptx
@@ -172,7 +172,7 @@
   <pc:docChgLst>
     <pc:chgData name="Virve Räni" userId="161a7437-7ef4-49ec-91bf-54882f313dfe" providerId="ADAL" clId="{BE274516-F337-429E-BA00-F1B834D8EE56}"/>
     <pc:docChg chg="addSld modSld">
-      <pc:chgData name="Virve Räni" userId="161a7437-7ef4-49ec-91bf-54882f313dfe" providerId="ADAL" clId="{BE274516-F337-429E-BA00-F1B834D8EE56}" dt="2025-08-28T13:34:09.946" v="96"/>
+      <pc:chgData name="Virve Räni" userId="161a7437-7ef4-49ec-91bf-54882f313dfe" providerId="ADAL" clId="{BE274516-F337-429E-BA00-F1B834D8EE56}" dt="2025-08-29T05:57:32.051" v="302" actId="20577"/>
       <pc:docMkLst>
         <pc:docMk/>
       </pc:docMkLst>
@@ -182,6 +182,21 @@
           <pc:docMk/>
           <pc:sldMk cId="4169291970" sldId="417"/>
         </pc:sldMkLst>
+      </pc:sldChg>
+      <pc:sldChg chg="modSp mod">
+        <pc:chgData name="Virve Räni" userId="161a7437-7ef4-49ec-91bf-54882f313dfe" providerId="ADAL" clId="{BE274516-F337-429E-BA00-F1B834D8EE56}" dt="2025-08-29T05:57:32.051" v="302" actId="20577"/>
+        <pc:sldMkLst>
+          <pc:docMk/>
+          <pc:sldMk cId="2669106725" sldId="589"/>
+        </pc:sldMkLst>
+        <pc:spChg chg="mod">
+          <ac:chgData name="Virve Räni" userId="161a7437-7ef4-49ec-91bf-54882f313dfe" providerId="ADAL" clId="{BE274516-F337-429E-BA00-F1B834D8EE56}" dt="2025-08-29T05:57:32.051" v="302" actId="20577"/>
+          <ac:spMkLst>
+            <pc:docMk/>
+            <pc:sldMk cId="2669106725" sldId="589"/>
+            <ac:spMk id="4" creationId="{EAF54E90-61EC-06AA-D6ED-1B1A7B0E04B9}"/>
+          </ac:spMkLst>
+        </pc:spChg>
       </pc:sldChg>
       <pc:sldChg chg="modSp add mod modAnim">
         <pc:chgData name="Virve Räni" userId="161a7437-7ef4-49ec-91bf-54882f313dfe" providerId="ADAL" clId="{BE274516-F337-429E-BA00-F1B834D8EE56}" dt="2025-08-28T13:34:09.946" v="96"/>
@@ -305,7 +320,7 @@
           <a:p>
             <a:fld id="{F9D2AD6E-DEDD-49A0-A4BE-7A081A9112DA}" type="datetimeFigureOut">
               <a:rPr lang="en-US" smtClean="0"/>
-              <a:t>8/28/2025</a:t>
+              <a:t>8/29/2025</a:t>
             </a:fld>
             <a:endParaRPr lang="en-US"/>
           </a:p>
@@ -481,7 +496,7 @@
           </a:lstStyle>
           <a:p>
             <a:fld id="{2AF9C1A6-4321-41FA-B001-4140F0E2457F}" type="datetimeFigureOut">
-              <a:t>28.08.2025</a:t>
+              <a:t>29.08.2025</a:t>
             </a:fld>
             <a:endParaRPr lang="en-US"/>
           </a:p>
@@ -11960,7 +11975,7 @@
           <a:p>
             <a:fld id="{DE840A40-73C8-4048-8140-49F5D65BB431}" type="datetimeFigureOut">
               <a:rPr lang="et-EE" smtClean="0"/>
-              <a:t>28.08.2025</a:t>
+              <a:t>29.08.2025</a:t>
             </a:fld>
             <a:endParaRPr lang="et-EE"/>
           </a:p>
@@ -28958,48 +28973,72 @@
               </a:lnSpc>
             </a:pPr>
             <a:r>
-              <a:rPr lang="en-US" sz="2400">
+              <a:rPr lang="en-US" sz="2400" dirty="0">
                 <a:ea typeface="Inter"/>
               </a:rPr>
               <a:t>Kui </a:t>
             </a:r>
             <a:r>
-              <a:rPr lang="en-US" sz="2400" err="1">
+              <a:rPr lang="en-US" sz="2400" dirty="0" err="1">
                 <a:ea typeface="Inter"/>
               </a:rPr>
               <a:t>palju</a:t>
             </a:r>
             <a:r>
-              <a:rPr lang="en-US" sz="2400">
+              <a:rPr lang="en-US" sz="2400" dirty="0">
                 <a:ea typeface="Inter"/>
               </a:rPr>
               <a:t> on </a:t>
             </a:r>
             <a:r>
-              <a:rPr lang="en-US" sz="2400" err="1">
+              <a:rPr lang="en-US" sz="2400" dirty="0" err="1">
                 <a:ea typeface="Inter"/>
               </a:rPr>
               <a:t>aktiivseid</a:t>
             </a:r>
             <a:r>
-              <a:rPr lang="en-US" sz="2400">
+              <a:rPr lang="en-US" sz="2400" dirty="0">
                 <a:ea typeface="Inter"/>
               </a:rPr>
               <a:t> </a:t>
             </a:r>
             <a:r>
-              <a:rPr lang="en-US" sz="2400" err="1">
+              <a:rPr lang="en-US" sz="2400" dirty="0" err="1">
                 <a:ea typeface="Inter"/>
               </a:rPr>
               <a:t>töötajaid</a:t>
             </a:r>
             <a:r>
-              <a:rPr lang="en-US" sz="2400">
+              <a:rPr lang="en-US" sz="2400" dirty="0">
+                <a:ea typeface="Inter"/>
+              </a:rPr>
+              <a:t> </a:t>
+            </a:r>
+            <a:r>
+              <a:rPr lang="en-US" sz="2400" dirty="0" err="1">
+                <a:ea typeface="Inter"/>
+              </a:rPr>
+              <a:t>aja</a:t>
+            </a:r>
+            <a:r>
+              <a:rPr lang="en-US" sz="2400" dirty="0">
+                <a:ea typeface="Inter"/>
+              </a:rPr>
+              <a:t> </a:t>
+            </a:r>
+            <a:r>
+              <a:rPr lang="en-US" sz="2400" dirty="0" err="1">
+                <a:ea typeface="Inter"/>
+              </a:rPr>
+              <a:t>lõikes</a:t>
+            </a:r>
+            <a:r>
+              <a:rPr lang="en-US" sz="2400" dirty="0">
                 <a:ea typeface="Inter"/>
               </a:rPr>
               <a:t>? </a:t>
             </a:r>
-            <a:endParaRPr lang="en-US" sz="2400"/>
+            <a:endParaRPr lang="en-US" sz="2400" dirty="0"/>
           </a:p>
           <a:p>
             <a:pPr>
@@ -29008,54 +29047,77 @@
               </a:lnSpc>
             </a:pPr>
             <a:r>
-              <a:rPr lang="en-US" sz="2400" err="1">
+              <a:rPr lang="en-US" sz="2400" dirty="0" err="1">
                 <a:ea typeface="Inter"/>
               </a:rPr>
               <a:t>Töötajate</a:t>
             </a:r>
             <a:r>
-              <a:rPr lang="en-US" sz="2400">
+              <a:rPr lang="en-US" sz="2400" dirty="0">
                 <a:ea typeface="Inter"/>
               </a:rPr>
               <a:t> </a:t>
             </a:r>
             <a:r>
-              <a:rPr lang="en-US" sz="2400" err="1">
+              <a:rPr lang="en-US" sz="2400" dirty="0" err="1">
                 <a:ea typeface="Inter"/>
               </a:rPr>
               <a:t>arv</a:t>
             </a:r>
             <a:r>
-              <a:rPr lang="en-US" sz="2400">
+              <a:rPr lang="en-US" sz="2400" dirty="0">
                 <a:ea typeface="Inter"/>
               </a:rPr>
               <a:t> </a:t>
             </a:r>
             <a:r>
-              <a:rPr lang="en-US" sz="2400" err="1">
+              <a:rPr lang="en-US" sz="2400" dirty="0" err="1">
                 <a:ea typeface="Inter"/>
               </a:rPr>
               <a:t>osakondade</a:t>
             </a:r>
             <a:r>
-              <a:rPr lang="en-US" sz="2400">
+              <a:rPr lang="en-US" sz="2400" dirty="0">
                 <a:ea typeface="Inter"/>
               </a:rPr>
               <a:t> </a:t>
             </a:r>
             <a:r>
-              <a:rPr lang="en-US" sz="2400" err="1">
+              <a:rPr lang="en-US" sz="2400" dirty="0" err="1">
                 <a:ea typeface="Inter"/>
               </a:rPr>
               <a:t>kaupa</a:t>
             </a:r>
             <a:r>
-              <a:rPr lang="en-US" sz="2400">
+              <a:rPr lang="en-US" sz="2400" dirty="0">
+                <a:ea typeface="Inter"/>
+              </a:rPr>
+              <a:t> </a:t>
+            </a:r>
+            <a:r>
+              <a:rPr lang="en-US" sz="2400" dirty="0" err="1">
+                <a:ea typeface="Inter"/>
+              </a:rPr>
+              <a:t>aja</a:t>
+            </a:r>
+            <a:r>
+              <a:rPr lang="en-US" sz="2400" dirty="0">
+                <a:ea typeface="Inter"/>
+              </a:rPr>
+              <a:t> </a:t>
+            </a:r>
+            <a:r>
+              <a:rPr lang="en-US" sz="2400" dirty="0" err="1">
+                <a:ea typeface="Inter"/>
+              </a:rPr>
+              <a:t>lõikes</a:t>
+            </a:r>
+            <a:r>
+              <a:rPr lang="en-US" sz="2400" dirty="0">
                 <a:ea typeface="Inter"/>
               </a:rPr>
               <a:t>?</a:t>
             </a:r>
-            <a:endParaRPr lang="en-US" sz="2400"/>
           </a:p>
           <a:p>
             <a:pPr>
@@ -29064,96 +29126,90 @@
               </a:lnSpc>
             </a:pPr>
             <a:r>
-              <a:rPr lang="en-US" sz="2400">
-                <a:ea typeface="Inter"/>
-              </a:rPr>
-              <a:t>Kui </a:t>
-            </a:r>
-            <a:r>
-              <a:rPr lang="en-US" sz="2400" err="1">
-                <a:ea typeface="Inter"/>
-              </a:rPr>
-              <a:t>palju</a:t>
-            </a:r>
-            <a:r>
-              <a:rPr lang="en-US" sz="2400">
-                <a:ea typeface="Inter"/>
-              </a:rPr>
-              <a:t> on </a:t>
-            </a:r>
-            <a:r>
-              <a:rPr lang="en-US" sz="2400" err="1">
-                <a:ea typeface="Inter"/>
-              </a:rPr>
-              <a:t>lahkunud</a:t>
-            </a:r>
-            <a:r>
-              <a:rPr lang="en-US" sz="2400">
+              <a:rPr lang="en-US" sz="2400" dirty="0" err="1">
+                <a:ea typeface="Inter"/>
+              </a:rPr>
+              <a:t>Töötajate</a:t>
+            </a:r>
+            <a:r>
+              <a:rPr lang="en-US" sz="2400" dirty="0">
                 <a:ea typeface="Inter"/>
               </a:rPr>
               <a:t> </a:t>
             </a:r>
             <a:r>
-              <a:rPr lang="en-US" sz="2400" err="1">
-                <a:ea typeface="Inter"/>
-              </a:rPr>
-              <a:t>töötajaid</a:t>
-            </a:r>
-            <a:r>
-              <a:rPr lang="en-US" sz="2400">
+              <a:rPr lang="en-US" sz="2400" dirty="0" err="1">
+                <a:ea typeface="Inter"/>
+              </a:rPr>
+              <a:t>arv</a:t>
+            </a:r>
+            <a:r>
+              <a:rPr lang="en-US" sz="2400" dirty="0">
                 <a:ea typeface="Inter"/>
               </a:rPr>
               <a:t> </a:t>
             </a:r>
             <a:r>
-              <a:rPr lang="en-US" sz="2400" err="1">
-                <a:ea typeface="Inter"/>
-              </a:rPr>
-              <a:t>omal</a:t>
-            </a:r>
-            <a:r>
-              <a:rPr lang="en-US" sz="2400">
+              <a:rPr lang="en-US" sz="2400" dirty="0" err="1">
+                <a:ea typeface="Inter"/>
+              </a:rPr>
+              <a:t>staaži</a:t>
+            </a:r>
+            <a:r>
+              <a:rPr lang="en-US" sz="2400" dirty="0">
                 <a:ea typeface="Inter"/>
               </a:rPr>
               <a:t> </a:t>
             </a:r>
             <a:r>
-              <a:rPr lang="en-US" sz="2400" err="1">
-                <a:ea typeface="Inter"/>
-              </a:rPr>
-              <a:t>algatusel</a:t>
-            </a:r>
-            <a:r>
-              <a:rPr lang="en-US" sz="2400">
-                <a:ea typeface="Inter"/>
-              </a:rPr>
-              <a:t> ja </a:t>
-            </a:r>
-            <a:r>
-              <a:rPr lang="en-US" sz="2400" err="1">
-                <a:ea typeface="Inter"/>
-              </a:rPr>
-              <a:t>ettevõtte</a:t>
-            </a:r>
-            <a:r>
-              <a:rPr lang="en-US" sz="2400">
+              <a:rPr lang="en-US" sz="2400" dirty="0" err="1">
+                <a:ea typeface="Inter"/>
+              </a:rPr>
+              <a:t>gruppide</a:t>
+            </a:r>
+            <a:r>
+              <a:rPr lang="en-US" sz="2400" dirty="0">
                 <a:ea typeface="Inter"/>
               </a:rPr>
               <a:t> </a:t>
             </a:r>
             <a:r>
-              <a:rPr lang="en-US" sz="2400" err="1">
-                <a:ea typeface="Inter"/>
-              </a:rPr>
-              <a:t>algatusel</a:t>
-            </a:r>
-            <a:r>
-              <a:rPr lang="en-US" sz="2400">
-                <a:ea typeface="Inter"/>
-              </a:rPr>
-              <a:t>? </a:t>
-            </a:r>
-            <a:endParaRPr lang="en-US" sz="2400"/>
+              <a:rPr lang="en-US" sz="2400" dirty="0" err="1">
+                <a:ea typeface="Inter"/>
+              </a:rPr>
+              <a:t>kaupa</a:t>
+            </a:r>
+            <a:r>
+              <a:rPr lang="en-US" sz="2400" dirty="0">
+                <a:ea typeface="Inter"/>
+              </a:rPr>
+              <a:t> </a:t>
+            </a:r>
+            <a:r>
+              <a:rPr lang="en-US" sz="2400" dirty="0" err="1">
+                <a:ea typeface="Inter"/>
+              </a:rPr>
+              <a:t>aja</a:t>
+            </a:r>
+            <a:r>
+              <a:rPr lang="en-US" sz="2400" dirty="0">
+                <a:ea typeface="Inter"/>
+              </a:rPr>
+              <a:t> </a:t>
+            </a:r>
+            <a:r>
+              <a:rPr lang="en-US" sz="2400" dirty="0" err="1">
+                <a:ea typeface="Inter"/>
+              </a:rPr>
+              <a:t>lõikes</a:t>
+            </a:r>
+            <a:r>
+              <a:rPr lang="en-US" sz="2400" dirty="0">
+                <a:ea typeface="Inter"/>
+              </a:rPr>
+              <a:t>?</a:t>
+            </a:r>
+            <a:endParaRPr lang="en-US" sz="2400" dirty="0"/>
           </a:p>
           <a:p>
             <a:pPr>
@@ -29162,37 +29218,183 @@
               </a:lnSpc>
             </a:pPr>
             <a:r>
-              <a:rPr lang="en-US" sz="2400" err="1">
+              <a:rPr lang="en-US" sz="2400" dirty="0">
+                <a:ea typeface="Inter"/>
+              </a:rPr>
+              <a:t>Kui </a:t>
+            </a:r>
+            <a:r>
+              <a:rPr lang="en-US" sz="2400" dirty="0" err="1">
+                <a:ea typeface="Inter"/>
+              </a:rPr>
+              <a:t>palju</a:t>
+            </a:r>
+            <a:r>
+              <a:rPr lang="en-US" sz="2400" dirty="0">
+                <a:ea typeface="Inter"/>
+              </a:rPr>
+              <a:t> on </a:t>
+            </a:r>
+            <a:r>
+              <a:rPr lang="en-US" sz="2400" dirty="0" err="1">
+                <a:ea typeface="Inter"/>
+              </a:rPr>
+              <a:t>lahkunud</a:t>
+            </a:r>
+            <a:r>
+              <a:rPr lang="en-US" sz="2400" dirty="0">
+                <a:ea typeface="Inter"/>
+              </a:rPr>
+              <a:t> </a:t>
+            </a:r>
+            <a:r>
+              <a:rPr lang="en-US" sz="2400" dirty="0" err="1">
+                <a:ea typeface="Inter"/>
+              </a:rPr>
+              <a:t>töötajaid</a:t>
+            </a:r>
+            <a:r>
+              <a:rPr lang="en-US" sz="2400" dirty="0">
+                <a:ea typeface="Inter"/>
+              </a:rPr>
+              <a:t> </a:t>
+            </a:r>
+            <a:r>
+              <a:rPr lang="en-US" sz="2400" dirty="0" err="1">
+                <a:ea typeface="Inter"/>
+              </a:rPr>
+              <a:t>omal</a:t>
+            </a:r>
+            <a:r>
+              <a:rPr lang="en-US" sz="2400" dirty="0">
+                <a:ea typeface="Inter"/>
+              </a:rPr>
+              <a:t> </a:t>
+            </a:r>
+            <a:r>
+              <a:rPr lang="en-US" sz="2400" dirty="0" err="1">
+                <a:ea typeface="Inter"/>
+              </a:rPr>
+              <a:t>algatusel</a:t>
+            </a:r>
+            <a:r>
+              <a:rPr lang="en-US" sz="2400" dirty="0">
+                <a:ea typeface="Inter"/>
+              </a:rPr>
+              <a:t> ja </a:t>
+            </a:r>
+            <a:r>
+              <a:rPr lang="en-US" sz="2400" dirty="0" err="1">
+                <a:ea typeface="Inter"/>
+              </a:rPr>
+              <a:t>ettevõtte</a:t>
+            </a:r>
+            <a:r>
+              <a:rPr lang="en-US" sz="2400" dirty="0">
+                <a:ea typeface="Inter"/>
+              </a:rPr>
+              <a:t> </a:t>
+            </a:r>
+            <a:r>
+              <a:rPr lang="en-US" sz="2400" dirty="0" err="1">
+                <a:ea typeface="Inter"/>
+              </a:rPr>
+              <a:t>algatusel</a:t>
+            </a:r>
+            <a:r>
+              <a:rPr lang="en-US" sz="2400" dirty="0">
+                <a:ea typeface="Inter"/>
+              </a:rPr>
+              <a:t> </a:t>
+            </a:r>
+            <a:r>
+              <a:rPr lang="en-US" sz="2400" dirty="0" err="1">
+                <a:ea typeface="Inter"/>
+              </a:rPr>
+              <a:t>aja</a:t>
+            </a:r>
+            <a:r>
+              <a:rPr lang="en-US" sz="2400" dirty="0">
+                <a:ea typeface="Inter"/>
+              </a:rPr>
+              <a:t> </a:t>
+            </a:r>
+            <a:r>
+              <a:rPr lang="en-US" sz="2400" dirty="0" err="1">
+                <a:ea typeface="Inter"/>
+              </a:rPr>
+              <a:t>lõikes</a:t>
+            </a:r>
+            <a:r>
+              <a:rPr lang="en-US" sz="2400" dirty="0">
+                <a:ea typeface="Inter"/>
+              </a:rPr>
+              <a:t>? </a:t>
+            </a:r>
+            <a:endParaRPr lang="en-US" sz="2400" dirty="0"/>
+          </a:p>
+          <a:p>
+            <a:pPr>
+              <a:lnSpc>
+                <a:spcPct val="150000"/>
+              </a:lnSpc>
+            </a:pPr>
+            <a:r>
+              <a:rPr lang="en-US" sz="2400" dirty="0" err="1">
                 <a:ea typeface="Inter"/>
               </a:rPr>
               <a:t>Kuidas</a:t>
             </a:r>
             <a:r>
-              <a:rPr lang="en-US" sz="2400">
+              <a:rPr lang="en-US" sz="2400" dirty="0">
                 <a:ea typeface="Inter"/>
               </a:rPr>
               <a:t> on </a:t>
             </a:r>
             <a:r>
-              <a:rPr lang="en-US" sz="2400" err="1">
+              <a:rPr lang="en-US" sz="2400" dirty="0" err="1">
                 <a:ea typeface="Inter"/>
               </a:rPr>
               <a:t>töötajate</a:t>
             </a:r>
             <a:r>
-              <a:rPr lang="en-US" sz="2400">
+              <a:rPr lang="en-US" sz="2400" dirty="0">
                 <a:ea typeface="Inter"/>
               </a:rPr>
               <a:t> </a:t>
             </a:r>
             <a:r>
-              <a:rPr lang="en-US" sz="2400" err="1">
+              <a:rPr lang="en-US" sz="2400" dirty="0" err="1">
                 <a:ea typeface="Inter"/>
               </a:rPr>
               <a:t>rahulolu</a:t>
             </a:r>
             <a:r>
-              <a:rPr lang="en-US" sz="2400">
+              <a:rPr lang="en-US" sz="2400" dirty="0">
+                <a:ea typeface="Inter"/>
+              </a:rPr>
+              <a:t> </a:t>
+            </a:r>
+            <a:r>
+              <a:rPr lang="en-US" sz="2400" dirty="0" err="1">
+                <a:ea typeface="Inter"/>
+              </a:rPr>
+              <a:t>aja</a:t>
+            </a:r>
+            <a:r>
+              <a:rPr lang="en-US" sz="2400" dirty="0">
+                <a:ea typeface="Inter"/>
+              </a:rPr>
+              <a:t> </a:t>
+            </a:r>
+            <a:r>
+              <a:rPr lang="en-US" sz="2400" dirty="0" err="1">
+                <a:ea typeface="Inter"/>
+              </a:rPr>
+              <a:t>lõikes</a:t>
+            </a:r>
+            <a:r>
+              <a:rPr lang="en-US" sz="2400" dirty="0">
                 <a:ea typeface="Inter"/>
               </a:rPr>
               <a:t>?</a:t>
@@ -32213,7 +32415,7 @@
               <a:buNone/>
             </a:pPr>
             <a:r>
-              <a:rPr lang="en-US" sz="1200">
+              <a:rPr lang="en-US" sz="1200" dirty="0">
                 <a:solidFill>
                   <a:srgbClr val="000000"/>
                 </a:solidFill>
@@ -32222,7 +32424,7 @@
               </a:rPr>
               <a:t>Tenure Group Count = </a:t>
             </a:r>
-            <a:endParaRPr lang="en-US" sz="1200">
+            <a:endParaRPr lang="en-US" sz="1200" dirty="0">
               <a:ea typeface="Inter"/>
             </a:endParaRPr>
           </a:p>
@@ -32231,7 +32433,7 @@
               <a:buNone/>
             </a:pPr>
             <a:r>
-              <a:rPr lang="en-US" sz="1200">
+              <a:rPr lang="en-US" sz="1200" dirty="0">
                 <a:solidFill>
                   <a:srgbClr val="0000FF"/>
                 </a:solidFill>
@@ -32241,7 +32443,7 @@
               <a:t>VAR</a:t>
             </a:r>
             <a:r>
-              <a:rPr lang="en-US" sz="1200">
+              <a:rPr lang="en-US" sz="1200" dirty="0">
                 <a:solidFill>
                   <a:srgbClr val="000000"/>
                 </a:solidFill>
@@ -32251,7 +32453,7 @@
               <a:t> </a:t>
             </a:r>
             <a:r>
-              <a:rPr lang="en-US" sz="1200" err="1">
+              <a:rPr lang="en-US" sz="1200" dirty="0" err="1">
                 <a:solidFill>
                   <a:srgbClr val="008080"/>
                 </a:solidFill>
@@ -32261,7 +32463,7 @@
               <a:t>EndDate</a:t>
             </a:r>
             <a:r>
-              <a:rPr lang="en-US" sz="1200">
+              <a:rPr lang="en-US" sz="1200" dirty="0">
                 <a:solidFill>
                   <a:srgbClr val="000000"/>
                 </a:solidFill>
@@ -32271,7 +32473,7 @@
               <a:t> = </a:t>
             </a:r>
             <a:r>
-              <a:rPr lang="en-US" sz="1200">
+              <a:rPr lang="en-US" sz="1200" dirty="0">
                 <a:solidFill>
                   <a:srgbClr val="3165BB"/>
                 </a:solidFill>
@@ -32281,7 +32483,7 @@
               <a:t>LASTDATE</a:t>
             </a:r>
             <a:r>
-              <a:rPr lang="en-US" sz="1200">
+              <a:rPr lang="en-US" sz="1200" dirty="0">
                 <a:solidFill>
                   <a:srgbClr val="000000"/>
                 </a:solidFill>
@@ -32291,7 +32493,7 @@
               <a:t>(</a:t>
             </a:r>
             <a:r>
-              <a:rPr lang="en-US" sz="1200">
+              <a:rPr lang="en-US" sz="1200" dirty="0">
                 <a:solidFill>
                   <a:srgbClr val="001080"/>
                 </a:solidFill>
@@ -32301,7 +32503,7 @@
               <a:t>'</a:t>
             </a:r>
             <a:r>
-              <a:rPr lang="en-US" sz="1200" err="1">
+              <a:rPr lang="en-US" sz="1200" dirty="0" err="1">
                 <a:solidFill>
                   <a:srgbClr val="001080"/>
                 </a:solidFill>
@@ -32311,7 +32513,7 @@
               <a:t>DateTable</a:t>
             </a:r>
             <a:r>
-              <a:rPr lang="en-US" sz="1200">
+              <a:rPr lang="en-US" sz="1200" dirty="0">
                 <a:solidFill>
                   <a:srgbClr val="001080"/>
                 </a:solidFill>
@@ -32321,7 +32523,7 @@
               <a:t>'[Date]</a:t>
             </a:r>
             <a:r>
-              <a:rPr lang="en-US" sz="1200">
+              <a:rPr lang="en-US" sz="1200" dirty="0">
                 <a:solidFill>
                   <a:srgbClr val="000000"/>
                 </a:solidFill>
@@ -32330,7 +32532,7 @@
               </a:rPr>
               <a:t>)</a:t>
             </a:r>
-            <a:endParaRPr lang="en-US" sz="1200">
+            <a:endParaRPr lang="en-US" sz="1200" dirty="0">
               <a:ea typeface="Inter"/>
             </a:endParaRPr>
           </a:p>
@@ -32339,7 +32541,7 @@
               <a:buNone/>
             </a:pPr>
             <a:r>
-              <a:rPr lang="en-US" sz="1200">
+              <a:rPr lang="en-US" sz="1200" dirty="0">
                 <a:solidFill>
                   <a:srgbClr val="0000FF"/>
                 </a:solidFill>
@@ -32349,7 +32551,7 @@
               <a:t>VAR</a:t>
             </a:r>
             <a:r>
-              <a:rPr lang="en-US" sz="1200">
+              <a:rPr lang="en-US" sz="1200" dirty="0">
                 <a:solidFill>
                   <a:srgbClr val="000000"/>
                 </a:solidFill>
@@ -32359,7 +32561,7 @@
               <a:t> </a:t>
             </a:r>
             <a:r>
-              <a:rPr lang="en-US" sz="1200" err="1">
+              <a:rPr lang="en-US" sz="1200" dirty="0" err="1">
                 <a:solidFill>
                   <a:srgbClr val="008080"/>
                 </a:solidFill>
@@ -32369,7 +32571,7 @@
               <a:t>TenureGroups</a:t>
             </a:r>
             <a:r>
-              <a:rPr lang="en-US" sz="1200">
+              <a:rPr lang="en-US" sz="1200" dirty="0">
                 <a:solidFill>
                   <a:srgbClr val="000000"/>
                 </a:solidFill>
@@ -32378,7 +32580,7 @@
               </a:rPr>
               <a:t> =</a:t>
             </a:r>
-            <a:endParaRPr lang="en-US" sz="1200">
+            <a:endParaRPr lang="en-US" sz="1200" dirty="0">
               <a:ea typeface="Inter"/>
             </a:endParaRPr>
           </a:p>
@@ -32387,7 +32589,7 @@
               <a:buNone/>
             </a:pPr>
             <a:r>
-              <a:rPr lang="en-US" sz="1200">
+              <a:rPr lang="en-US" sz="1200" dirty="0">
                 <a:solidFill>
                   <a:srgbClr val="000000"/>
                 </a:solidFill>
@@ -32397,7 +32599,7 @@
               <a:t>  </a:t>
             </a:r>
             <a:r>
-              <a:rPr lang="en-US" sz="1200">
+              <a:rPr lang="en-US" sz="1200" dirty="0">
                 <a:solidFill>
                   <a:srgbClr val="3165BB"/>
                 </a:solidFill>
@@ -32407,7 +32609,7 @@
               <a:t>ADDCOLUMNS</a:t>
             </a:r>
             <a:r>
-              <a:rPr lang="en-US" sz="1200">
+              <a:rPr lang="en-US" sz="1200" dirty="0">
                 <a:solidFill>
                   <a:srgbClr val="000000"/>
                 </a:solidFill>
@@ -32416,7 +32618,7 @@
               </a:rPr>
               <a:t>(</a:t>
             </a:r>
-            <a:endParaRPr lang="en-US" sz="1200">
+            <a:endParaRPr lang="en-US" sz="1200" dirty="0">
               <a:ea typeface="Inter"/>
             </a:endParaRPr>
           </a:p>
@@ -32425,7 +32627,7 @@
               <a:buNone/>
             </a:pPr>
             <a:r>
-              <a:rPr lang="en-US" sz="1200">
+              <a:rPr lang="en-US" sz="1200" dirty="0">
                 <a:solidFill>
                   <a:srgbClr val="000000"/>
                 </a:solidFill>
@@ -32435,7 +32637,7 @@
               <a:t>        </a:t>
             </a:r>
             <a:r>
-              <a:rPr lang="en-US" sz="1200">
+              <a:rPr lang="en-US" sz="1200" dirty="0">
                 <a:solidFill>
                   <a:srgbClr val="3165BB"/>
                 </a:solidFill>
@@ -32445,7 +32647,7 @@
               <a:t>FILTER</a:t>
             </a:r>
             <a:r>
-              <a:rPr lang="en-US" sz="1200">
+              <a:rPr lang="en-US" sz="1200" dirty="0">
                 <a:solidFill>
                   <a:srgbClr val="000000"/>
                 </a:solidFill>
@@ -32455,7 +32657,7 @@
               <a:t>(</a:t>
             </a:r>
             <a:r>
-              <a:rPr lang="en-US" sz="1200">
+              <a:rPr lang="en-US" sz="1200" dirty="0">
                 <a:solidFill>
                   <a:srgbClr val="001080"/>
                 </a:solidFill>
@@ -32465,7 +32667,7 @@
               <a:t>'</a:t>
             </a:r>
             <a:r>
-              <a:rPr lang="en-US" sz="1200" err="1">
+              <a:rPr lang="en-US" sz="1200" dirty="0" err="1">
                 <a:solidFill>
                   <a:srgbClr val="001080"/>
                 </a:solidFill>
@@ -32475,7 +32677,7 @@
               <a:t>HR_dataset</a:t>
             </a:r>
             <a:r>
-              <a:rPr lang="en-US" sz="1200">
+              <a:rPr lang="en-US" sz="1200" dirty="0">
                 <a:solidFill>
                   <a:srgbClr val="001080"/>
                 </a:solidFill>
@@ -32485,7 +32687,7 @@
               <a:t>'</a:t>
             </a:r>
             <a:r>
-              <a:rPr lang="en-US" sz="1200">
+              <a:rPr lang="en-US" sz="1200" dirty="0">
                 <a:solidFill>
                   <a:srgbClr val="000000"/>
                 </a:solidFill>
@@ -32494,7 +32696,7 @@
               </a:rPr>
               <a:t>,</a:t>
             </a:r>
-            <a:endParaRPr lang="en-US" sz="1200">
+            <a:endParaRPr lang="en-US" sz="1200" dirty="0">
               <a:ea typeface="Inter"/>
             </a:endParaRPr>
           </a:p>
@@ -32503,7 +32705,7 @@
               <a:buNone/>
             </a:pPr>
             <a:r>
-              <a:rPr lang="en-US" sz="1200">
+              <a:rPr lang="en-US" sz="1200" dirty="0">
                 <a:solidFill>
                   <a:srgbClr val="000000"/>
                 </a:solidFill>
@@ -32513,7 +32715,7 @@
               <a:t>            </a:t>
             </a:r>
             <a:r>
-              <a:rPr lang="en-US" sz="1200">
+              <a:rPr lang="en-US" sz="1200" dirty="0">
                 <a:solidFill>
                   <a:srgbClr val="001080"/>
                 </a:solidFill>
@@ -32523,7 +32725,7 @@
               <a:t>'</a:t>
             </a:r>
             <a:r>
-              <a:rPr lang="en-US" sz="1200" err="1">
+              <a:rPr lang="en-US" sz="1200" dirty="0" err="1">
                 <a:solidFill>
                   <a:srgbClr val="001080"/>
                 </a:solidFill>
@@ -32533,7 +32735,7 @@
               <a:t>HR_dataset</a:t>
             </a:r>
             <a:r>
-              <a:rPr lang="en-US" sz="1200">
+              <a:rPr lang="en-US" sz="1200" dirty="0">
                 <a:solidFill>
                   <a:srgbClr val="001080"/>
                 </a:solidFill>
@@ -32543,7 +32745,7 @@
               <a:t>'[Hire Date]</a:t>
             </a:r>
             <a:r>
-              <a:rPr lang="en-US" sz="1200">
+              <a:rPr lang="en-US" sz="1200" dirty="0">
                 <a:solidFill>
                   <a:srgbClr val="000000"/>
                 </a:solidFill>
@@ -32553,7 +32755,7 @@
               <a:t> &lt;= </a:t>
             </a:r>
             <a:r>
-              <a:rPr lang="en-US" sz="1200" err="1">
+              <a:rPr lang="en-US" sz="1200" dirty="0" err="1">
                 <a:solidFill>
                   <a:srgbClr val="008080"/>
                 </a:solidFill>
@@ -32563,7 +32765,7 @@
               <a:t>EndDate</a:t>
             </a:r>
             <a:r>
-              <a:rPr lang="en-US" sz="1200">
+              <a:rPr lang="en-US" sz="1200" dirty="0">
                 <a:solidFill>
                   <a:srgbClr val="000000"/>
                 </a:solidFill>
@@ -32572,7 +32774,7 @@
               </a:rPr>
               <a:t> &amp;&amp;</a:t>
             </a:r>
-            <a:endParaRPr lang="en-US" sz="1200">
+            <a:endParaRPr lang="en-US" sz="1200" dirty="0">
               <a:ea typeface="Inter"/>
             </a:endParaRPr>
           </a:p>
@@ -32581,7 +32783,7 @@
               <a:buNone/>
             </a:pPr>
             <a:r>
-              <a:rPr lang="en-US" sz="1200">
+              <a:rPr lang="en-US" sz="1200" dirty="0">
                 <a:solidFill>
                   <a:srgbClr val="000000"/>
                 </a:solidFill>
@@ -32591,7 +32793,7 @@
               <a:t>            (</a:t>
             </a:r>
             <a:r>
-              <a:rPr lang="en-US" sz="1200">
+              <a:rPr lang="en-US" sz="1200" dirty="0">
                 <a:solidFill>
                   <a:srgbClr val="3165BB"/>
                 </a:solidFill>
@@ -32601,7 +32803,7 @@
               <a:t>ISBLANK</a:t>
             </a:r>
             <a:r>
-              <a:rPr lang="en-US" sz="1200">
+              <a:rPr lang="en-US" sz="1200" dirty="0">
                 <a:solidFill>
                   <a:srgbClr val="000000"/>
                 </a:solidFill>
@@ -32611,7 +32813,7 @@
               <a:t>(</a:t>
             </a:r>
             <a:r>
-              <a:rPr lang="en-US" sz="1200">
+              <a:rPr lang="en-US" sz="1200" dirty="0">
                 <a:solidFill>
                   <a:srgbClr val="001080"/>
                 </a:solidFill>
@@ -32621,7 +32823,7 @@
               <a:t>'</a:t>
             </a:r>
             <a:r>
-              <a:rPr lang="en-US" sz="1200" err="1">
+              <a:rPr lang="en-US" sz="1200" dirty="0" err="1">
                 <a:solidFill>
                   <a:srgbClr val="001080"/>
                 </a:solidFill>
@@ -32631,7 +32833,7 @@
               <a:t>HR_dataset</a:t>
             </a:r>
             <a:r>
-              <a:rPr lang="en-US" sz="1200">
+              <a:rPr lang="en-US" sz="1200" dirty="0">
                 <a:solidFill>
                   <a:srgbClr val="001080"/>
                 </a:solidFill>
@@ -32641,7 +32843,7 @@
               <a:t>'[Leave Date]</a:t>
             </a:r>
             <a:r>
-              <a:rPr lang="en-US" sz="1200">
+              <a:rPr lang="en-US" sz="1200" dirty="0">
                 <a:solidFill>
                   <a:srgbClr val="000000"/>
                 </a:solidFill>
@@ -32651,7 +32853,7 @@
               <a:t>) || </a:t>
             </a:r>
             <a:r>
-              <a:rPr lang="en-US" sz="1200">
+              <a:rPr lang="en-US" sz="1200" dirty="0">
                 <a:solidFill>
                   <a:srgbClr val="001080"/>
                 </a:solidFill>
@@ -32661,7 +32863,7 @@
               <a:t>'</a:t>
             </a:r>
             <a:r>
-              <a:rPr lang="en-US" sz="1200" err="1">
+              <a:rPr lang="en-US" sz="1200" dirty="0" err="1">
                 <a:solidFill>
                   <a:srgbClr val="001080"/>
                 </a:solidFill>
@@ -32671,7 +32873,7 @@
               <a:t>HR_dataset</a:t>
             </a:r>
             <a:r>
-              <a:rPr lang="en-US" sz="1200">
+              <a:rPr lang="en-US" sz="1200" dirty="0">
                 <a:solidFill>
                   <a:srgbClr val="001080"/>
                 </a:solidFill>
@@ -32681,7 +32883,7 @@
               <a:t>'[Leave Date]</a:t>
             </a:r>
             <a:r>
-              <a:rPr lang="en-US" sz="1200">
+              <a:rPr lang="en-US" sz="1200" dirty="0">
                 <a:solidFill>
                   <a:srgbClr val="000000"/>
                 </a:solidFill>
@@ -32691,7 +32893,7 @@
               <a:t> &gt; </a:t>
             </a:r>
             <a:r>
-              <a:rPr lang="en-US" sz="1200" err="1">
+              <a:rPr lang="en-US" sz="1200" dirty="0" err="1">
                 <a:solidFill>
                   <a:srgbClr val="008080"/>
                 </a:solidFill>
@@ -32701,7 +32903,7 @@
               <a:t>EndDate</a:t>
             </a:r>
             <a:r>
-              <a:rPr lang="en-US" sz="1200">
+              <a:rPr lang="en-US" sz="1200" dirty="0">
                 <a:solidFill>
                   <a:srgbClr val="000000"/>
                 </a:solidFill>
@@ -32710,7 +32912,7 @@
               </a:rPr>
               <a:t>)</a:t>
             </a:r>
-            <a:endParaRPr lang="en-US" sz="1200">
+            <a:endParaRPr lang="en-US" sz="1200" dirty="0">
               <a:ea typeface="Inter"/>
             </a:endParaRPr>
           </a:p>
@@ -32719,7 +32921,7 @@
               <a:buNone/>
             </a:pPr>
             <a:r>
-              <a:rPr lang="en-US" sz="1200">
+              <a:rPr lang="en-US" sz="1200" dirty="0">
                 <a:solidFill>
                   <a:srgbClr val="000000"/>
                 </a:solidFill>
@@ -32728,7 +32930,7 @@
               </a:rPr>
               <a:t>        ),</a:t>
             </a:r>
-            <a:endParaRPr lang="en-US" sz="1200">
+            <a:endParaRPr lang="en-US" sz="1200" dirty="0">
               <a:ea typeface="Inter"/>
             </a:endParaRPr>
           </a:p>
@@ -32737,7 +32939,7 @@
               <a:buNone/>
             </a:pPr>
             <a:r>
-              <a:rPr lang="en-US" sz="1200">
+              <a:rPr lang="en-US" sz="1200" dirty="0">
                 <a:solidFill>
                   <a:srgbClr val="000000"/>
                 </a:solidFill>
@@ -32747,7 +32949,7 @@
               <a:t>        </a:t>
             </a:r>
             <a:r>
-              <a:rPr lang="en-US" sz="1200">
+              <a:rPr lang="en-US" sz="1200" dirty="0">
                 <a:solidFill>
                   <a:srgbClr val="A31515"/>
                 </a:solidFill>
@@ -32757,7 +32959,7 @@
               <a:t>"</a:t>
             </a:r>
             <a:r>
-              <a:rPr lang="en-US" sz="1200" err="1">
+              <a:rPr lang="en-US" sz="1200" dirty="0" err="1">
                 <a:solidFill>
                   <a:srgbClr val="A31515"/>
                 </a:solidFill>
@@ -32767,7 +32969,7 @@
               <a:t>TenureCategory</a:t>
             </a:r>
             <a:r>
-              <a:rPr lang="en-US" sz="1200">
+              <a:rPr lang="en-US" sz="1200" dirty="0">
                 <a:solidFill>
                   <a:srgbClr val="A31515"/>
                 </a:solidFill>
@@ -32777,7 +32979,7 @@
               <a:t>"</a:t>
             </a:r>
             <a:r>
-              <a:rPr lang="en-US" sz="1200">
+              <a:rPr lang="en-US" sz="1200" dirty="0">
                 <a:solidFill>
                   <a:srgbClr val="000000"/>
                 </a:solidFill>
@@ -32786,7 +32988,7 @@
               </a:rPr>
               <a:t>,</a:t>
             </a:r>
-            <a:endParaRPr lang="en-US" sz="1200">
+            <a:endParaRPr lang="en-US" sz="1200" dirty="0">
               <a:ea typeface="Inter"/>
             </a:endParaRPr>
           </a:p>
@@ -32795,7 +32997,7 @@
               <a:buNone/>
             </a:pPr>
             <a:r>
-              <a:rPr lang="en-US" sz="1200">
+              <a:rPr lang="en-US" sz="1200" dirty="0">
                 <a:solidFill>
                   <a:srgbClr val="000000"/>
                 </a:solidFill>
@@ -32805,7 +33007,7 @@
               <a:t>        </a:t>
             </a:r>
             <a:r>
-              <a:rPr lang="en-US" sz="1200">
+              <a:rPr lang="en-US" sz="1200" dirty="0">
                 <a:solidFill>
                   <a:srgbClr val="3165BB"/>
                 </a:solidFill>
@@ -32815,7 +33017,7 @@
               <a:t>SWITCH</a:t>
             </a:r>
             <a:r>
-              <a:rPr lang="en-US" sz="1200">
+              <a:rPr lang="en-US" sz="1200" dirty="0">
                 <a:solidFill>
                   <a:srgbClr val="000000"/>
                 </a:solidFill>
@@ -32824,7 +33026,7 @@
               </a:rPr>
               <a:t>(</a:t>
             </a:r>
-            <a:endParaRPr lang="en-US" sz="1200">
+            <a:endParaRPr lang="en-US" sz="1200" dirty="0">
               <a:ea typeface="Inter"/>
             </a:endParaRPr>
           </a:p>
@@ -32833,7 +33035,7 @@
               <a:buNone/>
             </a:pPr>
             <a:r>
-              <a:rPr lang="en-US" sz="1200">
+              <a:rPr lang="en-US" sz="1200" dirty="0">
                 <a:solidFill>
                   <a:srgbClr val="000000"/>
                 </a:solidFill>
@@ -32843,7 +33045,7 @@
               <a:t>            </a:t>
             </a:r>
             <a:r>
-              <a:rPr lang="en-US" sz="1200">
+              <a:rPr lang="en-US" sz="1200" dirty="0">
                 <a:solidFill>
                   <a:srgbClr val="3165BB"/>
                 </a:solidFill>
@@ -32853,7 +33055,7 @@
               <a:t>TRUE</a:t>
             </a:r>
             <a:r>
-              <a:rPr lang="en-US" sz="1200">
+              <a:rPr lang="en-US" sz="1200" dirty="0">
                 <a:solidFill>
                   <a:srgbClr val="000000"/>
                 </a:solidFill>
@@ -32862,7 +33064,7 @@
               </a:rPr>
               <a:t>(),</a:t>
             </a:r>
-            <a:endParaRPr lang="en-US" sz="1200">
+            <a:endParaRPr lang="en-US" sz="1200" dirty="0">
               <a:ea typeface="Inter"/>
             </a:endParaRPr>
           </a:p>
@@ -32871,7 +33073,7 @@
               <a:buNone/>
             </a:pPr>
             <a:r>
-              <a:rPr lang="en-US" sz="1200">
+              <a:rPr lang="en-US" sz="1200" dirty="0">
                 <a:solidFill>
                   <a:srgbClr val="000000"/>
                 </a:solidFill>
@@ -32881,7 +33083,7 @@
               <a:t>            </a:t>
             </a:r>
             <a:r>
-              <a:rPr lang="en-US" sz="1200">
+              <a:rPr lang="en-US" sz="1200" dirty="0">
                 <a:solidFill>
                   <a:srgbClr val="3165BB"/>
                 </a:solidFill>
@@ -32891,7 +33093,7 @@
               <a:t>DATEDIFF</a:t>
             </a:r>
             <a:r>
-              <a:rPr lang="en-US" sz="1200">
+              <a:rPr lang="en-US" sz="1200" dirty="0">
                 <a:solidFill>
                   <a:srgbClr val="000000"/>
                 </a:solidFill>
@@ -32901,7 +33103,7 @@
               <a:t>(</a:t>
             </a:r>
             <a:r>
-              <a:rPr lang="en-US" sz="1200">
+              <a:rPr lang="en-US" sz="1200" dirty="0">
                 <a:solidFill>
                   <a:srgbClr val="001080"/>
                 </a:solidFill>
@@ -32911,7 +33113,7 @@
               <a:t>'</a:t>
             </a:r>
             <a:r>
-              <a:rPr lang="en-US" sz="1200" err="1">
+              <a:rPr lang="en-US" sz="1200" dirty="0" err="1">
                 <a:solidFill>
                   <a:srgbClr val="001080"/>
                 </a:solidFill>
@@ -32921,7 +33123,7 @@
               <a:t>HR_dataset</a:t>
             </a:r>
             <a:r>
-              <a:rPr lang="en-US" sz="1200">
+              <a:rPr lang="en-US" sz="1200" dirty="0">
                 <a:solidFill>
                   <a:srgbClr val="001080"/>
                 </a:solidFill>
@@ -32931,7 +33133,7 @@
               <a:t>'[Hire Date]</a:t>
             </a:r>
             <a:r>
-              <a:rPr lang="en-US" sz="1200">
+              <a:rPr lang="en-US" sz="1200" dirty="0">
                 <a:solidFill>
                   <a:srgbClr val="000000"/>
                 </a:solidFill>
@@ -32941,7 +33143,7 @@
               <a:t>, </a:t>
             </a:r>
             <a:r>
-              <a:rPr lang="en-US" sz="1200" err="1">
+              <a:rPr lang="en-US" sz="1200" dirty="0" err="1">
                 <a:solidFill>
                   <a:srgbClr val="008080"/>
                 </a:solidFill>
@@ -32951,7 +33153,7 @@
               <a:t>EndDate</a:t>
             </a:r>
             <a:r>
-              <a:rPr lang="en-US" sz="1200">
+              <a:rPr lang="en-US" sz="1200" dirty="0">
                 <a:solidFill>
                   <a:srgbClr val="000000"/>
                 </a:solidFill>
@@ -32961,7 +33163,7 @@
               <a:t>, </a:t>
             </a:r>
             <a:r>
-              <a:rPr lang="en-US" sz="1200">
+              <a:rPr lang="en-US" sz="1200" dirty="0">
                 <a:solidFill>
                   <a:srgbClr val="3165BB"/>
                 </a:solidFill>
@@ -32971,7 +33173,7 @@
               <a:t>YEAR</a:t>
             </a:r>
             <a:r>
-              <a:rPr lang="en-US" sz="1200">
+              <a:rPr lang="en-US" sz="1200" dirty="0">
                 <a:solidFill>
                   <a:srgbClr val="000000"/>
                 </a:solidFill>
@@ -32981,7 +33183,7 @@
               <a:t>) &lt; </a:t>
             </a:r>
             <a:r>
-              <a:rPr lang="en-US" sz="1200">
+              <a:rPr lang="en-US" sz="1200" dirty="0">
                 <a:solidFill>
                   <a:srgbClr val="098658"/>
                 </a:solidFill>
@@ -32991,7 +33193,7 @@
               <a:t>1</a:t>
             </a:r>
             <a:r>
-              <a:rPr lang="en-US" sz="1200">
+              <a:rPr lang="en-US" sz="1200" dirty="0">
                 <a:solidFill>
                   <a:srgbClr val="000000"/>
                 </a:solidFill>
@@ -33001,7 +33203,7 @@
               <a:t>, </a:t>
             </a:r>
             <a:r>
-              <a:rPr lang="en-US" sz="1200">
+              <a:rPr lang="en-US" sz="1200" dirty="0">
                 <a:solidFill>
                   <a:srgbClr val="A31515"/>
                 </a:solidFill>
@@ -33011,7 +33213,7 @@
               <a:t>"0-1 Years"</a:t>
             </a:r>
             <a:r>
-              <a:rPr lang="en-US" sz="1200">
+              <a:rPr lang="en-US" sz="1200" dirty="0">
                 <a:solidFill>
                   <a:srgbClr val="000000"/>
                 </a:solidFill>
@@ -33020,7 +33222,7 @@
               </a:rPr>
               <a:t>,</a:t>
             </a:r>
-            <a:endParaRPr lang="en-US" sz="1200">
+            <a:endParaRPr lang="en-US" sz="1200" dirty="0">
               <a:ea typeface="Inter"/>
             </a:endParaRPr>
           </a:p>
@@ -33029,7 +33231,7 @@
               <a:buNone/>
             </a:pPr>
             <a:r>
-              <a:rPr lang="en-US" sz="1200">
+              <a:rPr lang="en-US" sz="1200" dirty="0">
                 <a:solidFill>
                   <a:srgbClr val="000000"/>
                 </a:solidFill>
@@ -33039,7 +33241,7 @@
               <a:t>            </a:t>
             </a:r>
             <a:r>
-              <a:rPr lang="en-US" sz="1200">
+              <a:rPr lang="en-US" sz="1200" dirty="0">
                 <a:solidFill>
                   <a:srgbClr val="3165BB"/>
                 </a:solidFill>
@@ -33049,7 +33251,7 @@
               <a:t>DATEDIFF</a:t>
             </a:r>
             <a:r>
-              <a:rPr lang="en-US" sz="1200">
+              <a:rPr lang="en-US" sz="1200" dirty="0">
                 <a:solidFill>
                   <a:srgbClr val="000000"/>
                 </a:solidFill>
@@ -33059,7 +33261,7 @@
               <a:t>(</a:t>
             </a:r>
             <a:r>
-              <a:rPr lang="en-US" sz="1200">
+              <a:rPr lang="en-US" sz="1200" dirty="0">
                 <a:solidFill>
                   <a:srgbClr val="001080"/>
                 </a:solidFill>
@@ -33069,7 +33271,7 @@
               <a:t>'</a:t>
             </a:r>
             <a:r>
-              <a:rPr lang="en-US" sz="1200" err="1">
+              <a:rPr lang="en-US" sz="1200" dirty="0" err="1">
                 <a:solidFill>
                   <a:srgbClr val="001080"/>
                 </a:solidFill>
@@ -33079,7 +33281,7 @@
               <a:t>HR_dataset</a:t>
             </a:r>
             <a:r>
-              <a:rPr lang="en-US" sz="1200">
+              <a:rPr lang="en-US" sz="1200" dirty="0">
                 <a:solidFill>
                   <a:srgbClr val="001080"/>
                 </a:solidFill>
@@ -33089,7 +33291,7 @@
               <a:t>'[Hire Date]</a:t>
             </a:r>
             <a:r>
-              <a:rPr lang="en-US" sz="1200">
+              <a:rPr lang="en-US" sz="1200" dirty="0">
                 <a:solidFill>
                   <a:srgbClr val="000000"/>
                 </a:solidFill>
@@ -33099,7 +33301,7 @@
               <a:t>, </a:t>
             </a:r>
             <a:r>
-              <a:rPr lang="en-US" sz="1200" err="1">
+              <a:rPr lang="en-US" sz="1200" dirty="0" err="1">
                 <a:solidFill>
                   <a:srgbClr val="008080"/>
                 </a:solidFill>
@@ -33109,7 +33311,7 @@
               <a:t>EndDate</a:t>
             </a:r>
             <a:r>
-              <a:rPr lang="en-US" sz="1200">
+              <a:rPr lang="en-US" sz="1200" dirty="0">
                 <a:solidFill>
                   <a:srgbClr val="000000"/>
                 </a:solidFill>
@@ -33119,7 +33321,7 @@
               <a:t>, </a:t>
             </a:r>
             <a:r>
-              <a:rPr lang="en-US" sz="1200">
+              <a:rPr lang="en-US" sz="1200" dirty="0">
                 <a:solidFill>
                   <a:srgbClr val="3165BB"/>
                 </a:solidFill>
@@ -33129,7 +33331,7 @@
               <a:t>YEAR</a:t>
             </a:r>
             <a:r>
-              <a:rPr lang="en-US" sz="1200">
+              <a:rPr lang="en-US" sz="1200" dirty="0">
                 <a:solidFill>
                   <a:srgbClr val="000000"/>
                 </a:solidFill>
@@ -33139,7 +33341,7 @@
               <a:t>) &gt;= </a:t>
             </a:r>
             <a:r>
-              <a:rPr lang="en-US" sz="1200">
+              <a:rPr lang="en-US" sz="1200" dirty="0">
                 <a:solidFill>
                   <a:srgbClr val="098658"/>
                 </a:solidFill>
@@ -33149,7 +33351,7 @@
               <a:t>1</a:t>
             </a:r>
             <a:r>
-              <a:rPr lang="en-US" sz="1200">
+              <a:rPr lang="en-US" sz="1200" dirty="0">
                 <a:solidFill>
                   <a:srgbClr val="000000"/>
                 </a:solidFill>
@@ -33159,7 +33361,7 @@
               <a:t> &amp;&amp; </a:t>
             </a:r>
             <a:r>
-              <a:rPr lang="en-US" sz="1200">
+              <a:rPr lang="en-US" sz="1200" dirty="0">
                 <a:solidFill>
                   <a:srgbClr val="3165BB"/>
                 </a:solidFill>
@@ -33169,7 +33371,7 @@
               <a:t>DATEDIFF</a:t>
             </a:r>
             <a:r>
-              <a:rPr lang="en-US" sz="1200">
+              <a:rPr lang="en-US" sz="1200" dirty="0">
                 <a:solidFill>
                   <a:srgbClr val="000000"/>
                 </a:solidFill>
@@ -33179,7 +33381,7 @@
               <a:t>(</a:t>
             </a:r>
             <a:r>
-              <a:rPr lang="en-US" sz="1200">
+              <a:rPr lang="en-US" sz="1200" dirty="0">
                 <a:solidFill>
                   <a:srgbClr val="001080"/>
                 </a:solidFill>
@@ -33189,7 +33391,7 @@
               <a:t>'</a:t>
             </a:r>
             <a:r>
-              <a:rPr lang="en-US" sz="1200" err="1">
+              <a:rPr lang="en-US" sz="1200" dirty="0" err="1">
                 <a:solidFill>
                   <a:srgbClr val="001080"/>
                 </a:solidFill>
@@ -33199,7 +33401,7 @@
               <a:t>HR_dataset</a:t>
             </a:r>
             <a:r>
-              <a:rPr lang="en-US" sz="1200">
+              <a:rPr lang="en-US" sz="1200" dirty="0">
                 <a:solidFill>
                   <a:srgbClr val="001080"/>
                 </a:solidFill>
@@ -33209,7 +33411,7 @@
               <a:t>'[Hire Date]</a:t>
             </a:r>
             <a:r>
-              <a:rPr lang="en-US" sz="1200">
+              <a:rPr lang="en-US" sz="1200" dirty="0">
                 <a:solidFill>
                   <a:srgbClr val="000000"/>
                 </a:solidFill>
@@ -33219,7 +33421,7 @@
               <a:t>, </a:t>
             </a:r>
             <a:r>
-              <a:rPr lang="en-US" sz="1200" err="1">
+              <a:rPr lang="en-US" sz="1200" dirty="0" err="1">
                 <a:solidFill>
                   <a:srgbClr val="008080"/>
                 </a:solidFill>
@@ -33229,7 +33431,7 @@
               <a:t>EndDate</a:t>
             </a:r>
             <a:r>
-              <a:rPr lang="en-US" sz="1200">
+              <a:rPr lang="en-US" sz="1200" dirty="0">
                 <a:solidFill>
                   <a:srgbClr val="000000"/>
                 </a:solidFill>
@@ -33239,7 +33441,7 @@
               <a:t>, </a:t>
             </a:r>
             <a:r>
-              <a:rPr lang="en-US" sz="1200">
+              <a:rPr lang="en-US" sz="1200" dirty="0">
                 <a:solidFill>
                   <a:srgbClr val="3165BB"/>
                 </a:solidFill>
@@ -33249,7 +33451,7 @@
               <a:t>YEAR</a:t>
             </a:r>
             <a:r>
-              <a:rPr lang="en-US" sz="1200">
+              <a:rPr lang="en-US" sz="1200" dirty="0">
                 <a:solidFill>
                   <a:srgbClr val="000000"/>
                 </a:solidFill>
@@ -33259,7 +33461,7 @@
               <a:t>) &lt; </a:t>
             </a:r>
             <a:r>
-              <a:rPr lang="en-US" sz="1200">
+              <a:rPr lang="en-US" sz="1200" dirty="0">
                 <a:solidFill>
                   <a:srgbClr val="098658"/>
                 </a:solidFill>
@@ -33269,7 +33471,7 @@
               <a:t>3</a:t>
             </a:r>
             <a:r>
-              <a:rPr lang="en-US" sz="1200">
+              <a:rPr lang="en-US" sz="1200" dirty="0">
                 <a:solidFill>
                   <a:srgbClr val="000000"/>
                 </a:solidFill>
@@ -33279,7 +33481,7 @@
               <a:t>, </a:t>
             </a:r>
             <a:r>
-              <a:rPr lang="en-US" sz="1200">
+              <a:rPr lang="en-US" sz="1200" dirty="0">
                 <a:solidFill>
                   <a:srgbClr val="A31515"/>
                 </a:solidFill>
@@ -33289,7 +33491,7 @@
               <a:t>"1-3 Years"</a:t>
             </a:r>
             <a:r>
-              <a:rPr lang="en-US" sz="1200">
+              <a:rPr lang="en-US" sz="1200" dirty="0">
                 <a:solidFill>
                   <a:srgbClr val="000000"/>
                 </a:solidFill>
@@ -33298,7 +33500,7 @@
               </a:rPr>
               <a:t>,</a:t>
             </a:r>
-            <a:endParaRPr lang="en-US" sz="1200">
+            <a:endParaRPr lang="en-US" sz="1200" dirty="0">
               <a:ea typeface="Inter"/>
             </a:endParaRPr>
           </a:p>
@@ -33307,7 +33509,7 @@
               <a:buNone/>
             </a:pPr>
             <a:r>
-              <a:rPr lang="en-US" sz="1200">
+              <a:rPr lang="en-US" sz="1200" dirty="0">
                 <a:solidFill>
                   <a:srgbClr val="000000"/>
                 </a:solidFill>
@@ -33317,7 +33519,7 @@
               <a:t>            </a:t>
             </a:r>
             <a:r>
-              <a:rPr lang="en-US" sz="1200">
+              <a:rPr lang="en-US" sz="1200" dirty="0">
                 <a:solidFill>
                   <a:srgbClr val="3165BB"/>
                 </a:solidFill>
@@ -33327,7 +33529,7 @@
               <a:t>DATEDIFF</a:t>
             </a:r>
             <a:r>
-              <a:rPr lang="en-US" sz="1200">
+              <a:rPr lang="en-US" sz="1200" dirty="0">
                 <a:solidFill>
                   <a:srgbClr val="000000"/>
                 </a:solidFill>
@@ -33337,7 +33539,7 @@
               <a:t>(</a:t>
             </a:r>
             <a:r>
-              <a:rPr lang="en-US" sz="1200">
+              <a:rPr lang="en-US" sz="1200" dirty="0">
                 <a:solidFill>
                   <a:srgbClr val="001080"/>
                 </a:solidFill>
@@ -33347,7 +33549,7 @@
               <a:t>'</a:t>
             </a:r>
             <a:r>
-              <a:rPr lang="en-US" sz="1200" err="1">
+              <a:rPr lang="en-US" sz="1200" dirty="0" err="1">
                 <a:solidFill>
                   <a:srgbClr val="001080"/>
                 </a:solidFill>
@@ -33357,7 +33559,7 @@
               <a:t>HR_dataset</a:t>
             </a:r>
             <a:r>
-              <a:rPr lang="en-US" sz="1200">
+              <a:rPr lang="en-US" sz="1200" dirty="0">
                 <a:solidFill>
                   <a:srgbClr val="001080"/>
                 </a:solidFill>
@@ -33367,7 +33569,7 @@
               <a:t>'[Hire Date]</a:t>
             </a:r>
             <a:r>
-              <a:rPr lang="en-US" sz="1200">
+              <a:rPr lang="en-US" sz="1200" dirty="0">
                 <a:solidFill>
                   <a:srgbClr val="000000"/>
                 </a:solidFill>
@@ -33377,7 +33579,7 @@
               <a:t>, </a:t>
             </a:r>
             <a:r>
-              <a:rPr lang="en-US" sz="1200" err="1">
+              <a:rPr lang="en-US" sz="1200" dirty="0" err="1">
                 <a:solidFill>
                   <a:srgbClr val="008080"/>
                 </a:solidFill>
@@ -33387,7 +33589,7 @@
               <a:t>EndDate</a:t>
             </a:r>
             <a:r>
-              <a:rPr lang="en-US" sz="1200">
+              <a:rPr lang="en-US" sz="1200" dirty="0">
                 <a:solidFill>
                   <a:srgbClr val="000000"/>
                 </a:solidFill>
@@ -33397,7 +33599,7 @@
               <a:t>, </a:t>
             </a:r>
             <a:r>
-              <a:rPr lang="en-US" sz="1200">
+              <a:rPr lang="en-US" sz="1200" dirty="0">
                 <a:solidFill>
                   <a:srgbClr val="3165BB"/>
                 </a:solidFill>
@@ -33407,7 +33609,7 @@
               <a:t>YEAR</a:t>
             </a:r>
             <a:r>
-              <a:rPr lang="en-US" sz="1200">
+              <a:rPr lang="en-US" sz="1200" dirty="0">
                 <a:solidFill>
                   <a:srgbClr val="000000"/>
                 </a:solidFill>
@@ -33417,7 +33619,7 @@
               <a:t>) &gt;= </a:t>
             </a:r>
             <a:r>
-              <a:rPr lang="en-US" sz="1200">
+              <a:rPr lang="en-US" sz="1200" dirty="0">
                 <a:solidFill>
                   <a:srgbClr val="098658"/>
                 </a:solidFill>
@@ -33427,7 +33629,7 @@
               <a:t>3</a:t>
             </a:r>
             <a:r>
-              <a:rPr lang="en-US" sz="1200">
+              <a:rPr lang="en-US" sz="1200" dirty="0">
                 <a:solidFill>
                   <a:srgbClr val="000000"/>
                 </a:solidFill>
@@ -33437,7 +33639,7 @@
               <a:t> &amp;&amp; </a:t>
             </a:r>
             <a:r>
-              <a:rPr lang="en-US" sz="1200">
+              <a:rPr lang="en-US" sz="1200" dirty="0">
                 <a:solidFill>
                   <a:srgbClr val="3165BB"/>
                 </a:solidFill>
@@ -33447,7 +33649,7 @@
               <a:t>DATEDIFF</a:t>
             </a:r>
             <a:r>
-              <a:rPr lang="en-US" sz="1200">
+              <a:rPr lang="en-US" sz="1200" dirty="0">
                 <a:solidFill>
                   <a:srgbClr val="000000"/>
                 </a:solidFill>
@@ -33457,7 +33659,7 @@
               <a:t>(</a:t>
             </a:r>
             <a:r>
-              <a:rPr lang="en-US" sz="1200">
+              <a:rPr lang="en-US" sz="1200" dirty="0">
                 <a:solidFill>
                   <a:srgbClr val="001080"/>
                 </a:solidFill>
@@ -33467,7 +33669,7 @@
               <a:t>'</a:t>
             </a:r>
             <a:r>
-              <a:rPr lang="en-US" sz="1200" err="1">
+              <a:rPr lang="en-US" sz="1200" dirty="0" err="1">
                 <a:solidFill>
                   <a:srgbClr val="001080"/>
                 </a:solidFill>
@@ -33477,7 +33679,7 @@
               <a:t>HR_dataset</a:t>
             </a:r>
             <a:r>
-              <a:rPr lang="en-US" sz="1200">
+              <a:rPr lang="en-US" sz="1200" dirty="0">
                 <a:solidFill>
                   <a:srgbClr val="001080"/>
                 </a:solidFill>
@@ -33487,7 +33689,7 @@
               <a:t>'[Hire Date]</a:t>
             </a:r>
             <a:r>
-              <a:rPr lang="en-US" sz="1200">
+              <a:rPr lang="en-US" sz="1200" dirty="0">
                 <a:solidFill>
                   <a:srgbClr val="000000"/>
                 </a:solidFill>
@@ -33497,7 +33699,7 @@
               <a:t>, </a:t>
             </a:r>
             <a:r>
-              <a:rPr lang="en-US" sz="1200" err="1">
+              <a:rPr lang="en-US" sz="1200" dirty="0" err="1">
                 <a:solidFill>
                   <a:srgbClr val="008080"/>
                 </a:solidFill>
@@ -33507,7 +33709,7 @@
               <a:t>EndDate</a:t>
             </a:r>
             <a:r>
-              <a:rPr lang="en-US" sz="1200">
+              <a:rPr lang="en-US" sz="1200" dirty="0">
                 <a:solidFill>
                   <a:srgbClr val="000000"/>
                 </a:solidFill>
@@ -33517,7 +33719,7 @@
               <a:t>, </a:t>
             </a:r>
             <a:r>
-              <a:rPr lang="en-US" sz="1200">
+              <a:rPr lang="en-US" sz="1200" dirty="0">
                 <a:solidFill>
                   <a:srgbClr val="3165BB"/>
                 </a:solidFill>
@@ -33527,7 +33729,7 @@
               <a:t>YEAR</a:t>
             </a:r>
             <a:r>
-              <a:rPr lang="en-US" sz="1200">
+              <a:rPr lang="en-US" sz="1200" dirty="0">
                 <a:solidFill>
                   <a:srgbClr val="000000"/>
                 </a:solidFill>
@@ -33537,7 +33739,7 @@
               <a:t>) &lt; </a:t>
             </a:r>
             <a:r>
-              <a:rPr lang="en-US" sz="1200">
+              <a:rPr lang="en-US" sz="1200" dirty="0">
                 <a:solidFill>
                   <a:srgbClr val="098658"/>
                 </a:solidFill>
@@ -33547,7 +33749,7 @@
               <a:t>5</a:t>
             </a:r>
             <a:r>
-              <a:rPr lang="en-US" sz="1200">
+              <a:rPr lang="en-US" sz="1200" dirty="0">
                 <a:solidFill>
                   <a:srgbClr val="000000"/>
                 </a:solidFill>
@@ -33557,7 +33759,7 @@
               <a:t>, </a:t>
             </a:r>
             <a:r>
-              <a:rPr lang="en-US" sz="1200">
+              <a:rPr lang="en-US" sz="1200" dirty="0">
                 <a:solidFill>
                   <a:srgbClr val="A31515"/>
                 </a:solidFill>
@@ -33567,7 +33769,7 @@
               <a:t>"3-5 Years"</a:t>
             </a:r>
             <a:r>
-              <a:rPr lang="en-US" sz="1200">
+              <a:rPr lang="en-US" sz="1200" dirty="0">
                 <a:solidFill>
                   <a:srgbClr val="000000"/>
                 </a:solidFill>
@@ -33576,7 +33778,7 @@
               </a:rPr>
               <a:t>,</a:t>
             </a:r>
-            <a:endParaRPr lang="en-US" sz="1200">
+            <a:endParaRPr lang="en-US" sz="1200" dirty="0">
               <a:ea typeface="Inter"/>
             </a:endParaRPr>
           </a:p>
@@ -33585,7 +33787,7 @@
               <a:buNone/>
             </a:pPr>
             <a:r>
-              <a:rPr lang="en-US" sz="1200">
+              <a:rPr lang="en-US" sz="1200" dirty="0">
                 <a:solidFill>
                   <a:srgbClr val="000000"/>
                 </a:solidFill>
@@ -33595,7 +33797,7 @@
               <a:t>            </a:t>
             </a:r>
             <a:r>
-              <a:rPr lang="en-US" sz="1200">
+              <a:rPr lang="en-US" sz="1200" dirty="0">
                 <a:solidFill>
                   <a:srgbClr val="3165BB"/>
                 </a:solidFill>
@@ -33605,7 +33807,7 @@
               <a:t>DATEDIFF</a:t>
             </a:r>
             <a:r>
-              <a:rPr lang="en-US" sz="1200">
+              <a:rPr lang="en-US" sz="1200" dirty="0">
                 <a:solidFill>
                   <a:srgbClr val="000000"/>
                 </a:solidFill>
@@ -33615,7 +33817,7 @@
               <a:t>(</a:t>
             </a:r>
             <a:r>
-              <a:rPr lang="en-US" sz="1200">
+              <a:rPr lang="en-US" sz="1200" dirty="0">
                 <a:solidFill>
                   <a:srgbClr val="001080"/>
                 </a:solidFill>
@@ -33625,7 +33827,7 @@
               <a:t>'</a:t>
             </a:r>
             <a:r>
-              <a:rPr lang="en-US" sz="1200" err="1">
+              <a:rPr lang="en-US" sz="1200" dirty="0" err="1">
                 <a:solidFill>
                   <a:srgbClr val="001080"/>
                 </a:solidFill>
@@ -33635,7 +33837,7 @@
               <a:t>HR_dataset</a:t>
             </a:r>
             <a:r>
-              <a:rPr lang="en-US" sz="1200">
+              <a:rPr lang="en-US" sz="1200" dirty="0">
                 <a:solidFill>
                   <a:srgbClr val="001080"/>
                 </a:solidFill>
@@ -33645,7 +33847,7 @@
               <a:t>'[Hire Date]</a:t>
             </a:r>
             <a:r>
-              <a:rPr lang="en-US" sz="1200">
+              <a:rPr lang="en-US" sz="1200" dirty="0">
                 <a:solidFill>
                   <a:srgbClr val="000000"/>
                 </a:solidFill>
@@ -33655,7 +33857,7 @@
               <a:t>, </a:t>
             </a:r>
             <a:r>
-              <a:rPr lang="en-US" sz="1200" err="1">
+              <a:rPr lang="en-US" sz="1200" dirty="0" err="1">
                 <a:solidFill>
                   <a:srgbClr val="008080"/>
                 </a:solidFill>
@@ -33665,7 +33867,7 @@
               <a:t>EndDate</a:t>
             </a:r>
             <a:r>
-              <a:rPr lang="en-US" sz="1200">
+              <a:rPr lang="en-US" sz="1200" dirty="0">
                 <a:solidFill>
                   <a:srgbClr val="000000"/>
                 </a:solidFill>
@@ -33675,7 +33877,7 @@
               <a:t>, </a:t>
             </a:r>
             <a:r>
-              <a:rPr lang="en-US" sz="1200">
+              <a:rPr lang="en-US" sz="1200" dirty="0">
                 <a:solidFill>
                   <a:srgbClr val="3165BB"/>
                 </a:solidFill>
@@ -33685,7 +33887,7 @@
               <a:t>YEAR</a:t>
             </a:r>
             <a:r>
-              <a:rPr lang="en-US" sz="1200">
+              <a:rPr lang="en-US" sz="1200" dirty="0">
                 <a:solidFill>
                   <a:srgbClr val="000000"/>
                 </a:solidFill>
@@ -33695,7 +33897,7 @@
               <a:t>) &gt;= </a:t>
             </a:r>
             <a:r>
-              <a:rPr lang="en-US" sz="1200">
+              <a:rPr lang="en-US" sz="1200" dirty="0">
                 <a:solidFill>
                   <a:srgbClr val="098658"/>
                 </a:solidFill>
@@ -33705,7 +33907,7 @@
               <a:t>5</a:t>
             </a:r>
             <a:r>
-              <a:rPr lang="en-US" sz="1200">
+              <a:rPr lang="en-US" sz="1200" dirty="0">
                 <a:solidFill>
                   <a:srgbClr val="000000"/>
                 </a:solidFill>
@@ -33715,7 +33917,7 @@
               <a:t>, </a:t>
             </a:r>
             <a:r>
-              <a:rPr lang="en-US" sz="1200">
+              <a:rPr lang="en-US" sz="1200" dirty="0">
                 <a:solidFill>
                   <a:srgbClr val="A31515"/>
                 </a:solidFill>
@@ -33725,7 +33927,7 @@
               <a:t>"5+ Years"</a:t>
             </a:r>
             <a:r>
-              <a:rPr lang="en-US" sz="1200">
+              <a:rPr lang="en-US" sz="1200" dirty="0">
                 <a:solidFill>
                   <a:srgbClr val="000000"/>
                 </a:solidFill>
@@ -33734,7 +33936,7 @@
               </a:rPr>
               <a:t>,</a:t>
             </a:r>
-            <a:endParaRPr lang="en-US" sz="1200">
+            <a:endParaRPr lang="en-US" sz="1200" dirty="0">
               <a:ea typeface="Inter"/>
             </a:endParaRPr>
           </a:p>
@@ -33743,7 +33945,7 @@
               <a:buNone/>
             </a:pPr>
             <a:r>
-              <a:rPr lang="en-US" sz="1200">
+              <a:rPr lang="en-US" sz="1200" dirty="0">
                 <a:solidFill>
                   <a:srgbClr val="000000"/>
                 </a:solidFill>
@@ -33753,7 +33955,7 @@
               <a:t>            </a:t>
             </a:r>
             <a:r>
-              <a:rPr lang="en-US" sz="1200">
+              <a:rPr lang="en-US" sz="1200" dirty="0">
                 <a:solidFill>
                   <a:srgbClr val="A31515"/>
                 </a:solidFill>
@@ -33762,7 +33964,7 @@
               </a:rPr>
               <a:t>"Unknown"</a:t>
             </a:r>
-            <a:endParaRPr lang="en-US" sz="1200">
+            <a:endParaRPr lang="en-US" sz="1200" dirty="0">
               <a:ea typeface="Inter"/>
             </a:endParaRPr>
           </a:p>
@@ -33771,7 +33973,7 @@
               <a:buNone/>
             </a:pPr>
             <a:r>
-              <a:rPr lang="en-US" sz="1200">
+              <a:rPr lang="en-US" sz="1200" dirty="0">
                 <a:solidFill>
                   <a:srgbClr val="000000"/>
                 </a:solidFill>
@@ -33780,7 +33982,7 @@
               </a:rPr>
               <a:t>        )</a:t>
             </a:r>
-            <a:endParaRPr lang="en-US" sz="1200">
+            <a:endParaRPr lang="en-US" sz="1200" dirty="0">
               <a:ea typeface="Inter"/>
             </a:endParaRPr>
           </a:p>
@@ -33789,7 +33991,7 @@
               <a:buNone/>
             </a:pPr>
             <a:r>
-              <a:rPr lang="en-US" sz="1200">
+              <a:rPr lang="en-US" sz="1200" dirty="0">
                 <a:solidFill>
                   <a:srgbClr val="000000"/>
                 </a:solidFill>
@@ -33798,7 +34000,7 @@
               </a:rPr>
               <a:t>    )</a:t>
             </a:r>
-            <a:endParaRPr lang="en-US" sz="1200">
+            <a:endParaRPr lang="en-US" sz="1200" dirty="0">
               <a:ea typeface="Inter"/>
             </a:endParaRPr>
           </a:p>
@@ -33807,7 +34009,7 @@
               <a:buNone/>
             </a:pPr>
             <a:r>
-              <a:rPr lang="en-US" sz="1200">
+              <a:rPr lang="en-US" sz="1200" dirty="0">
                 <a:solidFill>
                   <a:srgbClr val="0000FF"/>
                 </a:solidFill>
@@ -33816,7 +34018,7 @@
               </a:rPr>
               <a:t>RETURN</a:t>
             </a:r>
-            <a:endParaRPr lang="en-US" sz="1200">
+            <a:endParaRPr lang="en-US" sz="1200" dirty="0">
               <a:ea typeface="Inter"/>
             </a:endParaRPr>
           </a:p>
@@ -33825,7 +34027,7 @@
               <a:buNone/>
             </a:pPr>
             <a:r>
-              <a:rPr lang="en-US" sz="1200">
+              <a:rPr lang="en-US" sz="1200" dirty="0">
                 <a:solidFill>
                   <a:srgbClr val="000000"/>
                 </a:solidFill>
@@ -33835,7 +34037,7 @@
               <a:t>    </a:t>
             </a:r>
             <a:r>
-              <a:rPr lang="en-US" sz="1200">
+              <a:rPr lang="en-US" sz="1200" dirty="0">
                 <a:solidFill>
                   <a:srgbClr val="3165BB"/>
                 </a:solidFill>
@@ -33845,7 +34047,7 @@
               <a:t>COUNTROWS</a:t>
             </a:r>
             <a:r>
-              <a:rPr lang="en-US" sz="1200">
+              <a:rPr lang="en-US" sz="1200" dirty="0">
                 <a:solidFill>
                   <a:srgbClr val="000000"/>
                 </a:solidFill>
@@ -33854,7 +34056,7 @@
               </a:rPr>
               <a:t>(</a:t>
             </a:r>
-            <a:endParaRPr lang="en-US" sz="1200">
+            <a:endParaRPr lang="en-US" sz="1200" dirty="0">
               <a:ea typeface="Inter"/>
             </a:endParaRPr>
           </a:p>
@@ -33863,7 +34065,7 @@
               <a:buNone/>
             </a:pPr>
             <a:r>
-              <a:rPr lang="en-US" sz="1200">
+              <a:rPr lang="en-US" sz="1200" dirty="0">
                 <a:solidFill>
                   <a:srgbClr val="000000"/>
                 </a:solidFill>
@@ -33873,7 +34075,7 @@
               <a:t>        </a:t>
             </a:r>
             <a:r>
-              <a:rPr lang="en-US" sz="1200">
+              <a:rPr lang="en-US" sz="1200" dirty="0">
                 <a:solidFill>
                   <a:srgbClr val="3165BB"/>
                 </a:solidFill>
@@ -33883,7 +34085,7 @@
               <a:t>FILTER</a:t>
             </a:r>
             <a:r>
-              <a:rPr lang="en-US" sz="1200">
+              <a:rPr lang="en-US" sz="1200" dirty="0">
                 <a:solidFill>
                   <a:srgbClr val="000000"/>
                 </a:solidFill>
@@ -33892,7 +34094,7 @@
               </a:rPr>
               <a:t>(</a:t>
             </a:r>
-            <a:endParaRPr lang="en-US" sz="1200">
+            <a:endParaRPr lang="en-US" sz="1200" dirty="0">
               <a:ea typeface="Inter"/>
             </a:endParaRPr>
           </a:p>
@@ -33901,7 +34103,7 @@
               <a:buNone/>
             </a:pPr>
             <a:r>
-              <a:rPr lang="en-US" sz="1200">
+              <a:rPr lang="en-US" sz="1200" dirty="0">
                 <a:solidFill>
                   <a:srgbClr val="000000"/>
                 </a:solidFill>
@@ -33911,7 +34113,7 @@
               <a:t>            </a:t>
             </a:r>
             <a:r>
-              <a:rPr lang="en-US" sz="1200" err="1">
+              <a:rPr lang="en-US" sz="1200" dirty="0" err="1">
                 <a:solidFill>
                   <a:srgbClr val="008080"/>
                 </a:solidFill>
@@ -33921,7 +34123,7 @@
               <a:t>TenureGroups</a:t>
             </a:r>
             <a:r>
-              <a:rPr lang="en-US" sz="1200">
+              <a:rPr lang="en-US" sz="1200" dirty="0">
                 <a:solidFill>
                   <a:srgbClr val="000000"/>
                 </a:solidFill>
@@ -33930,7 +34132,7 @@
               </a:rPr>
               <a:t>,</a:t>
             </a:r>
-            <a:endParaRPr lang="en-US" sz="1200">
+            <a:endParaRPr lang="en-US" sz="1200" dirty="0">
               <a:ea typeface="Inter"/>
             </a:endParaRPr>
           </a:p>
@@ -33939,7 +34141,7 @@
               <a:buNone/>
             </a:pPr>
             <a:r>
-              <a:rPr lang="en-US" sz="1200">
+              <a:rPr lang="en-US" sz="1200" dirty="0">
                 <a:solidFill>
                   <a:srgbClr val="000000"/>
                 </a:solidFill>
@@ -33949,7 +34151,7 @@
               <a:t>            </a:t>
             </a:r>
             <a:r>
-              <a:rPr lang="en-US" sz="1200">
+              <a:rPr lang="en-US" sz="1200" dirty="0">
                 <a:solidFill>
                   <a:srgbClr val="001080"/>
                 </a:solidFill>
@@ -33959,7 +34161,7 @@
               <a:t>[</a:t>
             </a:r>
             <a:r>
-              <a:rPr lang="en-US" sz="1200" err="1">
+              <a:rPr lang="en-US" sz="1200" dirty="0" err="1">
                 <a:solidFill>
                   <a:srgbClr val="001080"/>
                 </a:solidFill>
@@ -33969,7 +34171,7 @@
               <a:t>TenureCategory</a:t>
             </a:r>
             <a:r>
-              <a:rPr lang="en-US" sz="1200">
+              <a:rPr lang="en-US" sz="1200" dirty="0">
                 <a:solidFill>
                   <a:srgbClr val="001080"/>
                 </a:solidFill>
@@ -33979,7 +34181,7 @@
               <a:t>]</a:t>
             </a:r>
             <a:r>
-              <a:rPr lang="en-US" sz="1200">
+              <a:rPr lang="en-US" sz="1200" dirty="0">
                 <a:solidFill>
                   <a:srgbClr val="000000"/>
                 </a:solidFill>
@@ -33989,7 +34191,7 @@
               <a:t> = </a:t>
             </a:r>
             <a:r>
-              <a:rPr lang="en-US" sz="1200">
+              <a:rPr lang="en-US" sz="1200" dirty="0">
                 <a:solidFill>
                   <a:srgbClr val="3165BB"/>
                 </a:solidFill>
@@ -33999,7 +34201,7 @@
               <a:t>SELECTEDVALUE</a:t>
             </a:r>
             <a:r>
-              <a:rPr lang="en-US" sz="1200">
+              <a:rPr lang="en-US" sz="1200" dirty="0">
                 <a:solidFill>
                   <a:srgbClr val="000000"/>
                 </a:solidFill>
@@ -34009,7 +34211,7 @@
               <a:t>(</a:t>
             </a:r>
             <a:r>
-              <a:rPr lang="en-US" sz="1200">
+              <a:rPr lang="en-US" sz="1200" dirty="0">
                 <a:solidFill>
                   <a:srgbClr val="001080"/>
                 </a:solidFill>
@@ -34019,7 +34221,7 @@
               <a:t>'Tenure Groups Table'[Tenure Group]</a:t>
             </a:r>
             <a:r>
-              <a:rPr lang="en-US" sz="1200">
+              <a:rPr lang="en-US" sz="1200" dirty="0">
                 <a:solidFill>
                   <a:srgbClr val="000000"/>
                 </a:solidFill>
@@ -34029,9 +34231,9 @@
               <a:t>)))</a:t>
             </a:r>
             <a:br>
-              <a:rPr lang="en-US"/>
+              <a:rPr lang="en-US" dirty="0"/>
             </a:br>
-            <a:endParaRPr lang="en-US"/>
+            <a:endParaRPr lang="en-US" dirty="0"/>
           </a:p>
           <a:p>
             <a:pPr marL="1143000" lvl="1">
@@ -34042,7 +34244,7 @@
                 <a:srgbClr val="121212"/>
               </a:buClr>
             </a:pPr>
-            <a:endParaRPr lang="en-US" sz="2000"/>
+            <a:endParaRPr lang="en-US" sz="2000" dirty="0"/>
           </a:p>
           <a:p>
             <a:pPr marL="628650" indent="-342900">
@@ -34053,7 +34255,7 @@
                 <a:srgbClr val="121212"/>
               </a:buClr>
             </a:pPr>
-            <a:endParaRPr lang="en-US" sz="2000"/>
+            <a:endParaRPr lang="en-US" sz="2000" dirty="0"/>
           </a:p>
           <a:p>
             <a:pPr marL="1428750" lvl="2">
@@ -34063,7 +34265,7 @@
               <a:buFont typeface="Wingdings" panose="020B0502030000000004" pitchFamily="34" charset="0"/>
               <a:buChar char="§"/>
             </a:pPr>
-            <a:endParaRPr lang="en-US" sz="2000"/>
+            <a:endParaRPr lang="en-US" sz="2000" dirty="0"/>
           </a:p>
           <a:p>
             <a:pPr marL="1428750" lvl="2">
@@ -34073,7 +34275,7 @@
               <a:buFont typeface="Wingdings" panose="020B0502030000000004" pitchFamily="34" charset="0"/>
               <a:buChar char="§"/>
             </a:pPr>
-            <a:endParaRPr lang="en-US" sz="2000"/>
+            <a:endParaRPr lang="en-US" sz="2000" dirty="0"/>
           </a:p>
           <a:p>
             <a:pPr marL="514350">
@@ -34084,7 +34286,7 @@
                 <a:srgbClr val="121212"/>
               </a:buClr>
             </a:pPr>
-            <a:endParaRPr lang="en-US" sz="2000"/>
+            <a:endParaRPr lang="en-US" sz="2000" dirty="0"/>
           </a:p>
           <a:p>
             <a:pPr marL="514350">
@@ -34095,7 +34297,7 @@
                 <a:srgbClr val="121212"/>
               </a:buClr>
             </a:pPr>
-            <a:endParaRPr lang="en-US" sz="2000"/>
+            <a:endParaRPr lang="en-US" sz="2000" dirty="0"/>
           </a:p>
         </p:txBody>
       </p:sp>
@@ -36762,6 +36964,12 @@
 </file>
 
 <file path=customXml/item1.xml><?xml version="1.0" encoding="utf-8"?>
+<p:properties xmlns:p="http://schemas.microsoft.com/office/2006/metadata/properties" xmlns:xsi="http://www.w3.org/2001/XMLSchema-instance" xmlns:pc="http://schemas.microsoft.com/office/infopath/2007/PartnerControls">
+  <documentManagement/>
+</p:properties>
+</file>
+
+<file path=customXml/item2.xml><?xml version="1.0" encoding="utf-8"?>
 <ct:contentTypeSchema xmlns:ct="http://schemas.microsoft.com/office/2006/metadata/contentType" xmlns:ma="http://schemas.microsoft.com/office/2006/metadata/properties/metaAttributes" ct:_="" ma:_="" ma:contentTypeName="Document" ma:contentTypeID="0x010100C4D27B8FA8976546BCD79313C588588D" ma:contentTypeVersion="8" ma:contentTypeDescription="Create a new document." ma:contentTypeScope="" ma:versionID="a112c56f6fe148a79025c76584832af0">
   <xsd:schema xmlns:xsd="http://www.w3.org/2001/XMLSchema" xmlns:xs="http://www.w3.org/2001/XMLSchema" xmlns:p="http://schemas.microsoft.com/office/2006/metadata/properties" xmlns:ns2="a1a2d923-8fea-42f1-bd41-9cdfff65694e" targetNamespace="http://schemas.microsoft.com/office/2006/metadata/properties" ma:root="true" ma:fieldsID="97c8655d467eaa9470a714421e7268c0" ns2:_="">
     <xsd:import namespace="a1a2d923-8fea-42f1-bd41-9cdfff65694e"/>
@@ -36929,12 +37137,6 @@
 </ct:contentTypeSchema>
 </file>
 
-<file path=customXml/item2.xml><?xml version="1.0" encoding="utf-8"?>
-<p:properties xmlns:p="http://schemas.microsoft.com/office/2006/metadata/properties" xmlns:xsi="http://www.w3.org/2001/XMLSchema-instance" xmlns:pc="http://schemas.microsoft.com/office/infopath/2007/PartnerControls">
-  <documentManagement/>
-</p:properties>
-</file>
-
 <file path=customXml/item3.xml><?xml version="1.0" encoding="utf-8"?>
 <?mso-contentType ?>
 <FormTemplates xmlns="http://schemas.microsoft.com/sharepoint/v3/contenttype/forms">
@@ -36945,6 +37147,15 @@
 </file>
 
 <file path=customXml/itemProps1.xml><?xml version="1.0" encoding="utf-8"?>
+<ds:datastoreItem xmlns:ds="http://schemas.openxmlformats.org/officeDocument/2006/customXml" ds:itemID="{5BDF4908-A52A-47DD-A794-6E02D71942FC}">
+  <ds:schemaRefs>
+    <ds:schemaRef ds:uri="http://schemas.microsoft.com/office/2006/metadata/properties"/>
+    <ds:schemaRef ds:uri="http://schemas.microsoft.com/office/infopath/2007/PartnerControls"/>
+  </ds:schemaRefs>
+</ds:datastoreItem>
+</file>
+
+<file path=customXml/itemProps2.xml><?xml version="1.0" encoding="utf-8"?>
 <ds:datastoreItem xmlns:ds="http://schemas.openxmlformats.org/officeDocument/2006/customXml" ds:itemID="{9CF4F972-2392-44D0-AA45-41AC4FDC4A59}">
   <ds:schemaRefs>
     <ds:schemaRef ds:uri="a1a2d923-8fea-42f1-bd41-9cdfff65694e"/>
@@ -36962,15 +37173,6 @@
 </ds:datastoreItem>
 </file>
 
-<file path=customXml/itemProps2.xml><?xml version="1.0" encoding="utf-8"?>
-<ds:datastoreItem xmlns:ds="http://schemas.openxmlformats.org/officeDocument/2006/customXml" ds:itemID="{5BDF4908-A52A-47DD-A794-6E02D71942FC}">
-  <ds:schemaRefs>
-    <ds:schemaRef ds:uri="http://schemas.microsoft.com/office/2006/metadata/properties"/>
-    <ds:schemaRef ds:uri="http://schemas.microsoft.com/office/infopath/2007/PartnerControls"/>
-  </ds:schemaRefs>
-</ds:datastoreItem>
-</file>
-
 <file path=customXml/itemProps3.xml><?xml version="1.0" encoding="utf-8"?>
 <ds:datastoreItem xmlns:ds="http://schemas.openxmlformats.org/officeDocument/2006/customXml" ds:itemID="{9DC439CA-6F1C-4005-ACA6-A52E04DEE0A7}">
   <ds:schemaRefs>

--- a/Day5/5-paev-andmetarkus-esitlus.pptx
+++ b/Day5/5-paev-andmetarkus-esitlus.pptx
@@ -5,10 +5,10 @@
     <p:sldMasterId id="2147483648" r:id="rId4"/>
   </p:sldMasterIdLst>
   <p:notesMasterIdLst>
-    <p:notesMasterId r:id="rId21"/>
+    <p:notesMasterId r:id="rId22"/>
   </p:notesMasterIdLst>
   <p:handoutMasterIdLst>
-    <p:handoutMasterId r:id="rId22"/>
+    <p:handoutMasterId r:id="rId23"/>
   </p:handoutMasterIdLst>
   <p:sldIdLst>
     <p:sldId id="417" r:id="rId5"/>
@@ -18,39 +18,40 @@
     <p:sldId id="591" r:id="rId9"/>
     <p:sldId id="592" r:id="rId10"/>
     <p:sldId id="594" r:id="rId11"/>
-    <p:sldId id="593" r:id="rId12"/>
+    <p:sldId id="604" r:id="rId12"/>
     <p:sldId id="595" r:id="rId13"/>
-    <p:sldId id="596" r:id="rId14"/>
-    <p:sldId id="598" r:id="rId15"/>
-    <p:sldId id="599" r:id="rId16"/>
-    <p:sldId id="600" r:id="rId17"/>
-    <p:sldId id="601" r:id="rId18"/>
-    <p:sldId id="602" r:id="rId19"/>
-    <p:sldId id="603" r:id="rId20"/>
+    <p:sldId id="593" r:id="rId14"/>
+    <p:sldId id="596" r:id="rId15"/>
+    <p:sldId id="598" r:id="rId16"/>
+    <p:sldId id="599" r:id="rId17"/>
+    <p:sldId id="600" r:id="rId18"/>
+    <p:sldId id="601" r:id="rId19"/>
+    <p:sldId id="602" r:id="rId20"/>
+    <p:sldId id="603" r:id="rId21"/>
   </p:sldIdLst>
   <p:sldSz cx="12192000" cy="6858000"/>
   <p:notesSz cx="6858000" cy="9144000"/>
   <p:embeddedFontLst>
     <p:embeddedFont>
       <p:font typeface="Consolas" panose="020B0609020204030204" pitchFamily="49" charset="0"/>
-      <p:regular r:id="rId23"/>
-      <p:bold r:id="rId24"/>
-      <p:italic r:id="rId25"/>
-      <p:boldItalic r:id="rId26"/>
+      <p:regular r:id="rId24"/>
+      <p:bold r:id="rId25"/>
+      <p:italic r:id="rId26"/>
+      <p:boldItalic r:id="rId27"/>
     </p:embeddedFont>
     <p:embeddedFont>
       <p:font typeface="Inter" panose="020B0604020202020204" charset="0"/>
-      <p:regular r:id="rId27"/>
-      <p:bold r:id="rId28"/>
+      <p:regular r:id="rId28"/>
+      <p:bold r:id="rId29"/>
     </p:embeddedFont>
     <p:embeddedFont>
       <p:font typeface="Inter Bold" panose="020B0604020202020204" charset="0"/>
-      <p:bold r:id="rId29"/>
+      <p:bold r:id="rId30"/>
     </p:embeddedFont>
     <p:embeddedFont>
       <p:font typeface="Poppins SemiBold" panose="00000700000000000000" pitchFamily="2" charset="0"/>
-      <p:bold r:id="rId30"/>
-      <p:boldItalic r:id="rId31"/>
+      <p:bold r:id="rId31"/>
+      <p:boldItalic r:id="rId32"/>
     </p:embeddedFont>
   </p:embeddedFontLst>
   <p:defaultTextStyle>
@@ -171,8 +172,8 @@
 <pc:chgInfo xmlns:a="http://schemas.openxmlformats.org/drawingml/2006/main" xmlns:r="http://schemas.openxmlformats.org/officeDocument/2006/relationships" xmlns:ac="http://schemas.microsoft.com/office/drawing/2013/main/command" xmlns:pc="http://schemas.microsoft.com/office/powerpoint/2013/main/command">
   <pc:docChgLst>
     <pc:chgData name="Virve Räni" userId="161a7437-7ef4-49ec-91bf-54882f313dfe" providerId="ADAL" clId="{BE274516-F337-429E-BA00-F1B834D8EE56}"/>
-    <pc:docChg chg="addSld modSld">
-      <pc:chgData name="Virve Räni" userId="161a7437-7ef4-49ec-91bf-54882f313dfe" providerId="ADAL" clId="{BE274516-F337-429E-BA00-F1B834D8EE56}" dt="2025-08-29T05:57:32.051" v="302" actId="20577"/>
+    <pc:docChg chg="custSel addSld modSld sldOrd">
+      <pc:chgData name="Virve Räni" userId="161a7437-7ef4-49ec-91bf-54882f313dfe" providerId="ADAL" clId="{BE274516-F337-429E-BA00-F1B834D8EE56}" dt="2025-08-29T13:34:01.572" v="512" actId="20577"/>
       <pc:docMkLst>
         <pc:docMk/>
       </pc:docMkLst>
@@ -198,6 +199,21 @@
           </ac:spMkLst>
         </pc:spChg>
       </pc:sldChg>
+      <pc:sldChg chg="modSp mod ord">
+        <pc:chgData name="Virve Räni" userId="161a7437-7ef4-49ec-91bf-54882f313dfe" providerId="ADAL" clId="{BE274516-F337-429E-BA00-F1B834D8EE56}" dt="2025-08-29T09:40:39.589" v="341" actId="20577"/>
+        <pc:sldMkLst>
+          <pc:docMk/>
+          <pc:sldMk cId="2202294819" sldId="595"/>
+        </pc:sldMkLst>
+        <pc:spChg chg="mod">
+          <ac:chgData name="Virve Räni" userId="161a7437-7ef4-49ec-91bf-54882f313dfe" providerId="ADAL" clId="{BE274516-F337-429E-BA00-F1B834D8EE56}" dt="2025-08-29T09:40:39.589" v="341" actId="20577"/>
+          <ac:spMkLst>
+            <pc:docMk/>
+            <pc:sldMk cId="2202294819" sldId="595"/>
+            <ac:spMk id="2" creationId="{45357113-50DA-68D2-E5DE-147E8B638161}"/>
+          </ac:spMkLst>
+        </pc:spChg>
+      </pc:sldChg>
       <pc:sldChg chg="modSp add mod modAnim">
         <pc:chgData name="Virve Räni" userId="161a7437-7ef4-49ec-91bf-54882f313dfe" providerId="ADAL" clId="{BE274516-F337-429E-BA00-F1B834D8EE56}" dt="2025-08-28T13:34:09.946" v="96"/>
         <pc:sldMkLst>
@@ -218,6 +234,29 @@
             <pc:docMk/>
             <pc:sldMk cId="2014094008" sldId="603"/>
             <ac:spMk id="4" creationId="{28490C58-89E8-246D-9F8B-E465AADC9CA7}"/>
+          </ac:spMkLst>
+        </pc:spChg>
+      </pc:sldChg>
+      <pc:sldChg chg="modSp new mod ord">
+        <pc:chgData name="Virve Räni" userId="161a7437-7ef4-49ec-91bf-54882f313dfe" providerId="ADAL" clId="{BE274516-F337-429E-BA00-F1B834D8EE56}" dt="2025-08-29T13:34:01.572" v="512" actId="20577"/>
+        <pc:sldMkLst>
+          <pc:docMk/>
+          <pc:sldMk cId="1361550783" sldId="604"/>
+        </pc:sldMkLst>
+        <pc:spChg chg="mod">
+          <ac:chgData name="Virve Räni" userId="161a7437-7ef4-49ec-91bf-54882f313dfe" providerId="ADAL" clId="{BE274516-F337-429E-BA00-F1B834D8EE56}" dt="2025-08-29T13:34:01.572" v="512" actId="20577"/>
+          <ac:spMkLst>
+            <pc:docMk/>
+            <pc:sldMk cId="1361550783" sldId="604"/>
+            <ac:spMk id="2" creationId="{E3129400-AEB4-F66A-F62F-405D92BF535B}"/>
+          </ac:spMkLst>
+        </pc:spChg>
+        <pc:spChg chg="mod">
+          <ac:chgData name="Virve Räni" userId="161a7437-7ef4-49ec-91bf-54882f313dfe" providerId="ADAL" clId="{BE274516-F337-429E-BA00-F1B834D8EE56}" dt="2025-08-29T13:18:10.190" v="511" actId="20577"/>
+          <ac:spMkLst>
+            <pc:docMk/>
+            <pc:sldMk cId="1361550783" sldId="604"/>
+            <ac:spMk id="3" creationId="{7EB107CC-9703-F975-7E21-724DACD02F58}"/>
           </ac:spMkLst>
         </pc:spChg>
       </pc:sldChg>
@@ -24090,6 +24129,2822 @@
         <p:cNvPr id="1" name="">
           <a:extLst>
             <a:ext uri="{FF2B5EF4-FFF2-40B4-BE49-F238E27FC236}">
+              <a16:creationId xmlns:a16="http://schemas.microsoft.com/office/drawing/2014/main" id="{A3B077F8-C292-6A84-8298-1B0A4F17268D}"/>
+            </a:ext>
+          </a:extLst>
+        </p:cNvPr>
+        <p:cNvGrpSpPr/>
+        <p:nvPr/>
+      </p:nvGrpSpPr>
+      <p:grpSpPr>
+        <a:xfrm>
+          <a:off x="0" y="0"/>
+          <a:ext cx="0" cy="0"/>
+          <a:chOff x="0" y="0"/>
+          <a:chExt cx="0" cy="0"/>
+        </a:xfrm>
+      </p:grpSpPr>
+      <p:sp>
+        <p:nvSpPr>
+          <p:cNvPr id="2" name="Title 1">
+            <a:extLst>
+              <a:ext uri="{FF2B5EF4-FFF2-40B4-BE49-F238E27FC236}">
+                <a16:creationId xmlns:a16="http://schemas.microsoft.com/office/drawing/2014/main" id="{8075B6B0-A819-9D53-F541-0427E36D1C63}"/>
+              </a:ext>
+            </a:extLst>
+          </p:cNvPr>
+          <p:cNvSpPr>
+            <a:spLocks noGrp="1"/>
+          </p:cNvSpPr>
+          <p:nvPr>
+            <p:ph type="ctrTitle"/>
+          </p:nvPr>
+        </p:nvSpPr>
+        <p:spPr/>
+        <p:txBody>
+          <a:bodyPr/>
+          <a:lstStyle/>
+          <a:p>
+            <a:r>
+              <a:rPr lang="en-US" sz="2800" b="1" err="1">
+                <a:ea typeface="+mj-lt"/>
+                <a:cs typeface="+mj-lt"/>
+              </a:rPr>
+              <a:t>Aktiivsete</a:t>
+            </a:r>
+            <a:r>
+              <a:rPr lang="en-US" sz="2800" b="1">
+                <a:ea typeface="+mj-lt"/>
+                <a:cs typeface="+mj-lt"/>
+              </a:rPr>
+              <a:t> </a:t>
+            </a:r>
+            <a:r>
+              <a:rPr lang="en-US" sz="2800" b="1" err="1">
+                <a:ea typeface="+mj-lt"/>
+                <a:cs typeface="+mj-lt"/>
+              </a:rPr>
+              <a:t>töötajate</a:t>
+            </a:r>
+            <a:r>
+              <a:rPr lang="en-US" sz="2800" b="1">
+                <a:ea typeface="+mj-lt"/>
+                <a:cs typeface="+mj-lt"/>
+              </a:rPr>
+              <a:t> </a:t>
+            </a:r>
+            <a:r>
+              <a:rPr lang="en-US" sz="2800" b="1" err="1">
+                <a:ea typeface="+mj-lt"/>
+                <a:cs typeface="+mj-lt"/>
+              </a:rPr>
+              <a:t>arv</a:t>
+            </a:r>
+            <a:r>
+              <a:rPr lang="en-US" sz="2800" b="1">
+                <a:ea typeface="+mj-lt"/>
+                <a:cs typeface="+mj-lt"/>
+              </a:rPr>
+              <a:t> </a:t>
+            </a:r>
+            <a:r>
+              <a:rPr lang="en-US" sz="2800" b="1" err="1">
+                <a:ea typeface="+mj-lt"/>
+                <a:cs typeface="+mj-lt"/>
+              </a:rPr>
+              <a:t>staaži</a:t>
+            </a:r>
+            <a:r>
+              <a:rPr lang="en-US" sz="2800" b="1">
+                <a:ea typeface="+mj-lt"/>
+                <a:cs typeface="+mj-lt"/>
+              </a:rPr>
+              <a:t> ja </a:t>
+            </a:r>
+            <a:r>
+              <a:rPr lang="en-US" sz="2800" b="1" err="1">
+                <a:ea typeface="+mj-lt"/>
+                <a:cs typeface="+mj-lt"/>
+              </a:rPr>
+              <a:t>aja</a:t>
+            </a:r>
+            <a:r>
+              <a:rPr lang="en-US" sz="2800" b="1">
+                <a:ea typeface="+mj-lt"/>
+                <a:cs typeface="+mj-lt"/>
+              </a:rPr>
+              <a:t> lõikes</a:t>
+            </a:r>
+            <a:endParaRPr lang="en-US" sz="2800" b="1" err="1">
+              <a:ea typeface="Inter Bold"/>
+            </a:endParaRPr>
+          </a:p>
+        </p:txBody>
+      </p:sp>
+      <p:sp>
+        <p:nvSpPr>
+          <p:cNvPr id="4" name="Content Placeholder 3">
+            <a:extLst>
+              <a:ext uri="{FF2B5EF4-FFF2-40B4-BE49-F238E27FC236}">
+                <a16:creationId xmlns:a16="http://schemas.microsoft.com/office/drawing/2014/main" id="{38C94A45-CC06-8374-FACC-46D1558E5577}"/>
+              </a:ext>
+            </a:extLst>
+          </p:cNvPr>
+          <p:cNvSpPr>
+            <a:spLocks noGrp="1"/>
+          </p:cNvSpPr>
+          <p:nvPr>
+            <p:ph sz="quarter" idx="10"/>
+          </p:nvPr>
+        </p:nvSpPr>
+        <p:spPr>
+          <a:xfrm>
+            <a:off x="91407" y="1268413"/>
+            <a:ext cx="11950928" cy="4465637"/>
+          </a:xfrm>
+        </p:spPr>
+        <p:txBody>
+          <a:bodyPr/>
+          <a:lstStyle/>
+          <a:p>
+            <a:pPr marL="285750" indent="0">
+              <a:lnSpc>
+                <a:spcPct val="100000"/>
+              </a:lnSpc>
+              <a:buNone/>
+            </a:pPr>
+            <a:r>
+              <a:rPr lang="en-US" sz="1200" dirty="0">
+                <a:solidFill>
+                  <a:srgbClr val="000000"/>
+                </a:solidFill>
+                <a:latin typeface="Consolas"/>
+                <a:ea typeface="Inter"/>
+              </a:rPr>
+              <a:t>Tenure Group Count = </a:t>
+            </a:r>
+            <a:endParaRPr lang="en-US" sz="1200" dirty="0">
+              <a:ea typeface="Inter"/>
+            </a:endParaRPr>
+          </a:p>
+          <a:p>
+            <a:pPr marL="457200" lvl="1" indent="0">
+              <a:buNone/>
+            </a:pPr>
+            <a:r>
+              <a:rPr lang="en-US" sz="1200" dirty="0">
+                <a:solidFill>
+                  <a:srgbClr val="0000FF"/>
+                </a:solidFill>
+                <a:latin typeface="Consolas"/>
+                <a:ea typeface="Inter"/>
+              </a:rPr>
+              <a:t>VAR</a:t>
+            </a:r>
+            <a:r>
+              <a:rPr lang="en-US" sz="1200" dirty="0">
+                <a:solidFill>
+                  <a:srgbClr val="000000"/>
+                </a:solidFill>
+                <a:latin typeface="Consolas"/>
+                <a:ea typeface="Inter"/>
+              </a:rPr>
+              <a:t> </a:t>
+            </a:r>
+            <a:r>
+              <a:rPr lang="en-US" sz="1200" dirty="0" err="1">
+                <a:solidFill>
+                  <a:srgbClr val="008080"/>
+                </a:solidFill>
+                <a:latin typeface="Consolas"/>
+                <a:ea typeface="Inter"/>
+              </a:rPr>
+              <a:t>EndDate</a:t>
+            </a:r>
+            <a:r>
+              <a:rPr lang="en-US" sz="1200" dirty="0">
+                <a:solidFill>
+                  <a:srgbClr val="000000"/>
+                </a:solidFill>
+                <a:latin typeface="Consolas"/>
+                <a:ea typeface="Inter"/>
+              </a:rPr>
+              <a:t> = </a:t>
+            </a:r>
+            <a:r>
+              <a:rPr lang="en-US" sz="1200" dirty="0">
+                <a:solidFill>
+                  <a:srgbClr val="3165BB"/>
+                </a:solidFill>
+                <a:latin typeface="Consolas"/>
+                <a:ea typeface="Inter"/>
+              </a:rPr>
+              <a:t>LASTDATE</a:t>
+            </a:r>
+            <a:r>
+              <a:rPr lang="en-US" sz="1200" dirty="0">
+                <a:solidFill>
+                  <a:srgbClr val="000000"/>
+                </a:solidFill>
+                <a:latin typeface="Consolas"/>
+                <a:ea typeface="Inter"/>
+              </a:rPr>
+              <a:t>(</a:t>
+            </a:r>
+            <a:r>
+              <a:rPr lang="en-US" sz="1200" dirty="0">
+                <a:solidFill>
+                  <a:srgbClr val="001080"/>
+                </a:solidFill>
+                <a:latin typeface="Consolas"/>
+                <a:ea typeface="Inter"/>
+              </a:rPr>
+              <a:t>'</a:t>
+            </a:r>
+            <a:r>
+              <a:rPr lang="en-US" sz="1200" dirty="0" err="1">
+                <a:solidFill>
+                  <a:srgbClr val="001080"/>
+                </a:solidFill>
+                <a:latin typeface="Consolas"/>
+                <a:ea typeface="Inter"/>
+              </a:rPr>
+              <a:t>DateTable</a:t>
+            </a:r>
+            <a:r>
+              <a:rPr lang="en-US" sz="1200" dirty="0">
+                <a:solidFill>
+                  <a:srgbClr val="001080"/>
+                </a:solidFill>
+                <a:latin typeface="Consolas"/>
+                <a:ea typeface="Inter"/>
+              </a:rPr>
+              <a:t>'[Date]</a:t>
+            </a:r>
+            <a:r>
+              <a:rPr lang="en-US" sz="1200" dirty="0">
+                <a:solidFill>
+                  <a:srgbClr val="000000"/>
+                </a:solidFill>
+                <a:latin typeface="Consolas"/>
+                <a:ea typeface="Inter"/>
+              </a:rPr>
+              <a:t>)</a:t>
+            </a:r>
+            <a:endParaRPr lang="en-US" sz="1200" dirty="0">
+              <a:ea typeface="Inter"/>
+            </a:endParaRPr>
+          </a:p>
+          <a:p>
+            <a:pPr marL="457200" lvl="1" indent="0">
+              <a:buNone/>
+            </a:pPr>
+            <a:r>
+              <a:rPr lang="en-US" sz="1200" dirty="0">
+                <a:solidFill>
+                  <a:srgbClr val="0000FF"/>
+                </a:solidFill>
+                <a:latin typeface="Consolas"/>
+                <a:ea typeface="Inter"/>
+              </a:rPr>
+              <a:t>VAR</a:t>
+            </a:r>
+            <a:r>
+              <a:rPr lang="en-US" sz="1200" dirty="0">
+                <a:solidFill>
+                  <a:srgbClr val="000000"/>
+                </a:solidFill>
+                <a:latin typeface="Consolas"/>
+                <a:ea typeface="Inter"/>
+              </a:rPr>
+              <a:t> </a:t>
+            </a:r>
+            <a:r>
+              <a:rPr lang="en-US" sz="1200" dirty="0" err="1">
+                <a:solidFill>
+                  <a:srgbClr val="008080"/>
+                </a:solidFill>
+                <a:latin typeface="Consolas"/>
+                <a:ea typeface="Inter"/>
+              </a:rPr>
+              <a:t>TenureGroups</a:t>
+            </a:r>
+            <a:r>
+              <a:rPr lang="en-US" sz="1200" dirty="0">
+                <a:solidFill>
+                  <a:srgbClr val="000000"/>
+                </a:solidFill>
+                <a:latin typeface="Consolas"/>
+                <a:ea typeface="Inter"/>
+              </a:rPr>
+              <a:t> =</a:t>
+            </a:r>
+            <a:endParaRPr lang="en-US" sz="1200" dirty="0">
+              <a:ea typeface="Inter"/>
+            </a:endParaRPr>
+          </a:p>
+          <a:p>
+            <a:pPr marL="457200" lvl="1" indent="0">
+              <a:buNone/>
+            </a:pPr>
+            <a:r>
+              <a:rPr lang="en-US" sz="1200" dirty="0">
+                <a:solidFill>
+                  <a:srgbClr val="000000"/>
+                </a:solidFill>
+                <a:latin typeface="Consolas"/>
+                <a:ea typeface="Inter"/>
+              </a:rPr>
+              <a:t>  </a:t>
+            </a:r>
+            <a:r>
+              <a:rPr lang="en-US" sz="1200" dirty="0">
+                <a:solidFill>
+                  <a:srgbClr val="3165BB"/>
+                </a:solidFill>
+                <a:latin typeface="Consolas"/>
+                <a:ea typeface="Inter"/>
+              </a:rPr>
+              <a:t>ADDCOLUMNS</a:t>
+            </a:r>
+            <a:r>
+              <a:rPr lang="en-US" sz="1200" dirty="0">
+                <a:solidFill>
+                  <a:srgbClr val="000000"/>
+                </a:solidFill>
+                <a:latin typeface="Consolas"/>
+                <a:ea typeface="Inter"/>
+              </a:rPr>
+              <a:t>(</a:t>
+            </a:r>
+            <a:endParaRPr lang="en-US" sz="1200" dirty="0">
+              <a:ea typeface="Inter"/>
+            </a:endParaRPr>
+          </a:p>
+          <a:p>
+            <a:pPr marL="457200" lvl="1" indent="0">
+              <a:buNone/>
+            </a:pPr>
+            <a:r>
+              <a:rPr lang="en-US" sz="1200" dirty="0">
+                <a:solidFill>
+                  <a:srgbClr val="000000"/>
+                </a:solidFill>
+                <a:latin typeface="Consolas"/>
+                <a:ea typeface="Inter"/>
+              </a:rPr>
+              <a:t>        </a:t>
+            </a:r>
+            <a:r>
+              <a:rPr lang="en-US" sz="1200" dirty="0">
+                <a:solidFill>
+                  <a:srgbClr val="3165BB"/>
+                </a:solidFill>
+                <a:latin typeface="Consolas"/>
+                <a:ea typeface="Inter"/>
+              </a:rPr>
+              <a:t>FILTER</a:t>
+            </a:r>
+            <a:r>
+              <a:rPr lang="en-US" sz="1200" dirty="0">
+                <a:solidFill>
+                  <a:srgbClr val="000000"/>
+                </a:solidFill>
+                <a:latin typeface="Consolas"/>
+                <a:ea typeface="Inter"/>
+              </a:rPr>
+              <a:t>(</a:t>
+            </a:r>
+            <a:r>
+              <a:rPr lang="en-US" sz="1200" dirty="0">
+                <a:solidFill>
+                  <a:srgbClr val="001080"/>
+                </a:solidFill>
+                <a:latin typeface="Consolas"/>
+                <a:ea typeface="Inter"/>
+              </a:rPr>
+              <a:t>'</a:t>
+            </a:r>
+            <a:r>
+              <a:rPr lang="en-US" sz="1200" dirty="0" err="1">
+                <a:solidFill>
+                  <a:srgbClr val="001080"/>
+                </a:solidFill>
+                <a:latin typeface="Consolas"/>
+                <a:ea typeface="Inter"/>
+              </a:rPr>
+              <a:t>HR_dataset</a:t>
+            </a:r>
+            <a:r>
+              <a:rPr lang="en-US" sz="1200" dirty="0">
+                <a:solidFill>
+                  <a:srgbClr val="001080"/>
+                </a:solidFill>
+                <a:latin typeface="Consolas"/>
+                <a:ea typeface="Inter"/>
+              </a:rPr>
+              <a:t>'</a:t>
+            </a:r>
+            <a:r>
+              <a:rPr lang="en-US" sz="1200" dirty="0">
+                <a:solidFill>
+                  <a:srgbClr val="000000"/>
+                </a:solidFill>
+                <a:latin typeface="Consolas"/>
+                <a:ea typeface="Inter"/>
+              </a:rPr>
+              <a:t>,</a:t>
+            </a:r>
+            <a:endParaRPr lang="en-US" sz="1200" dirty="0">
+              <a:ea typeface="Inter"/>
+            </a:endParaRPr>
+          </a:p>
+          <a:p>
+            <a:pPr marL="457200" lvl="1" indent="0">
+              <a:buNone/>
+            </a:pPr>
+            <a:r>
+              <a:rPr lang="en-US" sz="1200" dirty="0">
+                <a:solidFill>
+                  <a:srgbClr val="000000"/>
+                </a:solidFill>
+                <a:latin typeface="Consolas"/>
+                <a:ea typeface="Inter"/>
+              </a:rPr>
+              <a:t>            </a:t>
+            </a:r>
+            <a:r>
+              <a:rPr lang="en-US" sz="1200" dirty="0">
+                <a:solidFill>
+                  <a:srgbClr val="001080"/>
+                </a:solidFill>
+                <a:latin typeface="Consolas"/>
+                <a:ea typeface="Inter"/>
+              </a:rPr>
+              <a:t>'</a:t>
+            </a:r>
+            <a:r>
+              <a:rPr lang="en-US" sz="1200" dirty="0" err="1">
+                <a:solidFill>
+                  <a:srgbClr val="001080"/>
+                </a:solidFill>
+                <a:latin typeface="Consolas"/>
+                <a:ea typeface="Inter"/>
+              </a:rPr>
+              <a:t>HR_dataset</a:t>
+            </a:r>
+            <a:r>
+              <a:rPr lang="en-US" sz="1200" dirty="0">
+                <a:solidFill>
+                  <a:srgbClr val="001080"/>
+                </a:solidFill>
+                <a:latin typeface="Consolas"/>
+                <a:ea typeface="Inter"/>
+              </a:rPr>
+              <a:t>'[Hire Date]</a:t>
+            </a:r>
+            <a:r>
+              <a:rPr lang="en-US" sz="1200" dirty="0">
+                <a:solidFill>
+                  <a:srgbClr val="000000"/>
+                </a:solidFill>
+                <a:latin typeface="Consolas"/>
+                <a:ea typeface="Inter"/>
+              </a:rPr>
+              <a:t> &lt;= </a:t>
+            </a:r>
+            <a:r>
+              <a:rPr lang="en-US" sz="1200" dirty="0" err="1">
+                <a:solidFill>
+                  <a:srgbClr val="008080"/>
+                </a:solidFill>
+                <a:latin typeface="Consolas"/>
+                <a:ea typeface="Inter"/>
+              </a:rPr>
+              <a:t>EndDate</a:t>
+            </a:r>
+            <a:r>
+              <a:rPr lang="en-US" sz="1200" dirty="0">
+                <a:solidFill>
+                  <a:srgbClr val="000000"/>
+                </a:solidFill>
+                <a:latin typeface="Consolas"/>
+                <a:ea typeface="Inter"/>
+              </a:rPr>
+              <a:t> &amp;&amp;</a:t>
+            </a:r>
+            <a:endParaRPr lang="en-US" sz="1200" dirty="0">
+              <a:ea typeface="Inter"/>
+            </a:endParaRPr>
+          </a:p>
+          <a:p>
+            <a:pPr marL="457200" lvl="1" indent="0">
+              <a:buNone/>
+            </a:pPr>
+            <a:r>
+              <a:rPr lang="en-US" sz="1200" dirty="0">
+                <a:solidFill>
+                  <a:srgbClr val="000000"/>
+                </a:solidFill>
+                <a:latin typeface="Consolas"/>
+                <a:ea typeface="Inter"/>
+              </a:rPr>
+              <a:t>            (</a:t>
+            </a:r>
+            <a:r>
+              <a:rPr lang="en-US" sz="1200" dirty="0">
+                <a:solidFill>
+                  <a:srgbClr val="3165BB"/>
+                </a:solidFill>
+                <a:latin typeface="Consolas"/>
+                <a:ea typeface="Inter"/>
+              </a:rPr>
+              <a:t>ISBLANK</a:t>
+            </a:r>
+            <a:r>
+              <a:rPr lang="en-US" sz="1200" dirty="0">
+                <a:solidFill>
+                  <a:srgbClr val="000000"/>
+                </a:solidFill>
+                <a:latin typeface="Consolas"/>
+                <a:ea typeface="Inter"/>
+              </a:rPr>
+              <a:t>(</a:t>
+            </a:r>
+            <a:r>
+              <a:rPr lang="en-US" sz="1200" dirty="0">
+                <a:solidFill>
+                  <a:srgbClr val="001080"/>
+                </a:solidFill>
+                <a:latin typeface="Consolas"/>
+                <a:ea typeface="Inter"/>
+              </a:rPr>
+              <a:t>'</a:t>
+            </a:r>
+            <a:r>
+              <a:rPr lang="en-US" sz="1200" dirty="0" err="1">
+                <a:solidFill>
+                  <a:srgbClr val="001080"/>
+                </a:solidFill>
+                <a:latin typeface="Consolas"/>
+                <a:ea typeface="Inter"/>
+              </a:rPr>
+              <a:t>HR_dataset</a:t>
+            </a:r>
+            <a:r>
+              <a:rPr lang="en-US" sz="1200" dirty="0">
+                <a:solidFill>
+                  <a:srgbClr val="001080"/>
+                </a:solidFill>
+                <a:latin typeface="Consolas"/>
+                <a:ea typeface="Inter"/>
+              </a:rPr>
+              <a:t>'[Leave Date]</a:t>
+            </a:r>
+            <a:r>
+              <a:rPr lang="en-US" sz="1200" dirty="0">
+                <a:solidFill>
+                  <a:srgbClr val="000000"/>
+                </a:solidFill>
+                <a:latin typeface="Consolas"/>
+                <a:ea typeface="Inter"/>
+              </a:rPr>
+              <a:t>) || </a:t>
+            </a:r>
+            <a:r>
+              <a:rPr lang="en-US" sz="1200" dirty="0">
+                <a:solidFill>
+                  <a:srgbClr val="001080"/>
+                </a:solidFill>
+                <a:latin typeface="Consolas"/>
+                <a:ea typeface="Inter"/>
+              </a:rPr>
+              <a:t>'</a:t>
+            </a:r>
+            <a:r>
+              <a:rPr lang="en-US" sz="1200" dirty="0" err="1">
+                <a:solidFill>
+                  <a:srgbClr val="001080"/>
+                </a:solidFill>
+                <a:latin typeface="Consolas"/>
+                <a:ea typeface="Inter"/>
+              </a:rPr>
+              <a:t>HR_dataset</a:t>
+            </a:r>
+            <a:r>
+              <a:rPr lang="en-US" sz="1200" dirty="0">
+                <a:solidFill>
+                  <a:srgbClr val="001080"/>
+                </a:solidFill>
+                <a:latin typeface="Consolas"/>
+                <a:ea typeface="Inter"/>
+              </a:rPr>
+              <a:t>'[Leave Date]</a:t>
+            </a:r>
+            <a:r>
+              <a:rPr lang="en-US" sz="1200" dirty="0">
+                <a:solidFill>
+                  <a:srgbClr val="000000"/>
+                </a:solidFill>
+                <a:latin typeface="Consolas"/>
+                <a:ea typeface="Inter"/>
+              </a:rPr>
+              <a:t> &gt; </a:t>
+            </a:r>
+            <a:r>
+              <a:rPr lang="en-US" sz="1200" dirty="0" err="1">
+                <a:solidFill>
+                  <a:srgbClr val="008080"/>
+                </a:solidFill>
+                <a:latin typeface="Consolas"/>
+                <a:ea typeface="Inter"/>
+              </a:rPr>
+              <a:t>EndDate</a:t>
+            </a:r>
+            <a:r>
+              <a:rPr lang="en-US" sz="1200" dirty="0">
+                <a:solidFill>
+                  <a:srgbClr val="000000"/>
+                </a:solidFill>
+                <a:latin typeface="Consolas"/>
+                <a:ea typeface="Inter"/>
+              </a:rPr>
+              <a:t>)</a:t>
+            </a:r>
+            <a:endParaRPr lang="en-US" sz="1200" dirty="0">
+              <a:ea typeface="Inter"/>
+            </a:endParaRPr>
+          </a:p>
+          <a:p>
+            <a:pPr marL="457200" lvl="1" indent="0">
+              <a:buNone/>
+            </a:pPr>
+            <a:r>
+              <a:rPr lang="en-US" sz="1200" dirty="0">
+                <a:solidFill>
+                  <a:srgbClr val="000000"/>
+                </a:solidFill>
+                <a:latin typeface="Consolas"/>
+                <a:ea typeface="Inter"/>
+              </a:rPr>
+              <a:t>        ),</a:t>
+            </a:r>
+            <a:endParaRPr lang="en-US" sz="1200" dirty="0">
+              <a:ea typeface="Inter"/>
+            </a:endParaRPr>
+          </a:p>
+          <a:p>
+            <a:pPr marL="457200" lvl="1" indent="0">
+              <a:buNone/>
+            </a:pPr>
+            <a:r>
+              <a:rPr lang="en-US" sz="1200" dirty="0">
+                <a:solidFill>
+                  <a:srgbClr val="000000"/>
+                </a:solidFill>
+                <a:latin typeface="Consolas"/>
+                <a:ea typeface="Inter"/>
+              </a:rPr>
+              <a:t>        </a:t>
+            </a:r>
+            <a:r>
+              <a:rPr lang="en-US" sz="1200" dirty="0">
+                <a:solidFill>
+                  <a:srgbClr val="A31515"/>
+                </a:solidFill>
+                <a:latin typeface="Consolas"/>
+                <a:ea typeface="Inter"/>
+              </a:rPr>
+              <a:t>"</a:t>
+            </a:r>
+            <a:r>
+              <a:rPr lang="en-US" sz="1200" dirty="0" err="1">
+                <a:solidFill>
+                  <a:srgbClr val="A31515"/>
+                </a:solidFill>
+                <a:latin typeface="Consolas"/>
+                <a:ea typeface="Inter"/>
+              </a:rPr>
+              <a:t>TenureCategory</a:t>
+            </a:r>
+            <a:r>
+              <a:rPr lang="en-US" sz="1200" dirty="0">
+                <a:solidFill>
+                  <a:srgbClr val="A31515"/>
+                </a:solidFill>
+                <a:latin typeface="Consolas"/>
+                <a:ea typeface="Inter"/>
+              </a:rPr>
+              <a:t>"</a:t>
+            </a:r>
+            <a:r>
+              <a:rPr lang="en-US" sz="1200" dirty="0">
+                <a:solidFill>
+                  <a:srgbClr val="000000"/>
+                </a:solidFill>
+                <a:latin typeface="Consolas"/>
+                <a:ea typeface="Inter"/>
+              </a:rPr>
+              <a:t>,</a:t>
+            </a:r>
+            <a:endParaRPr lang="en-US" sz="1200" dirty="0">
+              <a:ea typeface="Inter"/>
+            </a:endParaRPr>
+          </a:p>
+          <a:p>
+            <a:pPr marL="457200" lvl="1" indent="0">
+              <a:buNone/>
+            </a:pPr>
+            <a:r>
+              <a:rPr lang="en-US" sz="1200" dirty="0">
+                <a:solidFill>
+                  <a:srgbClr val="000000"/>
+                </a:solidFill>
+                <a:latin typeface="Consolas"/>
+                <a:ea typeface="Inter"/>
+              </a:rPr>
+              <a:t>        </a:t>
+            </a:r>
+            <a:r>
+              <a:rPr lang="en-US" sz="1200" dirty="0">
+                <a:solidFill>
+                  <a:srgbClr val="3165BB"/>
+                </a:solidFill>
+                <a:latin typeface="Consolas"/>
+                <a:ea typeface="Inter"/>
+              </a:rPr>
+              <a:t>SWITCH</a:t>
+            </a:r>
+            <a:r>
+              <a:rPr lang="en-US" sz="1200" dirty="0">
+                <a:solidFill>
+                  <a:srgbClr val="000000"/>
+                </a:solidFill>
+                <a:latin typeface="Consolas"/>
+                <a:ea typeface="Inter"/>
+              </a:rPr>
+              <a:t>(</a:t>
+            </a:r>
+            <a:endParaRPr lang="en-US" sz="1200" dirty="0">
+              <a:ea typeface="Inter"/>
+            </a:endParaRPr>
+          </a:p>
+          <a:p>
+            <a:pPr marL="457200" lvl="1" indent="0">
+              <a:buNone/>
+            </a:pPr>
+            <a:r>
+              <a:rPr lang="en-US" sz="1200" dirty="0">
+                <a:solidFill>
+                  <a:srgbClr val="000000"/>
+                </a:solidFill>
+                <a:latin typeface="Consolas"/>
+                <a:ea typeface="Inter"/>
+              </a:rPr>
+              <a:t>            </a:t>
+            </a:r>
+            <a:r>
+              <a:rPr lang="en-US" sz="1200" dirty="0">
+                <a:solidFill>
+                  <a:srgbClr val="3165BB"/>
+                </a:solidFill>
+                <a:latin typeface="Consolas"/>
+                <a:ea typeface="Inter"/>
+              </a:rPr>
+              <a:t>TRUE</a:t>
+            </a:r>
+            <a:r>
+              <a:rPr lang="en-US" sz="1200" dirty="0">
+                <a:solidFill>
+                  <a:srgbClr val="000000"/>
+                </a:solidFill>
+                <a:latin typeface="Consolas"/>
+                <a:ea typeface="Inter"/>
+              </a:rPr>
+              <a:t>(),</a:t>
+            </a:r>
+            <a:endParaRPr lang="en-US" sz="1200" dirty="0">
+              <a:ea typeface="Inter"/>
+            </a:endParaRPr>
+          </a:p>
+          <a:p>
+            <a:pPr marL="457200" lvl="1" indent="0">
+              <a:buNone/>
+            </a:pPr>
+            <a:r>
+              <a:rPr lang="en-US" sz="1200" dirty="0">
+                <a:solidFill>
+                  <a:srgbClr val="000000"/>
+                </a:solidFill>
+                <a:latin typeface="Consolas"/>
+                <a:ea typeface="Inter"/>
+              </a:rPr>
+              <a:t>            </a:t>
+            </a:r>
+            <a:r>
+              <a:rPr lang="en-US" sz="1200" dirty="0">
+                <a:solidFill>
+                  <a:srgbClr val="3165BB"/>
+                </a:solidFill>
+                <a:latin typeface="Consolas"/>
+                <a:ea typeface="Inter"/>
+              </a:rPr>
+              <a:t>DATEDIFF</a:t>
+            </a:r>
+            <a:r>
+              <a:rPr lang="en-US" sz="1200" dirty="0">
+                <a:solidFill>
+                  <a:srgbClr val="000000"/>
+                </a:solidFill>
+                <a:latin typeface="Consolas"/>
+                <a:ea typeface="Inter"/>
+              </a:rPr>
+              <a:t>(</a:t>
+            </a:r>
+            <a:r>
+              <a:rPr lang="en-US" sz="1200" dirty="0">
+                <a:solidFill>
+                  <a:srgbClr val="001080"/>
+                </a:solidFill>
+                <a:latin typeface="Consolas"/>
+                <a:ea typeface="Inter"/>
+              </a:rPr>
+              <a:t>'</a:t>
+            </a:r>
+            <a:r>
+              <a:rPr lang="en-US" sz="1200" dirty="0" err="1">
+                <a:solidFill>
+                  <a:srgbClr val="001080"/>
+                </a:solidFill>
+                <a:latin typeface="Consolas"/>
+                <a:ea typeface="Inter"/>
+              </a:rPr>
+              <a:t>HR_dataset</a:t>
+            </a:r>
+            <a:r>
+              <a:rPr lang="en-US" sz="1200" dirty="0">
+                <a:solidFill>
+                  <a:srgbClr val="001080"/>
+                </a:solidFill>
+                <a:latin typeface="Consolas"/>
+                <a:ea typeface="Inter"/>
+              </a:rPr>
+              <a:t>'[Hire Date]</a:t>
+            </a:r>
+            <a:r>
+              <a:rPr lang="en-US" sz="1200" dirty="0">
+                <a:solidFill>
+                  <a:srgbClr val="000000"/>
+                </a:solidFill>
+                <a:latin typeface="Consolas"/>
+                <a:ea typeface="Inter"/>
+              </a:rPr>
+              <a:t>, </a:t>
+            </a:r>
+            <a:r>
+              <a:rPr lang="en-US" sz="1200" dirty="0" err="1">
+                <a:solidFill>
+                  <a:srgbClr val="008080"/>
+                </a:solidFill>
+                <a:latin typeface="Consolas"/>
+                <a:ea typeface="Inter"/>
+              </a:rPr>
+              <a:t>EndDate</a:t>
+            </a:r>
+            <a:r>
+              <a:rPr lang="en-US" sz="1200" dirty="0">
+                <a:solidFill>
+                  <a:srgbClr val="000000"/>
+                </a:solidFill>
+                <a:latin typeface="Consolas"/>
+                <a:ea typeface="Inter"/>
+              </a:rPr>
+              <a:t>, </a:t>
+            </a:r>
+            <a:r>
+              <a:rPr lang="en-US" sz="1200" dirty="0">
+                <a:solidFill>
+                  <a:srgbClr val="3165BB"/>
+                </a:solidFill>
+                <a:latin typeface="Consolas"/>
+                <a:ea typeface="Inter"/>
+              </a:rPr>
+              <a:t>YEAR</a:t>
+            </a:r>
+            <a:r>
+              <a:rPr lang="en-US" sz="1200" dirty="0">
+                <a:solidFill>
+                  <a:srgbClr val="000000"/>
+                </a:solidFill>
+                <a:latin typeface="Consolas"/>
+                <a:ea typeface="Inter"/>
+              </a:rPr>
+              <a:t>) &lt; </a:t>
+            </a:r>
+            <a:r>
+              <a:rPr lang="en-US" sz="1200" dirty="0">
+                <a:solidFill>
+                  <a:srgbClr val="098658"/>
+                </a:solidFill>
+                <a:latin typeface="Consolas"/>
+                <a:ea typeface="Inter"/>
+              </a:rPr>
+              <a:t>1</a:t>
+            </a:r>
+            <a:r>
+              <a:rPr lang="en-US" sz="1200" dirty="0">
+                <a:solidFill>
+                  <a:srgbClr val="000000"/>
+                </a:solidFill>
+                <a:latin typeface="Consolas"/>
+                <a:ea typeface="Inter"/>
+              </a:rPr>
+              <a:t>, </a:t>
+            </a:r>
+            <a:r>
+              <a:rPr lang="en-US" sz="1200" dirty="0">
+                <a:solidFill>
+                  <a:srgbClr val="A31515"/>
+                </a:solidFill>
+                <a:latin typeface="Consolas"/>
+                <a:ea typeface="Inter"/>
+              </a:rPr>
+              <a:t>"0-1 Years"</a:t>
+            </a:r>
+            <a:r>
+              <a:rPr lang="en-US" sz="1200" dirty="0">
+                <a:solidFill>
+                  <a:srgbClr val="000000"/>
+                </a:solidFill>
+                <a:latin typeface="Consolas"/>
+                <a:ea typeface="Inter"/>
+              </a:rPr>
+              <a:t>,</a:t>
+            </a:r>
+            <a:endParaRPr lang="en-US" sz="1200" dirty="0">
+              <a:ea typeface="Inter"/>
+            </a:endParaRPr>
+          </a:p>
+          <a:p>
+            <a:pPr marL="457200" lvl="1" indent="0">
+              <a:buNone/>
+            </a:pPr>
+            <a:r>
+              <a:rPr lang="en-US" sz="1200" dirty="0">
+                <a:solidFill>
+                  <a:srgbClr val="000000"/>
+                </a:solidFill>
+                <a:latin typeface="Consolas"/>
+                <a:ea typeface="Inter"/>
+              </a:rPr>
+              <a:t>            </a:t>
+            </a:r>
+            <a:r>
+              <a:rPr lang="en-US" sz="1200" dirty="0">
+                <a:solidFill>
+                  <a:srgbClr val="3165BB"/>
+                </a:solidFill>
+                <a:latin typeface="Consolas"/>
+                <a:ea typeface="Inter"/>
+              </a:rPr>
+              <a:t>DATEDIFF</a:t>
+            </a:r>
+            <a:r>
+              <a:rPr lang="en-US" sz="1200" dirty="0">
+                <a:solidFill>
+                  <a:srgbClr val="000000"/>
+                </a:solidFill>
+                <a:latin typeface="Consolas"/>
+                <a:ea typeface="Inter"/>
+              </a:rPr>
+              <a:t>(</a:t>
+            </a:r>
+            <a:r>
+              <a:rPr lang="en-US" sz="1200" dirty="0">
+                <a:solidFill>
+                  <a:srgbClr val="001080"/>
+                </a:solidFill>
+                <a:latin typeface="Consolas"/>
+                <a:ea typeface="Inter"/>
+              </a:rPr>
+              <a:t>'</a:t>
+            </a:r>
+            <a:r>
+              <a:rPr lang="en-US" sz="1200" dirty="0" err="1">
+                <a:solidFill>
+                  <a:srgbClr val="001080"/>
+                </a:solidFill>
+                <a:latin typeface="Consolas"/>
+                <a:ea typeface="Inter"/>
+              </a:rPr>
+              <a:t>HR_dataset</a:t>
+            </a:r>
+            <a:r>
+              <a:rPr lang="en-US" sz="1200" dirty="0">
+                <a:solidFill>
+                  <a:srgbClr val="001080"/>
+                </a:solidFill>
+                <a:latin typeface="Consolas"/>
+                <a:ea typeface="Inter"/>
+              </a:rPr>
+              <a:t>'[Hire Date]</a:t>
+            </a:r>
+            <a:r>
+              <a:rPr lang="en-US" sz="1200" dirty="0">
+                <a:solidFill>
+                  <a:srgbClr val="000000"/>
+                </a:solidFill>
+                <a:latin typeface="Consolas"/>
+                <a:ea typeface="Inter"/>
+              </a:rPr>
+              <a:t>, </a:t>
+            </a:r>
+            <a:r>
+              <a:rPr lang="en-US" sz="1200" dirty="0" err="1">
+                <a:solidFill>
+                  <a:srgbClr val="008080"/>
+                </a:solidFill>
+                <a:latin typeface="Consolas"/>
+                <a:ea typeface="Inter"/>
+              </a:rPr>
+              <a:t>EndDate</a:t>
+            </a:r>
+            <a:r>
+              <a:rPr lang="en-US" sz="1200" dirty="0">
+                <a:solidFill>
+                  <a:srgbClr val="000000"/>
+                </a:solidFill>
+                <a:latin typeface="Consolas"/>
+                <a:ea typeface="Inter"/>
+              </a:rPr>
+              <a:t>, </a:t>
+            </a:r>
+            <a:r>
+              <a:rPr lang="en-US" sz="1200" dirty="0">
+                <a:solidFill>
+                  <a:srgbClr val="3165BB"/>
+                </a:solidFill>
+                <a:latin typeface="Consolas"/>
+                <a:ea typeface="Inter"/>
+              </a:rPr>
+              <a:t>YEAR</a:t>
+            </a:r>
+            <a:r>
+              <a:rPr lang="en-US" sz="1200" dirty="0">
+                <a:solidFill>
+                  <a:srgbClr val="000000"/>
+                </a:solidFill>
+                <a:latin typeface="Consolas"/>
+                <a:ea typeface="Inter"/>
+              </a:rPr>
+              <a:t>) &gt;= </a:t>
+            </a:r>
+            <a:r>
+              <a:rPr lang="en-US" sz="1200" dirty="0">
+                <a:solidFill>
+                  <a:srgbClr val="098658"/>
+                </a:solidFill>
+                <a:latin typeface="Consolas"/>
+                <a:ea typeface="Inter"/>
+              </a:rPr>
+              <a:t>1</a:t>
+            </a:r>
+            <a:r>
+              <a:rPr lang="en-US" sz="1200" dirty="0">
+                <a:solidFill>
+                  <a:srgbClr val="000000"/>
+                </a:solidFill>
+                <a:latin typeface="Consolas"/>
+                <a:ea typeface="Inter"/>
+              </a:rPr>
+              <a:t> &amp;&amp; </a:t>
+            </a:r>
+            <a:r>
+              <a:rPr lang="en-US" sz="1200" dirty="0">
+                <a:solidFill>
+                  <a:srgbClr val="3165BB"/>
+                </a:solidFill>
+                <a:latin typeface="Consolas"/>
+                <a:ea typeface="Inter"/>
+              </a:rPr>
+              <a:t>DATEDIFF</a:t>
+            </a:r>
+            <a:r>
+              <a:rPr lang="en-US" sz="1200" dirty="0">
+                <a:solidFill>
+                  <a:srgbClr val="000000"/>
+                </a:solidFill>
+                <a:latin typeface="Consolas"/>
+                <a:ea typeface="Inter"/>
+              </a:rPr>
+              <a:t>(</a:t>
+            </a:r>
+            <a:r>
+              <a:rPr lang="en-US" sz="1200" dirty="0">
+                <a:solidFill>
+                  <a:srgbClr val="001080"/>
+                </a:solidFill>
+                <a:latin typeface="Consolas"/>
+                <a:ea typeface="Inter"/>
+              </a:rPr>
+              <a:t>'</a:t>
+            </a:r>
+            <a:r>
+              <a:rPr lang="en-US" sz="1200" dirty="0" err="1">
+                <a:solidFill>
+                  <a:srgbClr val="001080"/>
+                </a:solidFill>
+                <a:latin typeface="Consolas"/>
+                <a:ea typeface="Inter"/>
+              </a:rPr>
+              <a:t>HR_dataset</a:t>
+            </a:r>
+            <a:r>
+              <a:rPr lang="en-US" sz="1200" dirty="0">
+                <a:solidFill>
+                  <a:srgbClr val="001080"/>
+                </a:solidFill>
+                <a:latin typeface="Consolas"/>
+                <a:ea typeface="Inter"/>
+              </a:rPr>
+              <a:t>'[Hire Date]</a:t>
+            </a:r>
+            <a:r>
+              <a:rPr lang="en-US" sz="1200" dirty="0">
+                <a:solidFill>
+                  <a:srgbClr val="000000"/>
+                </a:solidFill>
+                <a:latin typeface="Consolas"/>
+                <a:ea typeface="Inter"/>
+              </a:rPr>
+              <a:t>, </a:t>
+            </a:r>
+            <a:r>
+              <a:rPr lang="en-US" sz="1200" dirty="0" err="1">
+                <a:solidFill>
+                  <a:srgbClr val="008080"/>
+                </a:solidFill>
+                <a:latin typeface="Consolas"/>
+                <a:ea typeface="Inter"/>
+              </a:rPr>
+              <a:t>EndDate</a:t>
+            </a:r>
+            <a:r>
+              <a:rPr lang="en-US" sz="1200" dirty="0">
+                <a:solidFill>
+                  <a:srgbClr val="000000"/>
+                </a:solidFill>
+                <a:latin typeface="Consolas"/>
+                <a:ea typeface="Inter"/>
+              </a:rPr>
+              <a:t>, </a:t>
+            </a:r>
+            <a:r>
+              <a:rPr lang="en-US" sz="1200" dirty="0">
+                <a:solidFill>
+                  <a:srgbClr val="3165BB"/>
+                </a:solidFill>
+                <a:latin typeface="Consolas"/>
+                <a:ea typeface="Inter"/>
+              </a:rPr>
+              <a:t>YEAR</a:t>
+            </a:r>
+            <a:r>
+              <a:rPr lang="en-US" sz="1200" dirty="0">
+                <a:solidFill>
+                  <a:srgbClr val="000000"/>
+                </a:solidFill>
+                <a:latin typeface="Consolas"/>
+                <a:ea typeface="Inter"/>
+              </a:rPr>
+              <a:t>) &lt; </a:t>
+            </a:r>
+            <a:r>
+              <a:rPr lang="en-US" sz="1200" dirty="0">
+                <a:solidFill>
+                  <a:srgbClr val="098658"/>
+                </a:solidFill>
+                <a:latin typeface="Consolas"/>
+                <a:ea typeface="Inter"/>
+              </a:rPr>
+              <a:t>3</a:t>
+            </a:r>
+            <a:r>
+              <a:rPr lang="en-US" sz="1200" dirty="0">
+                <a:solidFill>
+                  <a:srgbClr val="000000"/>
+                </a:solidFill>
+                <a:latin typeface="Consolas"/>
+                <a:ea typeface="Inter"/>
+              </a:rPr>
+              <a:t>, </a:t>
+            </a:r>
+            <a:r>
+              <a:rPr lang="en-US" sz="1200" dirty="0">
+                <a:solidFill>
+                  <a:srgbClr val="A31515"/>
+                </a:solidFill>
+                <a:latin typeface="Consolas"/>
+                <a:ea typeface="Inter"/>
+              </a:rPr>
+              <a:t>"1-3 Years"</a:t>
+            </a:r>
+            <a:r>
+              <a:rPr lang="en-US" sz="1200" dirty="0">
+                <a:solidFill>
+                  <a:srgbClr val="000000"/>
+                </a:solidFill>
+                <a:latin typeface="Consolas"/>
+                <a:ea typeface="Inter"/>
+              </a:rPr>
+              <a:t>,</a:t>
+            </a:r>
+            <a:endParaRPr lang="en-US" sz="1200" dirty="0">
+              <a:ea typeface="Inter"/>
+            </a:endParaRPr>
+          </a:p>
+          <a:p>
+            <a:pPr marL="457200" lvl="1" indent="0">
+              <a:buNone/>
+            </a:pPr>
+            <a:r>
+              <a:rPr lang="en-US" sz="1200" dirty="0">
+                <a:solidFill>
+                  <a:srgbClr val="000000"/>
+                </a:solidFill>
+                <a:latin typeface="Consolas"/>
+                <a:ea typeface="Inter"/>
+              </a:rPr>
+              <a:t>            </a:t>
+            </a:r>
+            <a:r>
+              <a:rPr lang="en-US" sz="1200" dirty="0">
+                <a:solidFill>
+                  <a:srgbClr val="3165BB"/>
+                </a:solidFill>
+                <a:latin typeface="Consolas"/>
+                <a:ea typeface="Inter"/>
+              </a:rPr>
+              <a:t>DATEDIFF</a:t>
+            </a:r>
+            <a:r>
+              <a:rPr lang="en-US" sz="1200" dirty="0">
+                <a:solidFill>
+                  <a:srgbClr val="000000"/>
+                </a:solidFill>
+                <a:latin typeface="Consolas"/>
+                <a:ea typeface="Inter"/>
+              </a:rPr>
+              <a:t>(</a:t>
+            </a:r>
+            <a:r>
+              <a:rPr lang="en-US" sz="1200" dirty="0">
+                <a:solidFill>
+                  <a:srgbClr val="001080"/>
+                </a:solidFill>
+                <a:latin typeface="Consolas"/>
+                <a:ea typeface="Inter"/>
+              </a:rPr>
+              <a:t>'</a:t>
+            </a:r>
+            <a:r>
+              <a:rPr lang="en-US" sz="1200" dirty="0" err="1">
+                <a:solidFill>
+                  <a:srgbClr val="001080"/>
+                </a:solidFill>
+                <a:latin typeface="Consolas"/>
+                <a:ea typeface="Inter"/>
+              </a:rPr>
+              <a:t>HR_dataset</a:t>
+            </a:r>
+            <a:r>
+              <a:rPr lang="en-US" sz="1200" dirty="0">
+                <a:solidFill>
+                  <a:srgbClr val="001080"/>
+                </a:solidFill>
+                <a:latin typeface="Consolas"/>
+                <a:ea typeface="Inter"/>
+              </a:rPr>
+              <a:t>'[Hire Date]</a:t>
+            </a:r>
+            <a:r>
+              <a:rPr lang="en-US" sz="1200" dirty="0">
+                <a:solidFill>
+                  <a:srgbClr val="000000"/>
+                </a:solidFill>
+                <a:latin typeface="Consolas"/>
+                <a:ea typeface="Inter"/>
+              </a:rPr>
+              <a:t>, </a:t>
+            </a:r>
+            <a:r>
+              <a:rPr lang="en-US" sz="1200" dirty="0" err="1">
+                <a:solidFill>
+                  <a:srgbClr val="008080"/>
+                </a:solidFill>
+                <a:latin typeface="Consolas"/>
+                <a:ea typeface="Inter"/>
+              </a:rPr>
+              <a:t>EndDate</a:t>
+            </a:r>
+            <a:r>
+              <a:rPr lang="en-US" sz="1200" dirty="0">
+                <a:solidFill>
+                  <a:srgbClr val="000000"/>
+                </a:solidFill>
+                <a:latin typeface="Consolas"/>
+                <a:ea typeface="Inter"/>
+              </a:rPr>
+              <a:t>, </a:t>
+            </a:r>
+            <a:r>
+              <a:rPr lang="en-US" sz="1200" dirty="0">
+                <a:solidFill>
+                  <a:srgbClr val="3165BB"/>
+                </a:solidFill>
+                <a:latin typeface="Consolas"/>
+                <a:ea typeface="Inter"/>
+              </a:rPr>
+              <a:t>YEAR</a:t>
+            </a:r>
+            <a:r>
+              <a:rPr lang="en-US" sz="1200" dirty="0">
+                <a:solidFill>
+                  <a:srgbClr val="000000"/>
+                </a:solidFill>
+                <a:latin typeface="Consolas"/>
+                <a:ea typeface="Inter"/>
+              </a:rPr>
+              <a:t>) &gt;= </a:t>
+            </a:r>
+            <a:r>
+              <a:rPr lang="en-US" sz="1200" dirty="0">
+                <a:solidFill>
+                  <a:srgbClr val="098658"/>
+                </a:solidFill>
+                <a:latin typeface="Consolas"/>
+                <a:ea typeface="Inter"/>
+              </a:rPr>
+              <a:t>3</a:t>
+            </a:r>
+            <a:r>
+              <a:rPr lang="en-US" sz="1200" dirty="0">
+                <a:solidFill>
+                  <a:srgbClr val="000000"/>
+                </a:solidFill>
+                <a:latin typeface="Consolas"/>
+                <a:ea typeface="Inter"/>
+              </a:rPr>
+              <a:t> &amp;&amp; </a:t>
+            </a:r>
+            <a:r>
+              <a:rPr lang="en-US" sz="1200" dirty="0">
+                <a:solidFill>
+                  <a:srgbClr val="3165BB"/>
+                </a:solidFill>
+                <a:latin typeface="Consolas"/>
+                <a:ea typeface="Inter"/>
+              </a:rPr>
+              <a:t>DATEDIFF</a:t>
+            </a:r>
+            <a:r>
+              <a:rPr lang="en-US" sz="1200" dirty="0">
+                <a:solidFill>
+                  <a:srgbClr val="000000"/>
+                </a:solidFill>
+                <a:latin typeface="Consolas"/>
+                <a:ea typeface="Inter"/>
+              </a:rPr>
+              <a:t>(</a:t>
+            </a:r>
+            <a:r>
+              <a:rPr lang="en-US" sz="1200" dirty="0">
+                <a:solidFill>
+                  <a:srgbClr val="001080"/>
+                </a:solidFill>
+                <a:latin typeface="Consolas"/>
+                <a:ea typeface="Inter"/>
+              </a:rPr>
+              <a:t>'</a:t>
+            </a:r>
+            <a:r>
+              <a:rPr lang="en-US" sz="1200" dirty="0" err="1">
+                <a:solidFill>
+                  <a:srgbClr val="001080"/>
+                </a:solidFill>
+                <a:latin typeface="Consolas"/>
+                <a:ea typeface="Inter"/>
+              </a:rPr>
+              <a:t>HR_dataset</a:t>
+            </a:r>
+            <a:r>
+              <a:rPr lang="en-US" sz="1200" dirty="0">
+                <a:solidFill>
+                  <a:srgbClr val="001080"/>
+                </a:solidFill>
+                <a:latin typeface="Consolas"/>
+                <a:ea typeface="Inter"/>
+              </a:rPr>
+              <a:t>'[Hire Date]</a:t>
+            </a:r>
+            <a:r>
+              <a:rPr lang="en-US" sz="1200" dirty="0">
+                <a:solidFill>
+                  <a:srgbClr val="000000"/>
+                </a:solidFill>
+                <a:latin typeface="Consolas"/>
+                <a:ea typeface="Inter"/>
+              </a:rPr>
+              <a:t>, </a:t>
+            </a:r>
+            <a:r>
+              <a:rPr lang="en-US" sz="1200" dirty="0" err="1">
+                <a:solidFill>
+                  <a:srgbClr val="008080"/>
+                </a:solidFill>
+                <a:latin typeface="Consolas"/>
+                <a:ea typeface="Inter"/>
+              </a:rPr>
+              <a:t>EndDate</a:t>
+            </a:r>
+            <a:r>
+              <a:rPr lang="en-US" sz="1200" dirty="0">
+                <a:solidFill>
+                  <a:srgbClr val="000000"/>
+                </a:solidFill>
+                <a:latin typeface="Consolas"/>
+                <a:ea typeface="Inter"/>
+              </a:rPr>
+              <a:t>, </a:t>
+            </a:r>
+            <a:r>
+              <a:rPr lang="en-US" sz="1200" dirty="0">
+                <a:solidFill>
+                  <a:srgbClr val="3165BB"/>
+                </a:solidFill>
+                <a:latin typeface="Consolas"/>
+                <a:ea typeface="Inter"/>
+              </a:rPr>
+              <a:t>YEAR</a:t>
+            </a:r>
+            <a:r>
+              <a:rPr lang="en-US" sz="1200" dirty="0">
+                <a:solidFill>
+                  <a:srgbClr val="000000"/>
+                </a:solidFill>
+                <a:latin typeface="Consolas"/>
+                <a:ea typeface="Inter"/>
+              </a:rPr>
+              <a:t>) &lt; </a:t>
+            </a:r>
+            <a:r>
+              <a:rPr lang="en-US" sz="1200" dirty="0">
+                <a:solidFill>
+                  <a:srgbClr val="098658"/>
+                </a:solidFill>
+                <a:latin typeface="Consolas"/>
+                <a:ea typeface="Inter"/>
+              </a:rPr>
+              <a:t>5</a:t>
+            </a:r>
+            <a:r>
+              <a:rPr lang="en-US" sz="1200" dirty="0">
+                <a:solidFill>
+                  <a:srgbClr val="000000"/>
+                </a:solidFill>
+                <a:latin typeface="Consolas"/>
+                <a:ea typeface="Inter"/>
+              </a:rPr>
+              <a:t>, </a:t>
+            </a:r>
+            <a:r>
+              <a:rPr lang="en-US" sz="1200" dirty="0">
+                <a:solidFill>
+                  <a:srgbClr val="A31515"/>
+                </a:solidFill>
+                <a:latin typeface="Consolas"/>
+                <a:ea typeface="Inter"/>
+              </a:rPr>
+              <a:t>"3-5 Years"</a:t>
+            </a:r>
+            <a:r>
+              <a:rPr lang="en-US" sz="1200" dirty="0">
+                <a:solidFill>
+                  <a:srgbClr val="000000"/>
+                </a:solidFill>
+                <a:latin typeface="Consolas"/>
+                <a:ea typeface="Inter"/>
+              </a:rPr>
+              <a:t>,</a:t>
+            </a:r>
+            <a:endParaRPr lang="en-US" sz="1200" dirty="0">
+              <a:ea typeface="Inter"/>
+            </a:endParaRPr>
+          </a:p>
+          <a:p>
+            <a:pPr marL="457200" lvl="1" indent="0">
+              <a:buNone/>
+            </a:pPr>
+            <a:r>
+              <a:rPr lang="en-US" sz="1200" dirty="0">
+                <a:solidFill>
+                  <a:srgbClr val="000000"/>
+                </a:solidFill>
+                <a:latin typeface="Consolas"/>
+                <a:ea typeface="Inter"/>
+              </a:rPr>
+              <a:t>            </a:t>
+            </a:r>
+            <a:r>
+              <a:rPr lang="en-US" sz="1200" dirty="0">
+                <a:solidFill>
+                  <a:srgbClr val="3165BB"/>
+                </a:solidFill>
+                <a:latin typeface="Consolas"/>
+                <a:ea typeface="Inter"/>
+              </a:rPr>
+              <a:t>DATEDIFF</a:t>
+            </a:r>
+            <a:r>
+              <a:rPr lang="en-US" sz="1200" dirty="0">
+                <a:solidFill>
+                  <a:srgbClr val="000000"/>
+                </a:solidFill>
+                <a:latin typeface="Consolas"/>
+                <a:ea typeface="Inter"/>
+              </a:rPr>
+              <a:t>(</a:t>
+            </a:r>
+            <a:r>
+              <a:rPr lang="en-US" sz="1200" dirty="0">
+                <a:solidFill>
+                  <a:srgbClr val="001080"/>
+                </a:solidFill>
+                <a:latin typeface="Consolas"/>
+                <a:ea typeface="Inter"/>
+              </a:rPr>
+              <a:t>'</a:t>
+            </a:r>
+            <a:r>
+              <a:rPr lang="en-US" sz="1200" dirty="0" err="1">
+                <a:solidFill>
+                  <a:srgbClr val="001080"/>
+                </a:solidFill>
+                <a:latin typeface="Consolas"/>
+                <a:ea typeface="Inter"/>
+              </a:rPr>
+              <a:t>HR_dataset</a:t>
+            </a:r>
+            <a:r>
+              <a:rPr lang="en-US" sz="1200" dirty="0">
+                <a:solidFill>
+                  <a:srgbClr val="001080"/>
+                </a:solidFill>
+                <a:latin typeface="Consolas"/>
+                <a:ea typeface="Inter"/>
+              </a:rPr>
+              <a:t>'[Hire Date]</a:t>
+            </a:r>
+            <a:r>
+              <a:rPr lang="en-US" sz="1200" dirty="0">
+                <a:solidFill>
+                  <a:srgbClr val="000000"/>
+                </a:solidFill>
+                <a:latin typeface="Consolas"/>
+                <a:ea typeface="Inter"/>
+              </a:rPr>
+              <a:t>, </a:t>
+            </a:r>
+            <a:r>
+              <a:rPr lang="en-US" sz="1200" dirty="0" err="1">
+                <a:solidFill>
+                  <a:srgbClr val="008080"/>
+                </a:solidFill>
+                <a:latin typeface="Consolas"/>
+                <a:ea typeface="Inter"/>
+              </a:rPr>
+              <a:t>EndDate</a:t>
+            </a:r>
+            <a:r>
+              <a:rPr lang="en-US" sz="1200" dirty="0">
+                <a:solidFill>
+                  <a:srgbClr val="000000"/>
+                </a:solidFill>
+                <a:latin typeface="Consolas"/>
+                <a:ea typeface="Inter"/>
+              </a:rPr>
+              <a:t>, </a:t>
+            </a:r>
+            <a:r>
+              <a:rPr lang="en-US" sz="1200" dirty="0">
+                <a:solidFill>
+                  <a:srgbClr val="3165BB"/>
+                </a:solidFill>
+                <a:latin typeface="Consolas"/>
+                <a:ea typeface="Inter"/>
+              </a:rPr>
+              <a:t>YEAR</a:t>
+            </a:r>
+            <a:r>
+              <a:rPr lang="en-US" sz="1200" dirty="0">
+                <a:solidFill>
+                  <a:srgbClr val="000000"/>
+                </a:solidFill>
+                <a:latin typeface="Consolas"/>
+                <a:ea typeface="Inter"/>
+              </a:rPr>
+              <a:t>) &gt;= </a:t>
+            </a:r>
+            <a:r>
+              <a:rPr lang="en-US" sz="1200" dirty="0">
+                <a:solidFill>
+                  <a:srgbClr val="098658"/>
+                </a:solidFill>
+                <a:latin typeface="Consolas"/>
+                <a:ea typeface="Inter"/>
+              </a:rPr>
+              <a:t>5</a:t>
+            </a:r>
+            <a:r>
+              <a:rPr lang="en-US" sz="1200" dirty="0">
+                <a:solidFill>
+                  <a:srgbClr val="000000"/>
+                </a:solidFill>
+                <a:latin typeface="Consolas"/>
+                <a:ea typeface="Inter"/>
+              </a:rPr>
+              <a:t>, </a:t>
+            </a:r>
+            <a:r>
+              <a:rPr lang="en-US" sz="1200" dirty="0">
+                <a:solidFill>
+                  <a:srgbClr val="A31515"/>
+                </a:solidFill>
+                <a:latin typeface="Consolas"/>
+                <a:ea typeface="Inter"/>
+              </a:rPr>
+              <a:t>"5+ Years"</a:t>
+            </a:r>
+            <a:r>
+              <a:rPr lang="en-US" sz="1200" dirty="0">
+                <a:solidFill>
+                  <a:srgbClr val="000000"/>
+                </a:solidFill>
+                <a:latin typeface="Consolas"/>
+                <a:ea typeface="Inter"/>
+              </a:rPr>
+              <a:t>,</a:t>
+            </a:r>
+            <a:endParaRPr lang="en-US" sz="1200" dirty="0">
+              <a:ea typeface="Inter"/>
+            </a:endParaRPr>
+          </a:p>
+          <a:p>
+            <a:pPr marL="457200" lvl="1" indent="0">
+              <a:buNone/>
+            </a:pPr>
+            <a:r>
+              <a:rPr lang="en-US" sz="1200" dirty="0">
+                <a:solidFill>
+                  <a:srgbClr val="000000"/>
+                </a:solidFill>
+                <a:latin typeface="Consolas"/>
+                <a:ea typeface="Inter"/>
+              </a:rPr>
+              <a:t>            </a:t>
+            </a:r>
+            <a:r>
+              <a:rPr lang="en-US" sz="1200" dirty="0">
+                <a:solidFill>
+                  <a:srgbClr val="A31515"/>
+                </a:solidFill>
+                <a:latin typeface="Consolas"/>
+                <a:ea typeface="Inter"/>
+              </a:rPr>
+              <a:t>"Unknown"</a:t>
+            </a:r>
+            <a:endParaRPr lang="en-US" sz="1200" dirty="0">
+              <a:ea typeface="Inter"/>
+            </a:endParaRPr>
+          </a:p>
+          <a:p>
+            <a:pPr marL="457200" lvl="1" indent="0">
+              <a:buNone/>
+            </a:pPr>
+            <a:r>
+              <a:rPr lang="en-US" sz="1200" dirty="0">
+                <a:solidFill>
+                  <a:srgbClr val="000000"/>
+                </a:solidFill>
+                <a:latin typeface="Consolas"/>
+                <a:ea typeface="Inter"/>
+              </a:rPr>
+              <a:t>        )</a:t>
+            </a:r>
+            <a:endParaRPr lang="en-US" sz="1200" dirty="0">
+              <a:ea typeface="Inter"/>
+            </a:endParaRPr>
+          </a:p>
+          <a:p>
+            <a:pPr marL="457200" lvl="1" indent="0">
+              <a:buNone/>
+            </a:pPr>
+            <a:r>
+              <a:rPr lang="en-US" sz="1200" dirty="0">
+                <a:solidFill>
+                  <a:srgbClr val="000000"/>
+                </a:solidFill>
+                <a:latin typeface="Consolas"/>
+                <a:ea typeface="Inter"/>
+              </a:rPr>
+              <a:t>    )</a:t>
+            </a:r>
+            <a:endParaRPr lang="en-US" sz="1200" dirty="0">
+              <a:ea typeface="Inter"/>
+            </a:endParaRPr>
+          </a:p>
+          <a:p>
+            <a:pPr marL="457200" lvl="1" indent="0">
+              <a:buNone/>
+            </a:pPr>
+            <a:r>
+              <a:rPr lang="en-US" sz="1200" dirty="0">
+                <a:solidFill>
+                  <a:srgbClr val="0000FF"/>
+                </a:solidFill>
+                <a:latin typeface="Consolas"/>
+                <a:ea typeface="Inter"/>
+              </a:rPr>
+              <a:t>RETURN</a:t>
+            </a:r>
+            <a:endParaRPr lang="en-US" sz="1200" dirty="0">
+              <a:ea typeface="Inter"/>
+            </a:endParaRPr>
+          </a:p>
+          <a:p>
+            <a:pPr marL="457200" lvl="1" indent="0">
+              <a:buNone/>
+            </a:pPr>
+            <a:r>
+              <a:rPr lang="en-US" sz="1200" dirty="0">
+                <a:solidFill>
+                  <a:srgbClr val="000000"/>
+                </a:solidFill>
+                <a:latin typeface="Consolas"/>
+                <a:ea typeface="Inter"/>
+              </a:rPr>
+              <a:t>    </a:t>
+            </a:r>
+            <a:r>
+              <a:rPr lang="en-US" sz="1200" dirty="0">
+                <a:solidFill>
+                  <a:srgbClr val="3165BB"/>
+                </a:solidFill>
+                <a:latin typeface="Consolas"/>
+                <a:ea typeface="Inter"/>
+              </a:rPr>
+              <a:t>COUNTROWS</a:t>
+            </a:r>
+            <a:r>
+              <a:rPr lang="en-US" sz="1200" dirty="0">
+                <a:solidFill>
+                  <a:srgbClr val="000000"/>
+                </a:solidFill>
+                <a:latin typeface="Consolas"/>
+                <a:ea typeface="Inter"/>
+              </a:rPr>
+              <a:t>(</a:t>
+            </a:r>
+            <a:endParaRPr lang="en-US" sz="1200" dirty="0">
+              <a:ea typeface="Inter"/>
+            </a:endParaRPr>
+          </a:p>
+          <a:p>
+            <a:pPr marL="457200" lvl="1" indent="0">
+              <a:buNone/>
+            </a:pPr>
+            <a:r>
+              <a:rPr lang="en-US" sz="1200" dirty="0">
+                <a:solidFill>
+                  <a:srgbClr val="000000"/>
+                </a:solidFill>
+                <a:latin typeface="Consolas"/>
+                <a:ea typeface="Inter"/>
+              </a:rPr>
+              <a:t>        </a:t>
+            </a:r>
+            <a:r>
+              <a:rPr lang="en-US" sz="1200" dirty="0">
+                <a:solidFill>
+                  <a:srgbClr val="3165BB"/>
+                </a:solidFill>
+                <a:latin typeface="Consolas"/>
+                <a:ea typeface="Inter"/>
+              </a:rPr>
+              <a:t>FILTER</a:t>
+            </a:r>
+            <a:r>
+              <a:rPr lang="en-US" sz="1200" dirty="0">
+                <a:solidFill>
+                  <a:srgbClr val="000000"/>
+                </a:solidFill>
+                <a:latin typeface="Consolas"/>
+                <a:ea typeface="Inter"/>
+              </a:rPr>
+              <a:t>(</a:t>
+            </a:r>
+            <a:endParaRPr lang="en-US" sz="1200" dirty="0">
+              <a:ea typeface="Inter"/>
+            </a:endParaRPr>
+          </a:p>
+          <a:p>
+            <a:pPr marL="457200" lvl="1" indent="0">
+              <a:buNone/>
+            </a:pPr>
+            <a:r>
+              <a:rPr lang="en-US" sz="1200" dirty="0">
+                <a:solidFill>
+                  <a:srgbClr val="000000"/>
+                </a:solidFill>
+                <a:latin typeface="Consolas"/>
+                <a:ea typeface="Inter"/>
+              </a:rPr>
+              <a:t>            </a:t>
+            </a:r>
+            <a:r>
+              <a:rPr lang="en-US" sz="1200" dirty="0" err="1">
+                <a:solidFill>
+                  <a:srgbClr val="008080"/>
+                </a:solidFill>
+                <a:latin typeface="Consolas"/>
+                <a:ea typeface="Inter"/>
+              </a:rPr>
+              <a:t>TenureGroups</a:t>
+            </a:r>
+            <a:r>
+              <a:rPr lang="en-US" sz="1200" dirty="0">
+                <a:solidFill>
+                  <a:srgbClr val="000000"/>
+                </a:solidFill>
+                <a:latin typeface="Consolas"/>
+                <a:ea typeface="Inter"/>
+              </a:rPr>
+              <a:t>,</a:t>
+            </a:r>
+            <a:endParaRPr lang="en-US" sz="1200" dirty="0">
+              <a:ea typeface="Inter"/>
+            </a:endParaRPr>
+          </a:p>
+          <a:p>
+            <a:pPr marL="457200" lvl="1" indent="0">
+              <a:buNone/>
+            </a:pPr>
+            <a:r>
+              <a:rPr lang="en-US" sz="1200" dirty="0">
+                <a:solidFill>
+                  <a:srgbClr val="000000"/>
+                </a:solidFill>
+                <a:latin typeface="Consolas"/>
+                <a:ea typeface="Inter"/>
+              </a:rPr>
+              <a:t>            </a:t>
+            </a:r>
+            <a:r>
+              <a:rPr lang="en-US" sz="1200" dirty="0">
+                <a:solidFill>
+                  <a:srgbClr val="001080"/>
+                </a:solidFill>
+                <a:latin typeface="Consolas"/>
+                <a:ea typeface="Inter"/>
+              </a:rPr>
+              <a:t>[</a:t>
+            </a:r>
+            <a:r>
+              <a:rPr lang="en-US" sz="1200" dirty="0" err="1">
+                <a:solidFill>
+                  <a:srgbClr val="001080"/>
+                </a:solidFill>
+                <a:latin typeface="Consolas"/>
+                <a:ea typeface="Inter"/>
+              </a:rPr>
+              <a:t>TenureCategory</a:t>
+            </a:r>
+            <a:r>
+              <a:rPr lang="en-US" sz="1200" dirty="0">
+                <a:solidFill>
+                  <a:srgbClr val="001080"/>
+                </a:solidFill>
+                <a:latin typeface="Consolas"/>
+                <a:ea typeface="Inter"/>
+              </a:rPr>
+              <a:t>]</a:t>
+            </a:r>
+            <a:r>
+              <a:rPr lang="en-US" sz="1200" dirty="0">
+                <a:solidFill>
+                  <a:srgbClr val="000000"/>
+                </a:solidFill>
+                <a:latin typeface="Consolas"/>
+                <a:ea typeface="Inter"/>
+              </a:rPr>
+              <a:t> = </a:t>
+            </a:r>
+            <a:r>
+              <a:rPr lang="en-US" sz="1200" dirty="0">
+                <a:solidFill>
+                  <a:srgbClr val="3165BB"/>
+                </a:solidFill>
+                <a:latin typeface="Consolas"/>
+                <a:ea typeface="Inter"/>
+              </a:rPr>
+              <a:t>SELECTEDVALUE</a:t>
+            </a:r>
+            <a:r>
+              <a:rPr lang="en-US" sz="1200" dirty="0">
+                <a:solidFill>
+                  <a:srgbClr val="000000"/>
+                </a:solidFill>
+                <a:latin typeface="Consolas"/>
+                <a:ea typeface="Inter"/>
+              </a:rPr>
+              <a:t>(</a:t>
+            </a:r>
+            <a:r>
+              <a:rPr lang="en-US" sz="1200" dirty="0">
+                <a:solidFill>
+                  <a:srgbClr val="001080"/>
+                </a:solidFill>
+                <a:latin typeface="Consolas"/>
+                <a:ea typeface="Inter"/>
+              </a:rPr>
+              <a:t>'Tenure Groups Table'[Tenure Group]</a:t>
+            </a:r>
+            <a:r>
+              <a:rPr lang="en-US" sz="1200" dirty="0">
+                <a:solidFill>
+                  <a:srgbClr val="000000"/>
+                </a:solidFill>
+                <a:latin typeface="Consolas"/>
+                <a:ea typeface="Inter"/>
+              </a:rPr>
+              <a:t>)))</a:t>
+            </a:r>
+            <a:br>
+              <a:rPr lang="en-US" dirty="0"/>
+            </a:br>
+            <a:endParaRPr lang="en-US" dirty="0"/>
+          </a:p>
+          <a:p>
+            <a:pPr marL="1143000" lvl="1">
+              <a:lnSpc>
+                <a:spcPct val="150000"/>
+              </a:lnSpc>
+              <a:buClr>
+                <a:srgbClr val="121212"/>
+              </a:buClr>
+            </a:pPr>
+            <a:endParaRPr lang="en-US" sz="2000" dirty="0"/>
+          </a:p>
+          <a:p>
+            <a:pPr marL="628650" indent="-342900">
+              <a:lnSpc>
+                <a:spcPct val="150000"/>
+              </a:lnSpc>
+              <a:buClr>
+                <a:srgbClr val="121212"/>
+              </a:buClr>
+            </a:pPr>
+            <a:endParaRPr lang="en-US" sz="2000" dirty="0"/>
+          </a:p>
+          <a:p>
+            <a:pPr marL="1428750" lvl="2">
+              <a:lnSpc>
+                <a:spcPct val="150000"/>
+              </a:lnSpc>
+              <a:buFont typeface="Wingdings" panose="020B0502030000000004" pitchFamily="34" charset="0"/>
+              <a:buChar char="§"/>
+            </a:pPr>
+            <a:endParaRPr lang="en-US" sz="2000" dirty="0"/>
+          </a:p>
+          <a:p>
+            <a:pPr marL="1428750" lvl="2">
+              <a:lnSpc>
+                <a:spcPct val="150000"/>
+              </a:lnSpc>
+              <a:buFont typeface="Wingdings" panose="020B0502030000000004" pitchFamily="34" charset="0"/>
+              <a:buChar char="§"/>
+            </a:pPr>
+            <a:endParaRPr lang="en-US" sz="2000" dirty="0"/>
+          </a:p>
+          <a:p>
+            <a:pPr marL="514350">
+              <a:lnSpc>
+                <a:spcPct val="150000"/>
+              </a:lnSpc>
+              <a:buClr>
+                <a:srgbClr val="121212"/>
+              </a:buClr>
+            </a:pPr>
+            <a:endParaRPr lang="en-US" sz="2000" dirty="0"/>
+          </a:p>
+          <a:p>
+            <a:pPr marL="514350">
+              <a:lnSpc>
+                <a:spcPct val="150000"/>
+              </a:lnSpc>
+              <a:buClr>
+                <a:srgbClr val="121212"/>
+              </a:buClr>
+            </a:pPr>
+            <a:endParaRPr lang="en-US" sz="2000" dirty="0"/>
+          </a:p>
+        </p:txBody>
+      </p:sp>
+    </p:spTree>
+    <p:extLst>
+      <p:ext uri="{BB962C8B-B14F-4D97-AF65-F5344CB8AC3E}">
+        <p14:creationId xmlns:p14="http://schemas.microsoft.com/office/powerpoint/2010/main" val="1143309316"/>
+      </p:ext>
+    </p:extLst>
+  </p:cSld>
+  <p:clrMapOvr>
+    <a:masterClrMapping/>
+  </p:clrMapOvr>
+  <p:timing>
+    <p:tnLst>
+      <p:par>
+        <p:cTn id="1" dur="indefinite" restart="never" nodeType="tmRoot">
+          <p:childTnLst>
+            <p:seq concurrent="1" nextAc="seek">
+              <p:cTn id="2" dur="indefinite" nodeType="mainSeq">
+                <p:childTnLst>
+                  <p:par>
+                    <p:cTn id="3" fill="hold">
+                      <p:stCondLst>
+                        <p:cond delay="indefinite"/>
+                      </p:stCondLst>
+                      <p:childTnLst>
+                        <p:par>
+                          <p:cTn id="4" fill="hold">
+                            <p:stCondLst>
+                              <p:cond delay="0"/>
+                            </p:stCondLst>
+                            <p:childTnLst>
+                              <p:par>
+                                <p:cTn id="5" presetID="1" presetClass="entr" presetSubtype="0" fill="hold" grpId="0" nodeType="clickEffect">
+                                  <p:stCondLst>
+                                    <p:cond delay="0"/>
+                                  </p:stCondLst>
+                                  <p:childTnLst>
+                                    <p:set>
+                                      <p:cBhvr>
+                                        <p:cTn id="6" dur="1" fill="hold">
+                                          <p:stCondLst>
+                                            <p:cond delay="0"/>
+                                          </p:stCondLst>
+                                        </p:cTn>
+                                        <p:tgtEl>
+                                          <p:spTgt spid="4">
+                                            <p:txEl>
+                                              <p:pRg st="0" end="0"/>
+                                            </p:txEl>
+                                          </p:spTgt>
+                                        </p:tgtEl>
+                                        <p:attrNameLst>
+                                          <p:attrName>style.visibility</p:attrName>
+                                        </p:attrNameLst>
+                                      </p:cBhvr>
+                                      <p:to>
+                                        <p:strVal val="visible"/>
+                                      </p:to>
+                                    </p:set>
+                                  </p:childTnLst>
+                                </p:cTn>
+                              </p:par>
+                              <p:par>
+                                <p:cTn id="7" presetID="1" presetClass="entr" presetSubtype="0" fill="hold" grpId="0" nodeType="withEffect">
+                                  <p:stCondLst>
+                                    <p:cond delay="0"/>
+                                  </p:stCondLst>
+                                  <p:childTnLst>
+                                    <p:set>
+                                      <p:cBhvr>
+                                        <p:cTn id="8" dur="1" fill="hold">
+                                          <p:stCondLst>
+                                            <p:cond delay="0"/>
+                                          </p:stCondLst>
+                                        </p:cTn>
+                                        <p:tgtEl>
+                                          <p:spTgt spid="4">
+                                            <p:txEl>
+                                              <p:pRg st="1" end="1"/>
+                                            </p:txEl>
+                                          </p:spTgt>
+                                        </p:tgtEl>
+                                        <p:attrNameLst>
+                                          <p:attrName>style.visibility</p:attrName>
+                                        </p:attrNameLst>
+                                      </p:cBhvr>
+                                      <p:to>
+                                        <p:strVal val="visible"/>
+                                      </p:to>
+                                    </p:set>
+                                  </p:childTnLst>
+                                </p:cTn>
+                              </p:par>
+                              <p:par>
+                                <p:cTn id="9" presetID="1" presetClass="entr" presetSubtype="0" fill="hold" grpId="0" nodeType="withEffect">
+                                  <p:stCondLst>
+                                    <p:cond delay="0"/>
+                                  </p:stCondLst>
+                                  <p:childTnLst>
+                                    <p:set>
+                                      <p:cBhvr>
+                                        <p:cTn id="10" dur="1" fill="hold">
+                                          <p:stCondLst>
+                                            <p:cond delay="0"/>
+                                          </p:stCondLst>
+                                        </p:cTn>
+                                        <p:tgtEl>
+                                          <p:spTgt spid="4">
+                                            <p:txEl>
+                                              <p:pRg st="2" end="2"/>
+                                            </p:txEl>
+                                          </p:spTgt>
+                                        </p:tgtEl>
+                                        <p:attrNameLst>
+                                          <p:attrName>style.visibility</p:attrName>
+                                        </p:attrNameLst>
+                                      </p:cBhvr>
+                                      <p:to>
+                                        <p:strVal val="visible"/>
+                                      </p:to>
+                                    </p:set>
+                                  </p:childTnLst>
+                                </p:cTn>
+                              </p:par>
+                              <p:par>
+                                <p:cTn id="11" presetID="1" presetClass="entr" presetSubtype="0" fill="hold" grpId="0" nodeType="withEffect">
+                                  <p:stCondLst>
+                                    <p:cond delay="0"/>
+                                  </p:stCondLst>
+                                  <p:childTnLst>
+                                    <p:set>
+                                      <p:cBhvr>
+                                        <p:cTn id="12" dur="1" fill="hold">
+                                          <p:stCondLst>
+                                            <p:cond delay="0"/>
+                                          </p:stCondLst>
+                                        </p:cTn>
+                                        <p:tgtEl>
+                                          <p:spTgt spid="4">
+                                            <p:txEl>
+                                              <p:pRg st="3" end="3"/>
+                                            </p:txEl>
+                                          </p:spTgt>
+                                        </p:tgtEl>
+                                        <p:attrNameLst>
+                                          <p:attrName>style.visibility</p:attrName>
+                                        </p:attrNameLst>
+                                      </p:cBhvr>
+                                      <p:to>
+                                        <p:strVal val="visible"/>
+                                      </p:to>
+                                    </p:set>
+                                  </p:childTnLst>
+                                </p:cTn>
+                              </p:par>
+                              <p:par>
+                                <p:cTn id="13" presetID="1" presetClass="entr" presetSubtype="0" fill="hold" grpId="0" nodeType="withEffect">
+                                  <p:stCondLst>
+                                    <p:cond delay="0"/>
+                                  </p:stCondLst>
+                                  <p:childTnLst>
+                                    <p:set>
+                                      <p:cBhvr>
+                                        <p:cTn id="14" dur="1" fill="hold">
+                                          <p:stCondLst>
+                                            <p:cond delay="0"/>
+                                          </p:stCondLst>
+                                        </p:cTn>
+                                        <p:tgtEl>
+                                          <p:spTgt spid="4">
+                                            <p:txEl>
+                                              <p:pRg st="4" end="4"/>
+                                            </p:txEl>
+                                          </p:spTgt>
+                                        </p:tgtEl>
+                                        <p:attrNameLst>
+                                          <p:attrName>style.visibility</p:attrName>
+                                        </p:attrNameLst>
+                                      </p:cBhvr>
+                                      <p:to>
+                                        <p:strVal val="visible"/>
+                                      </p:to>
+                                    </p:set>
+                                  </p:childTnLst>
+                                </p:cTn>
+                              </p:par>
+                              <p:par>
+                                <p:cTn id="15" presetID="1" presetClass="entr" presetSubtype="0" fill="hold" grpId="0" nodeType="withEffect">
+                                  <p:stCondLst>
+                                    <p:cond delay="0"/>
+                                  </p:stCondLst>
+                                  <p:childTnLst>
+                                    <p:set>
+                                      <p:cBhvr>
+                                        <p:cTn id="16" dur="1" fill="hold">
+                                          <p:stCondLst>
+                                            <p:cond delay="0"/>
+                                          </p:stCondLst>
+                                        </p:cTn>
+                                        <p:tgtEl>
+                                          <p:spTgt spid="4">
+                                            <p:txEl>
+                                              <p:pRg st="5" end="5"/>
+                                            </p:txEl>
+                                          </p:spTgt>
+                                        </p:tgtEl>
+                                        <p:attrNameLst>
+                                          <p:attrName>style.visibility</p:attrName>
+                                        </p:attrNameLst>
+                                      </p:cBhvr>
+                                      <p:to>
+                                        <p:strVal val="visible"/>
+                                      </p:to>
+                                    </p:set>
+                                  </p:childTnLst>
+                                </p:cTn>
+                              </p:par>
+                              <p:par>
+                                <p:cTn id="17" presetID="1" presetClass="entr" presetSubtype="0" fill="hold" grpId="0" nodeType="withEffect">
+                                  <p:stCondLst>
+                                    <p:cond delay="0"/>
+                                  </p:stCondLst>
+                                  <p:childTnLst>
+                                    <p:set>
+                                      <p:cBhvr>
+                                        <p:cTn id="18" dur="1" fill="hold">
+                                          <p:stCondLst>
+                                            <p:cond delay="0"/>
+                                          </p:stCondLst>
+                                        </p:cTn>
+                                        <p:tgtEl>
+                                          <p:spTgt spid="4">
+                                            <p:txEl>
+                                              <p:pRg st="6" end="6"/>
+                                            </p:txEl>
+                                          </p:spTgt>
+                                        </p:tgtEl>
+                                        <p:attrNameLst>
+                                          <p:attrName>style.visibility</p:attrName>
+                                        </p:attrNameLst>
+                                      </p:cBhvr>
+                                      <p:to>
+                                        <p:strVal val="visible"/>
+                                      </p:to>
+                                    </p:set>
+                                  </p:childTnLst>
+                                </p:cTn>
+                              </p:par>
+                              <p:par>
+                                <p:cTn id="19" presetID="1" presetClass="entr" presetSubtype="0" fill="hold" grpId="0" nodeType="withEffect">
+                                  <p:stCondLst>
+                                    <p:cond delay="0"/>
+                                  </p:stCondLst>
+                                  <p:childTnLst>
+                                    <p:set>
+                                      <p:cBhvr>
+                                        <p:cTn id="20" dur="1" fill="hold">
+                                          <p:stCondLst>
+                                            <p:cond delay="0"/>
+                                          </p:stCondLst>
+                                        </p:cTn>
+                                        <p:tgtEl>
+                                          <p:spTgt spid="4">
+                                            <p:txEl>
+                                              <p:pRg st="7" end="7"/>
+                                            </p:txEl>
+                                          </p:spTgt>
+                                        </p:tgtEl>
+                                        <p:attrNameLst>
+                                          <p:attrName>style.visibility</p:attrName>
+                                        </p:attrNameLst>
+                                      </p:cBhvr>
+                                      <p:to>
+                                        <p:strVal val="visible"/>
+                                      </p:to>
+                                    </p:set>
+                                  </p:childTnLst>
+                                </p:cTn>
+                              </p:par>
+                              <p:par>
+                                <p:cTn id="21" presetID="1" presetClass="entr" presetSubtype="0" fill="hold" grpId="0" nodeType="withEffect">
+                                  <p:stCondLst>
+                                    <p:cond delay="0"/>
+                                  </p:stCondLst>
+                                  <p:childTnLst>
+                                    <p:set>
+                                      <p:cBhvr>
+                                        <p:cTn id="22" dur="1" fill="hold">
+                                          <p:stCondLst>
+                                            <p:cond delay="0"/>
+                                          </p:stCondLst>
+                                        </p:cTn>
+                                        <p:tgtEl>
+                                          <p:spTgt spid="4">
+                                            <p:txEl>
+                                              <p:pRg st="8" end="8"/>
+                                            </p:txEl>
+                                          </p:spTgt>
+                                        </p:tgtEl>
+                                        <p:attrNameLst>
+                                          <p:attrName>style.visibility</p:attrName>
+                                        </p:attrNameLst>
+                                      </p:cBhvr>
+                                      <p:to>
+                                        <p:strVal val="visible"/>
+                                      </p:to>
+                                    </p:set>
+                                  </p:childTnLst>
+                                </p:cTn>
+                              </p:par>
+                              <p:par>
+                                <p:cTn id="23" presetID="1" presetClass="entr" presetSubtype="0" fill="hold" grpId="0" nodeType="withEffect">
+                                  <p:stCondLst>
+                                    <p:cond delay="0"/>
+                                  </p:stCondLst>
+                                  <p:childTnLst>
+                                    <p:set>
+                                      <p:cBhvr>
+                                        <p:cTn id="24" dur="1" fill="hold">
+                                          <p:stCondLst>
+                                            <p:cond delay="0"/>
+                                          </p:stCondLst>
+                                        </p:cTn>
+                                        <p:tgtEl>
+                                          <p:spTgt spid="4">
+                                            <p:txEl>
+                                              <p:pRg st="9" end="9"/>
+                                            </p:txEl>
+                                          </p:spTgt>
+                                        </p:tgtEl>
+                                        <p:attrNameLst>
+                                          <p:attrName>style.visibility</p:attrName>
+                                        </p:attrNameLst>
+                                      </p:cBhvr>
+                                      <p:to>
+                                        <p:strVal val="visible"/>
+                                      </p:to>
+                                    </p:set>
+                                  </p:childTnLst>
+                                </p:cTn>
+                              </p:par>
+                              <p:par>
+                                <p:cTn id="25" presetID="1" presetClass="entr" presetSubtype="0" fill="hold" grpId="0" nodeType="withEffect">
+                                  <p:stCondLst>
+                                    <p:cond delay="0"/>
+                                  </p:stCondLst>
+                                  <p:childTnLst>
+                                    <p:set>
+                                      <p:cBhvr>
+                                        <p:cTn id="26" dur="1" fill="hold">
+                                          <p:stCondLst>
+                                            <p:cond delay="0"/>
+                                          </p:stCondLst>
+                                        </p:cTn>
+                                        <p:tgtEl>
+                                          <p:spTgt spid="4">
+                                            <p:txEl>
+                                              <p:pRg st="10" end="10"/>
+                                            </p:txEl>
+                                          </p:spTgt>
+                                        </p:tgtEl>
+                                        <p:attrNameLst>
+                                          <p:attrName>style.visibility</p:attrName>
+                                        </p:attrNameLst>
+                                      </p:cBhvr>
+                                      <p:to>
+                                        <p:strVal val="visible"/>
+                                      </p:to>
+                                    </p:set>
+                                  </p:childTnLst>
+                                </p:cTn>
+                              </p:par>
+                              <p:par>
+                                <p:cTn id="27" presetID="1" presetClass="entr" presetSubtype="0" fill="hold" grpId="0" nodeType="withEffect">
+                                  <p:stCondLst>
+                                    <p:cond delay="0"/>
+                                  </p:stCondLst>
+                                  <p:childTnLst>
+                                    <p:set>
+                                      <p:cBhvr>
+                                        <p:cTn id="28" dur="1" fill="hold">
+                                          <p:stCondLst>
+                                            <p:cond delay="0"/>
+                                          </p:stCondLst>
+                                        </p:cTn>
+                                        <p:tgtEl>
+                                          <p:spTgt spid="4">
+                                            <p:txEl>
+                                              <p:pRg st="11" end="11"/>
+                                            </p:txEl>
+                                          </p:spTgt>
+                                        </p:tgtEl>
+                                        <p:attrNameLst>
+                                          <p:attrName>style.visibility</p:attrName>
+                                        </p:attrNameLst>
+                                      </p:cBhvr>
+                                      <p:to>
+                                        <p:strVal val="visible"/>
+                                      </p:to>
+                                    </p:set>
+                                  </p:childTnLst>
+                                </p:cTn>
+                              </p:par>
+                              <p:par>
+                                <p:cTn id="29" presetID="1" presetClass="entr" presetSubtype="0" fill="hold" grpId="0" nodeType="withEffect">
+                                  <p:stCondLst>
+                                    <p:cond delay="0"/>
+                                  </p:stCondLst>
+                                  <p:childTnLst>
+                                    <p:set>
+                                      <p:cBhvr>
+                                        <p:cTn id="30" dur="1" fill="hold">
+                                          <p:stCondLst>
+                                            <p:cond delay="0"/>
+                                          </p:stCondLst>
+                                        </p:cTn>
+                                        <p:tgtEl>
+                                          <p:spTgt spid="4">
+                                            <p:txEl>
+                                              <p:pRg st="12" end="12"/>
+                                            </p:txEl>
+                                          </p:spTgt>
+                                        </p:tgtEl>
+                                        <p:attrNameLst>
+                                          <p:attrName>style.visibility</p:attrName>
+                                        </p:attrNameLst>
+                                      </p:cBhvr>
+                                      <p:to>
+                                        <p:strVal val="visible"/>
+                                      </p:to>
+                                    </p:set>
+                                  </p:childTnLst>
+                                </p:cTn>
+                              </p:par>
+                              <p:par>
+                                <p:cTn id="31" presetID="1" presetClass="entr" presetSubtype="0" fill="hold" grpId="0" nodeType="withEffect">
+                                  <p:stCondLst>
+                                    <p:cond delay="0"/>
+                                  </p:stCondLst>
+                                  <p:childTnLst>
+                                    <p:set>
+                                      <p:cBhvr>
+                                        <p:cTn id="32" dur="1" fill="hold">
+                                          <p:stCondLst>
+                                            <p:cond delay="0"/>
+                                          </p:stCondLst>
+                                        </p:cTn>
+                                        <p:tgtEl>
+                                          <p:spTgt spid="4">
+                                            <p:txEl>
+                                              <p:pRg st="13" end="13"/>
+                                            </p:txEl>
+                                          </p:spTgt>
+                                        </p:tgtEl>
+                                        <p:attrNameLst>
+                                          <p:attrName>style.visibility</p:attrName>
+                                        </p:attrNameLst>
+                                      </p:cBhvr>
+                                      <p:to>
+                                        <p:strVal val="visible"/>
+                                      </p:to>
+                                    </p:set>
+                                  </p:childTnLst>
+                                </p:cTn>
+                              </p:par>
+                              <p:par>
+                                <p:cTn id="33" presetID="1" presetClass="entr" presetSubtype="0" fill="hold" grpId="0" nodeType="withEffect">
+                                  <p:stCondLst>
+                                    <p:cond delay="0"/>
+                                  </p:stCondLst>
+                                  <p:childTnLst>
+                                    <p:set>
+                                      <p:cBhvr>
+                                        <p:cTn id="34" dur="1" fill="hold">
+                                          <p:stCondLst>
+                                            <p:cond delay="0"/>
+                                          </p:stCondLst>
+                                        </p:cTn>
+                                        <p:tgtEl>
+                                          <p:spTgt spid="4">
+                                            <p:txEl>
+                                              <p:pRg st="14" end="14"/>
+                                            </p:txEl>
+                                          </p:spTgt>
+                                        </p:tgtEl>
+                                        <p:attrNameLst>
+                                          <p:attrName>style.visibility</p:attrName>
+                                        </p:attrNameLst>
+                                      </p:cBhvr>
+                                      <p:to>
+                                        <p:strVal val="visible"/>
+                                      </p:to>
+                                    </p:set>
+                                  </p:childTnLst>
+                                </p:cTn>
+                              </p:par>
+                              <p:par>
+                                <p:cTn id="35" presetID="1" presetClass="entr" presetSubtype="0" fill="hold" grpId="0" nodeType="withEffect">
+                                  <p:stCondLst>
+                                    <p:cond delay="0"/>
+                                  </p:stCondLst>
+                                  <p:childTnLst>
+                                    <p:set>
+                                      <p:cBhvr>
+                                        <p:cTn id="36" dur="1" fill="hold">
+                                          <p:stCondLst>
+                                            <p:cond delay="0"/>
+                                          </p:stCondLst>
+                                        </p:cTn>
+                                        <p:tgtEl>
+                                          <p:spTgt spid="4">
+                                            <p:txEl>
+                                              <p:pRg st="15" end="15"/>
+                                            </p:txEl>
+                                          </p:spTgt>
+                                        </p:tgtEl>
+                                        <p:attrNameLst>
+                                          <p:attrName>style.visibility</p:attrName>
+                                        </p:attrNameLst>
+                                      </p:cBhvr>
+                                      <p:to>
+                                        <p:strVal val="visible"/>
+                                      </p:to>
+                                    </p:set>
+                                  </p:childTnLst>
+                                </p:cTn>
+                              </p:par>
+                              <p:par>
+                                <p:cTn id="37" presetID="1" presetClass="entr" presetSubtype="0" fill="hold" grpId="0" nodeType="withEffect">
+                                  <p:stCondLst>
+                                    <p:cond delay="0"/>
+                                  </p:stCondLst>
+                                  <p:childTnLst>
+                                    <p:set>
+                                      <p:cBhvr>
+                                        <p:cTn id="38" dur="1" fill="hold">
+                                          <p:stCondLst>
+                                            <p:cond delay="0"/>
+                                          </p:stCondLst>
+                                        </p:cTn>
+                                        <p:tgtEl>
+                                          <p:spTgt spid="4">
+                                            <p:txEl>
+                                              <p:pRg st="16" end="16"/>
+                                            </p:txEl>
+                                          </p:spTgt>
+                                        </p:tgtEl>
+                                        <p:attrNameLst>
+                                          <p:attrName>style.visibility</p:attrName>
+                                        </p:attrNameLst>
+                                      </p:cBhvr>
+                                      <p:to>
+                                        <p:strVal val="visible"/>
+                                      </p:to>
+                                    </p:set>
+                                  </p:childTnLst>
+                                </p:cTn>
+                              </p:par>
+                              <p:par>
+                                <p:cTn id="39" presetID="1" presetClass="entr" presetSubtype="0" fill="hold" grpId="0" nodeType="withEffect">
+                                  <p:stCondLst>
+                                    <p:cond delay="0"/>
+                                  </p:stCondLst>
+                                  <p:childTnLst>
+                                    <p:set>
+                                      <p:cBhvr>
+                                        <p:cTn id="40" dur="1" fill="hold">
+                                          <p:stCondLst>
+                                            <p:cond delay="0"/>
+                                          </p:stCondLst>
+                                        </p:cTn>
+                                        <p:tgtEl>
+                                          <p:spTgt spid="4">
+                                            <p:txEl>
+                                              <p:pRg st="17" end="17"/>
+                                            </p:txEl>
+                                          </p:spTgt>
+                                        </p:tgtEl>
+                                        <p:attrNameLst>
+                                          <p:attrName>style.visibility</p:attrName>
+                                        </p:attrNameLst>
+                                      </p:cBhvr>
+                                      <p:to>
+                                        <p:strVal val="visible"/>
+                                      </p:to>
+                                    </p:set>
+                                  </p:childTnLst>
+                                </p:cTn>
+                              </p:par>
+                              <p:par>
+                                <p:cTn id="41" presetID="1" presetClass="entr" presetSubtype="0" fill="hold" grpId="0" nodeType="withEffect">
+                                  <p:stCondLst>
+                                    <p:cond delay="0"/>
+                                  </p:stCondLst>
+                                  <p:childTnLst>
+                                    <p:set>
+                                      <p:cBhvr>
+                                        <p:cTn id="42" dur="1" fill="hold">
+                                          <p:stCondLst>
+                                            <p:cond delay="0"/>
+                                          </p:stCondLst>
+                                        </p:cTn>
+                                        <p:tgtEl>
+                                          <p:spTgt spid="4">
+                                            <p:txEl>
+                                              <p:pRg st="18" end="18"/>
+                                            </p:txEl>
+                                          </p:spTgt>
+                                        </p:tgtEl>
+                                        <p:attrNameLst>
+                                          <p:attrName>style.visibility</p:attrName>
+                                        </p:attrNameLst>
+                                      </p:cBhvr>
+                                      <p:to>
+                                        <p:strVal val="visible"/>
+                                      </p:to>
+                                    </p:set>
+                                  </p:childTnLst>
+                                </p:cTn>
+                              </p:par>
+                              <p:par>
+                                <p:cTn id="43" presetID="1" presetClass="entr" presetSubtype="0" fill="hold" grpId="0" nodeType="withEffect">
+                                  <p:stCondLst>
+                                    <p:cond delay="0"/>
+                                  </p:stCondLst>
+                                  <p:childTnLst>
+                                    <p:set>
+                                      <p:cBhvr>
+                                        <p:cTn id="44" dur="1" fill="hold">
+                                          <p:stCondLst>
+                                            <p:cond delay="0"/>
+                                          </p:stCondLst>
+                                        </p:cTn>
+                                        <p:tgtEl>
+                                          <p:spTgt spid="4">
+                                            <p:txEl>
+                                              <p:pRg st="19" end="19"/>
+                                            </p:txEl>
+                                          </p:spTgt>
+                                        </p:tgtEl>
+                                        <p:attrNameLst>
+                                          <p:attrName>style.visibility</p:attrName>
+                                        </p:attrNameLst>
+                                      </p:cBhvr>
+                                      <p:to>
+                                        <p:strVal val="visible"/>
+                                      </p:to>
+                                    </p:set>
+                                  </p:childTnLst>
+                                </p:cTn>
+                              </p:par>
+                              <p:par>
+                                <p:cTn id="45" presetID="1" presetClass="entr" presetSubtype="0" fill="hold" grpId="0" nodeType="withEffect">
+                                  <p:stCondLst>
+                                    <p:cond delay="0"/>
+                                  </p:stCondLst>
+                                  <p:childTnLst>
+                                    <p:set>
+                                      <p:cBhvr>
+                                        <p:cTn id="46" dur="1" fill="hold">
+                                          <p:stCondLst>
+                                            <p:cond delay="0"/>
+                                          </p:stCondLst>
+                                        </p:cTn>
+                                        <p:tgtEl>
+                                          <p:spTgt spid="4">
+                                            <p:txEl>
+                                              <p:pRg st="20" end="20"/>
+                                            </p:txEl>
+                                          </p:spTgt>
+                                        </p:tgtEl>
+                                        <p:attrNameLst>
+                                          <p:attrName>style.visibility</p:attrName>
+                                        </p:attrNameLst>
+                                      </p:cBhvr>
+                                      <p:to>
+                                        <p:strVal val="visible"/>
+                                      </p:to>
+                                    </p:set>
+                                  </p:childTnLst>
+                                </p:cTn>
+                              </p:par>
+                              <p:par>
+                                <p:cTn id="47" presetID="1" presetClass="entr" presetSubtype="0" fill="hold" grpId="0" nodeType="withEffect">
+                                  <p:stCondLst>
+                                    <p:cond delay="0"/>
+                                  </p:stCondLst>
+                                  <p:childTnLst>
+                                    <p:set>
+                                      <p:cBhvr>
+                                        <p:cTn id="48" dur="1" fill="hold">
+                                          <p:stCondLst>
+                                            <p:cond delay="0"/>
+                                          </p:stCondLst>
+                                        </p:cTn>
+                                        <p:tgtEl>
+                                          <p:spTgt spid="4">
+                                            <p:txEl>
+                                              <p:pRg st="21" end="21"/>
+                                            </p:txEl>
+                                          </p:spTgt>
+                                        </p:tgtEl>
+                                        <p:attrNameLst>
+                                          <p:attrName>style.visibility</p:attrName>
+                                        </p:attrNameLst>
+                                      </p:cBhvr>
+                                      <p:to>
+                                        <p:strVal val="visible"/>
+                                      </p:to>
+                                    </p:set>
+                                  </p:childTnLst>
+                                </p:cTn>
+                              </p:par>
+                              <p:par>
+                                <p:cTn id="49" presetID="1" presetClass="entr" presetSubtype="0" fill="hold" grpId="0" nodeType="withEffect">
+                                  <p:stCondLst>
+                                    <p:cond delay="0"/>
+                                  </p:stCondLst>
+                                  <p:childTnLst>
+                                    <p:set>
+                                      <p:cBhvr>
+                                        <p:cTn id="50" dur="1" fill="hold">
+                                          <p:stCondLst>
+                                            <p:cond delay="0"/>
+                                          </p:stCondLst>
+                                        </p:cTn>
+                                        <p:tgtEl>
+                                          <p:spTgt spid="4">
+                                            <p:txEl>
+                                              <p:pRg st="22" end="22"/>
+                                            </p:txEl>
+                                          </p:spTgt>
+                                        </p:tgtEl>
+                                        <p:attrNameLst>
+                                          <p:attrName>style.visibility</p:attrName>
+                                        </p:attrNameLst>
+                                      </p:cBhvr>
+                                      <p:to>
+                                        <p:strVal val="visible"/>
+                                      </p:to>
+                                    </p:set>
+                                  </p:childTnLst>
+                                </p:cTn>
+                              </p:par>
+                            </p:childTnLst>
+                          </p:cTn>
+                        </p:par>
+                      </p:childTnLst>
+                    </p:cTn>
+                  </p:par>
+                </p:childTnLst>
+              </p:cTn>
+              <p:prevCondLst>
+                <p:cond evt="onPrev" delay="0">
+                  <p:tgtEl>
+                    <p:sldTgt/>
+                  </p:tgtEl>
+                </p:cond>
+              </p:prevCondLst>
+              <p:nextCondLst>
+                <p:cond evt="onNext" delay="0">
+                  <p:tgtEl>
+                    <p:sldTgt/>
+                  </p:tgtEl>
+                </p:cond>
+              </p:nextCondLst>
+            </p:seq>
+          </p:childTnLst>
+        </p:cTn>
+      </p:par>
+    </p:tnLst>
+    <p:bldLst>
+      <p:bldP spid="4" grpId="0" build="p"/>
+    </p:bldLst>
+  </p:timing>
+</p:sld>
+</file>
+
+<file path=ppt/slides/slide11.xml><?xml version="1.0" encoding="utf-8"?>
+<p:sld xmlns:a="http://schemas.openxmlformats.org/drawingml/2006/main" xmlns:r="http://schemas.openxmlformats.org/officeDocument/2006/relationships" xmlns:p="http://schemas.openxmlformats.org/presentationml/2006/main">
+  <p:cSld>
+    <p:spTree>
+      <p:nvGrpSpPr>
+        <p:cNvPr id="1" name="">
+          <a:extLst>
+            <a:ext uri="{FF2B5EF4-FFF2-40B4-BE49-F238E27FC236}">
               <a16:creationId xmlns:a16="http://schemas.microsoft.com/office/drawing/2014/main" id="{DADB48D9-37EF-87B3-9301-28F1C629BEF6}"/>
             </a:ext>
           </a:extLst>
@@ -24199,7 +27054,7 @@
 </p:sld>
 </file>
 
-<file path=ppt/slides/slide11.xml><?xml version="1.0" encoding="utf-8"?>
+<file path=ppt/slides/slide12.xml><?xml version="1.0" encoding="utf-8"?>
 <p:sld xmlns:a="http://schemas.openxmlformats.org/drawingml/2006/main" xmlns:r="http://schemas.openxmlformats.org/officeDocument/2006/relationships" xmlns:p="http://schemas.openxmlformats.org/presentationml/2006/main">
   <p:cSld>
     <p:spTree>
@@ -25331,7 +28186,7 @@
 </p:sld>
 </file>
 
-<file path=ppt/slides/slide12.xml><?xml version="1.0" encoding="utf-8"?>
+<file path=ppt/slides/slide13.xml><?xml version="1.0" encoding="utf-8"?>
 <p:sld xmlns:a="http://schemas.openxmlformats.org/drawingml/2006/main" xmlns:r="http://schemas.openxmlformats.org/officeDocument/2006/relationships" xmlns:p="http://schemas.openxmlformats.org/presentationml/2006/main">
   <p:cSld>
     <p:spTree>
@@ -26260,7 +29115,7 @@
 </p:sld>
 </file>
 
-<file path=ppt/slides/slide13.xml><?xml version="1.0" encoding="utf-8"?>
+<file path=ppt/slides/slide14.xml><?xml version="1.0" encoding="utf-8"?>
 <p:sld xmlns:a="http://schemas.openxmlformats.org/drawingml/2006/main" xmlns:r="http://schemas.openxmlformats.org/officeDocument/2006/relationships" xmlns:p="http://schemas.openxmlformats.org/presentationml/2006/main">
   <p:cSld>
     <p:spTree>
@@ -26373,7 +29228,7 @@
 </p:sld>
 </file>
 
-<file path=ppt/slides/slide14.xml><?xml version="1.0" encoding="utf-8"?>
+<file path=ppt/slides/slide15.xml><?xml version="1.0" encoding="utf-8"?>
 <p:sld xmlns:a="http://schemas.openxmlformats.org/drawingml/2006/main" xmlns:r="http://schemas.openxmlformats.org/officeDocument/2006/relationships" xmlns:p="http://schemas.openxmlformats.org/presentationml/2006/main">
   <p:cSld>
     <p:spTree>
@@ -27304,7 +30159,7 @@
 </p:sld>
 </file>
 
-<file path=ppt/slides/slide15.xml><?xml version="1.0" encoding="utf-8"?>
+<file path=ppt/slides/slide16.xml><?xml version="1.0" encoding="utf-8"?>
 <p:sld xmlns:a="http://schemas.openxmlformats.org/drawingml/2006/main" xmlns:r="http://schemas.openxmlformats.org/officeDocument/2006/relationships" xmlns:p="http://schemas.openxmlformats.org/presentationml/2006/main">
   <p:cSld>
     <p:spTree>
@@ -27639,7 +30494,7 @@
 </p:sld>
 </file>
 
-<file path=ppt/slides/slide16.xml><?xml version="1.0" encoding="utf-8"?>
+<file path=ppt/slides/slide17.xml><?xml version="1.0" encoding="utf-8"?>
 <p:sld xmlns:a="http://schemas.openxmlformats.org/drawingml/2006/main" xmlns:r="http://schemas.openxmlformats.org/officeDocument/2006/relationships" xmlns:p="http://schemas.openxmlformats.org/presentationml/2006/main">
   <p:cSld>
     <p:spTree>
@@ -32267,13 +35122,7 @@
   <p:cSld>
     <p:spTree>
       <p:nvGrpSpPr>
-        <p:cNvPr id="1" name="">
-          <a:extLst>
-            <a:ext uri="{FF2B5EF4-FFF2-40B4-BE49-F238E27FC236}">
-              <a16:creationId xmlns:a16="http://schemas.microsoft.com/office/drawing/2014/main" id="{A3B077F8-C292-6A84-8298-1B0A4F17268D}"/>
-            </a:ext>
-          </a:extLst>
-        </p:cNvPr>
+        <p:cNvPr id="1" name=""/>
         <p:cNvGrpSpPr/>
         <p:nvPr/>
       </p:nvGrpSpPr>
@@ -32290,7 +35139,7 @@
           <p:cNvPr id="2" name="Title 1">
             <a:extLst>
               <a:ext uri="{FF2B5EF4-FFF2-40B4-BE49-F238E27FC236}">
-                <a16:creationId xmlns:a16="http://schemas.microsoft.com/office/drawing/2014/main" id="{8075B6B0-A819-9D53-F541-0427E36D1C63}"/>
+                <a16:creationId xmlns:a16="http://schemas.microsoft.com/office/drawing/2014/main" id="{E3129400-AEB4-F66A-F62F-405D92BF535B}"/>
               </a:ext>
             </a:extLst>
           </p:cNvPr>
@@ -32307,87 +35156,43 @@
           <a:lstStyle/>
           <a:p>
             <a:r>
-              <a:rPr lang="en-US" sz="2800" b="1" err="1">
-                <a:ea typeface="+mj-lt"/>
-                <a:cs typeface="+mj-lt"/>
-              </a:rPr>
-              <a:t>Aktiivsete</a:t>
-            </a:r>
-            <a:r>
-              <a:rPr lang="en-US" sz="2800" b="1">
-                <a:ea typeface="+mj-lt"/>
-                <a:cs typeface="+mj-lt"/>
-              </a:rPr>
+              <a:rPr lang="en-US" dirty="0" err="1"/>
+              <a:t>Staažigruppide</a:t>
+            </a:r>
+            <a:r>
+              <a:rPr lang="en-US" dirty="0"/>
               <a:t> </a:t>
             </a:r>
             <a:r>
-              <a:rPr lang="en-US" sz="2800" b="1" err="1">
-                <a:ea typeface="+mj-lt"/>
-                <a:cs typeface="+mj-lt"/>
-              </a:rPr>
-              <a:t>töötajate</a:t>
-            </a:r>
-            <a:r>
-              <a:rPr lang="en-US" sz="2800" b="1">
-                <a:ea typeface="+mj-lt"/>
-                <a:cs typeface="+mj-lt"/>
-              </a:rPr>
+              <a:rPr lang="en-US" dirty="0" err="1"/>
+              <a:t>kaupa</a:t>
+            </a:r>
+            <a:r>
+              <a:rPr lang="en-US" dirty="0"/>
               <a:t> </a:t>
             </a:r>
             <a:r>
-              <a:rPr lang="en-US" sz="2800" b="1" err="1">
-                <a:ea typeface="+mj-lt"/>
-                <a:cs typeface="+mj-lt"/>
-              </a:rPr>
-              <a:t>arv</a:t>
-            </a:r>
-            <a:r>
-              <a:rPr lang="en-US" sz="2800" b="1">
-                <a:ea typeface="+mj-lt"/>
-                <a:cs typeface="+mj-lt"/>
-              </a:rPr>
+              <a:rPr lang="en-US" dirty="0" err="1"/>
+              <a:t>aja</a:t>
+            </a:r>
+            <a:r>
+              <a:rPr lang="en-US" dirty="0"/>
               <a:t> </a:t>
             </a:r>
             <a:r>
-              <a:rPr lang="en-US" sz="2800" b="1" err="1">
-                <a:ea typeface="+mj-lt"/>
-                <a:cs typeface="+mj-lt"/>
-              </a:rPr>
-              <a:t>staaži</a:t>
-            </a:r>
-            <a:r>
-              <a:rPr lang="en-US" sz="2800" b="1">
-                <a:ea typeface="+mj-lt"/>
-                <a:cs typeface="+mj-lt"/>
-              </a:rPr>
-              <a:t> ja </a:t>
-            </a:r>
-            <a:r>
-              <a:rPr lang="en-US" sz="2800" b="1" err="1">
-                <a:ea typeface="+mj-lt"/>
-                <a:cs typeface="+mj-lt"/>
-              </a:rPr>
-              <a:t>aja</a:t>
-            </a:r>
-            <a:r>
-              <a:rPr lang="en-US" sz="2800" b="1">
-                <a:ea typeface="+mj-lt"/>
-                <a:cs typeface="+mj-lt"/>
-              </a:rPr>
-              <a:t> lõikes</a:t>
-            </a:r>
-            <a:endParaRPr lang="en-US" sz="2800" b="1" err="1">
-              <a:ea typeface="Inter Bold"/>
-            </a:endParaRPr>
+              <a:rPr lang="en-US" dirty="0" err="1"/>
+              <a:t>lõikes</a:t>
+            </a:r>
+            <a:endParaRPr lang="et-EE" dirty="0"/>
           </a:p>
         </p:txBody>
       </p:sp>
       <p:sp>
         <p:nvSpPr>
-          <p:cNvPr id="4" name="Content Placeholder 3">
+          <p:cNvPr id="3" name="Content Placeholder 2">
             <a:extLst>
               <a:ext uri="{FF2B5EF4-FFF2-40B4-BE49-F238E27FC236}">
-                <a16:creationId xmlns:a16="http://schemas.microsoft.com/office/drawing/2014/main" id="{38C94A45-CC06-8374-FACC-46D1558E5577}"/>
+                <a16:creationId xmlns:a16="http://schemas.microsoft.com/office/drawing/2014/main" id="{7EB107CC-9703-F975-7E21-724DACD02F58}"/>
               </a:ext>
             </a:extLst>
           </p:cNvPr>
@@ -32398,2683 +35203,157 @@
             <p:ph sz="quarter" idx="10"/>
           </p:nvPr>
         </p:nvSpPr>
-        <p:spPr>
-          <a:xfrm>
-            <a:off x="91407" y="1268413"/>
-            <a:ext cx="11950928" cy="4465637"/>
-          </a:xfrm>
-        </p:spPr>
+        <p:spPr/>
         <p:txBody>
           <a:bodyPr/>
           <a:lstStyle/>
           <a:p>
-            <a:pPr marL="285750" indent="0">
-              <a:lnSpc>
-                <a:spcPct val="100000"/>
-              </a:lnSpc>
-              <a:buNone/>
-            </a:pPr>
-            <a:r>
-              <a:rPr lang="en-US" sz="1200" dirty="0">
-                <a:solidFill>
-                  <a:srgbClr val="000000"/>
-                </a:solidFill>
-                <a:latin typeface="Consolas"/>
-                <a:ea typeface="Inter"/>
-              </a:rPr>
-              <a:t>Tenure Group Count = </a:t>
-            </a:r>
-            <a:endParaRPr lang="en-US" sz="1200" dirty="0">
-              <a:ea typeface="Inter"/>
-            </a:endParaRPr>
+            <a:r>
+              <a:rPr lang="en-US" sz="2800" dirty="0" err="1"/>
+              <a:t>Tahame</a:t>
+            </a:r>
+            <a:r>
+              <a:rPr lang="en-US" sz="2800" dirty="0"/>
+              <a:t> </a:t>
+            </a:r>
+            <a:r>
+              <a:rPr lang="en-US" sz="2800" dirty="0" err="1"/>
+              <a:t>näha</a:t>
+            </a:r>
+            <a:r>
+              <a:rPr lang="en-US" sz="2800" dirty="0"/>
+              <a:t> </a:t>
+            </a:r>
+            <a:r>
+              <a:rPr lang="en-US" sz="2800" dirty="0" err="1"/>
+              <a:t>aja</a:t>
+            </a:r>
+            <a:r>
+              <a:rPr lang="en-US" sz="2800" dirty="0"/>
+              <a:t> </a:t>
+            </a:r>
+            <a:r>
+              <a:rPr lang="en-US" sz="2800" dirty="0" err="1"/>
+              <a:t>lõikes</a:t>
+            </a:r>
+            <a:r>
+              <a:rPr lang="en-US" sz="2800" dirty="0"/>
+              <a:t>, </a:t>
+            </a:r>
+            <a:r>
+              <a:rPr lang="en-US" sz="2800" dirty="0" err="1"/>
+              <a:t>kui</a:t>
+            </a:r>
+            <a:r>
+              <a:rPr lang="en-US" sz="2800" dirty="0"/>
+              <a:t> </a:t>
+            </a:r>
+            <a:r>
+              <a:rPr lang="en-US" sz="2800" dirty="0" err="1"/>
+              <a:t>palju</a:t>
+            </a:r>
+            <a:r>
+              <a:rPr lang="en-US" sz="2800" dirty="0"/>
+              <a:t> on </a:t>
+            </a:r>
+            <a:r>
+              <a:rPr lang="en-US" sz="2800" dirty="0" err="1"/>
+              <a:t>eri</a:t>
+            </a:r>
+            <a:r>
+              <a:rPr lang="en-US" sz="2800" dirty="0"/>
+              <a:t> </a:t>
+            </a:r>
+            <a:r>
+              <a:rPr lang="en-US" sz="2800" dirty="0" err="1"/>
+              <a:t>staažiga</a:t>
+            </a:r>
+            <a:r>
+              <a:rPr lang="en-US" sz="2800" dirty="0"/>
+              <a:t> </a:t>
+            </a:r>
+            <a:r>
+              <a:rPr lang="en-US" sz="2800" dirty="0" err="1"/>
+              <a:t>töötajaid</a:t>
+            </a:r>
+            <a:r>
+              <a:rPr lang="en-US" sz="2800" dirty="0"/>
+              <a:t>. </a:t>
+            </a:r>
           </a:p>
           <a:p>
-            <a:pPr marL="457200" lvl="1" indent="0">
-              <a:buNone/>
-            </a:pPr>
-            <a:r>
-              <a:rPr lang="en-US" sz="1200" dirty="0">
-                <a:solidFill>
-                  <a:srgbClr val="0000FF"/>
-                </a:solidFill>
-                <a:latin typeface="Consolas"/>
-                <a:ea typeface="Inter"/>
-              </a:rPr>
-              <a:t>VAR</a:t>
-            </a:r>
-            <a:r>
-              <a:rPr lang="en-US" sz="1200" dirty="0">
-                <a:solidFill>
-                  <a:srgbClr val="000000"/>
-                </a:solidFill>
-                <a:latin typeface="Consolas"/>
-                <a:ea typeface="Inter"/>
-              </a:rPr>
-              <a:t> </a:t>
-            </a:r>
-            <a:r>
-              <a:rPr lang="en-US" sz="1200" dirty="0" err="1">
-                <a:solidFill>
-                  <a:srgbClr val="008080"/>
-                </a:solidFill>
-                <a:latin typeface="Consolas"/>
-                <a:ea typeface="Inter"/>
-              </a:rPr>
-              <a:t>EndDate</a:t>
-            </a:r>
-            <a:r>
-              <a:rPr lang="en-US" sz="1200" dirty="0">
-                <a:solidFill>
-                  <a:srgbClr val="000000"/>
-                </a:solidFill>
-                <a:latin typeface="Consolas"/>
-                <a:ea typeface="Inter"/>
-              </a:rPr>
-              <a:t> = </a:t>
-            </a:r>
-            <a:r>
-              <a:rPr lang="en-US" sz="1200" dirty="0">
-                <a:solidFill>
-                  <a:srgbClr val="3165BB"/>
-                </a:solidFill>
-                <a:latin typeface="Consolas"/>
-                <a:ea typeface="Inter"/>
-              </a:rPr>
-              <a:t>LASTDATE</a:t>
-            </a:r>
-            <a:r>
-              <a:rPr lang="en-US" sz="1200" dirty="0">
-                <a:solidFill>
-                  <a:srgbClr val="000000"/>
-                </a:solidFill>
-                <a:latin typeface="Consolas"/>
-                <a:ea typeface="Inter"/>
-              </a:rPr>
-              <a:t>(</a:t>
-            </a:r>
-            <a:r>
-              <a:rPr lang="en-US" sz="1200" dirty="0">
-                <a:solidFill>
-                  <a:srgbClr val="001080"/>
-                </a:solidFill>
-                <a:latin typeface="Consolas"/>
-                <a:ea typeface="Inter"/>
-              </a:rPr>
-              <a:t>'</a:t>
-            </a:r>
-            <a:r>
-              <a:rPr lang="en-US" sz="1200" dirty="0" err="1">
-                <a:solidFill>
-                  <a:srgbClr val="001080"/>
-                </a:solidFill>
-                <a:latin typeface="Consolas"/>
-                <a:ea typeface="Inter"/>
-              </a:rPr>
-              <a:t>DateTable</a:t>
-            </a:r>
-            <a:r>
-              <a:rPr lang="en-US" sz="1200" dirty="0">
-                <a:solidFill>
-                  <a:srgbClr val="001080"/>
-                </a:solidFill>
-                <a:latin typeface="Consolas"/>
-                <a:ea typeface="Inter"/>
-              </a:rPr>
-              <a:t>'[Date]</a:t>
-            </a:r>
-            <a:r>
-              <a:rPr lang="en-US" sz="1200" dirty="0">
-                <a:solidFill>
-                  <a:srgbClr val="000000"/>
-                </a:solidFill>
-                <a:latin typeface="Consolas"/>
-                <a:ea typeface="Inter"/>
-              </a:rPr>
-              <a:t>)</a:t>
-            </a:r>
-            <a:endParaRPr lang="en-US" sz="1200" dirty="0">
-              <a:ea typeface="Inter"/>
-            </a:endParaRPr>
+            <a:r>
+              <a:rPr lang="en-US" sz="2800" dirty="0" err="1"/>
+              <a:t>Grupid</a:t>
+            </a:r>
+            <a:r>
+              <a:rPr lang="en-US" sz="2800" dirty="0"/>
+              <a:t>: </a:t>
+            </a:r>
           </a:p>
           <a:p>
-            <a:pPr marL="457200" lvl="1" indent="0">
-              <a:buNone/>
-            </a:pPr>
-            <a:r>
-              <a:rPr lang="en-US" sz="1200" dirty="0">
-                <a:solidFill>
-                  <a:srgbClr val="0000FF"/>
-                </a:solidFill>
-                <a:latin typeface="Consolas"/>
-                <a:ea typeface="Inter"/>
-              </a:rPr>
-              <a:t>VAR</a:t>
-            </a:r>
-            <a:r>
-              <a:rPr lang="en-US" sz="1200" dirty="0">
-                <a:solidFill>
-                  <a:srgbClr val="000000"/>
-                </a:solidFill>
-                <a:latin typeface="Consolas"/>
-                <a:ea typeface="Inter"/>
-              </a:rPr>
-              <a:t> </a:t>
-            </a:r>
-            <a:r>
-              <a:rPr lang="en-US" sz="1200" dirty="0" err="1">
-                <a:solidFill>
-                  <a:srgbClr val="008080"/>
-                </a:solidFill>
-                <a:latin typeface="Consolas"/>
-                <a:ea typeface="Inter"/>
-              </a:rPr>
-              <a:t>TenureGroups</a:t>
-            </a:r>
-            <a:r>
-              <a:rPr lang="en-US" sz="1200" dirty="0">
-                <a:solidFill>
-                  <a:srgbClr val="000000"/>
-                </a:solidFill>
-                <a:latin typeface="Consolas"/>
-                <a:ea typeface="Inter"/>
-              </a:rPr>
-              <a:t> =</a:t>
-            </a:r>
-            <a:endParaRPr lang="en-US" sz="1200" dirty="0">
-              <a:ea typeface="Inter"/>
-            </a:endParaRPr>
+            <a:pPr lvl="1"/>
+            <a:r>
+              <a:rPr lang="en-US" sz="2800" dirty="0"/>
+              <a:t>&lt; 1 </a:t>
+            </a:r>
+            <a:r>
+              <a:rPr lang="en-US" sz="2800" dirty="0" err="1"/>
+              <a:t>aasta</a:t>
+            </a:r>
+            <a:endParaRPr lang="en-US" sz="2800" dirty="0"/>
           </a:p>
           <a:p>
-            <a:pPr marL="457200" lvl="1" indent="0">
-              <a:buNone/>
-            </a:pPr>
-            <a:r>
-              <a:rPr lang="en-US" sz="1200" dirty="0">
-                <a:solidFill>
-                  <a:srgbClr val="000000"/>
-                </a:solidFill>
-                <a:latin typeface="Consolas"/>
-                <a:ea typeface="Inter"/>
-              </a:rPr>
-              <a:t>  </a:t>
-            </a:r>
-            <a:r>
-              <a:rPr lang="en-US" sz="1200" dirty="0">
-                <a:solidFill>
-                  <a:srgbClr val="3165BB"/>
-                </a:solidFill>
-                <a:latin typeface="Consolas"/>
-                <a:ea typeface="Inter"/>
-              </a:rPr>
-              <a:t>ADDCOLUMNS</a:t>
-            </a:r>
-            <a:r>
-              <a:rPr lang="en-US" sz="1200" dirty="0">
-                <a:solidFill>
-                  <a:srgbClr val="000000"/>
-                </a:solidFill>
-                <a:latin typeface="Consolas"/>
-                <a:ea typeface="Inter"/>
-              </a:rPr>
-              <a:t>(</a:t>
-            </a:r>
-            <a:endParaRPr lang="en-US" sz="1200" dirty="0">
-              <a:ea typeface="Inter"/>
-            </a:endParaRPr>
+            <a:pPr lvl="1"/>
+            <a:r>
+              <a:rPr lang="en-US" sz="2800" dirty="0"/>
+              <a:t>1-3 </a:t>
+            </a:r>
+            <a:r>
+              <a:rPr lang="en-US" sz="2800" dirty="0" err="1"/>
+              <a:t>aastat</a:t>
+            </a:r>
+            <a:endParaRPr lang="en-US" sz="2800" dirty="0"/>
           </a:p>
           <a:p>
-            <a:pPr marL="457200" lvl="1" indent="0">
-              <a:buNone/>
-            </a:pPr>
-            <a:r>
-              <a:rPr lang="en-US" sz="1200" dirty="0">
-                <a:solidFill>
-                  <a:srgbClr val="000000"/>
-                </a:solidFill>
-                <a:latin typeface="Consolas"/>
-                <a:ea typeface="Inter"/>
-              </a:rPr>
-              <a:t>        </a:t>
-            </a:r>
-            <a:r>
-              <a:rPr lang="en-US" sz="1200" dirty="0">
-                <a:solidFill>
-                  <a:srgbClr val="3165BB"/>
-                </a:solidFill>
-                <a:latin typeface="Consolas"/>
-                <a:ea typeface="Inter"/>
-              </a:rPr>
-              <a:t>FILTER</a:t>
-            </a:r>
-            <a:r>
-              <a:rPr lang="en-US" sz="1200" dirty="0">
-                <a:solidFill>
-                  <a:srgbClr val="000000"/>
-                </a:solidFill>
-                <a:latin typeface="Consolas"/>
-                <a:ea typeface="Inter"/>
-              </a:rPr>
-              <a:t>(</a:t>
-            </a:r>
-            <a:r>
-              <a:rPr lang="en-US" sz="1200" dirty="0">
-                <a:solidFill>
-                  <a:srgbClr val="001080"/>
-                </a:solidFill>
-                <a:latin typeface="Consolas"/>
-                <a:ea typeface="Inter"/>
-              </a:rPr>
-              <a:t>'</a:t>
-            </a:r>
-            <a:r>
-              <a:rPr lang="en-US" sz="1200" dirty="0" err="1">
-                <a:solidFill>
-                  <a:srgbClr val="001080"/>
-                </a:solidFill>
-                <a:latin typeface="Consolas"/>
-                <a:ea typeface="Inter"/>
-              </a:rPr>
-              <a:t>HR_dataset</a:t>
-            </a:r>
-            <a:r>
-              <a:rPr lang="en-US" sz="1200" dirty="0">
-                <a:solidFill>
-                  <a:srgbClr val="001080"/>
-                </a:solidFill>
-                <a:latin typeface="Consolas"/>
-                <a:ea typeface="Inter"/>
-              </a:rPr>
-              <a:t>'</a:t>
-            </a:r>
-            <a:r>
-              <a:rPr lang="en-US" sz="1200" dirty="0">
-                <a:solidFill>
-                  <a:srgbClr val="000000"/>
-                </a:solidFill>
-                <a:latin typeface="Consolas"/>
-                <a:ea typeface="Inter"/>
-              </a:rPr>
-              <a:t>,</a:t>
-            </a:r>
-            <a:endParaRPr lang="en-US" sz="1200" dirty="0">
-              <a:ea typeface="Inter"/>
-            </a:endParaRPr>
+            <a:pPr lvl="1"/>
+            <a:r>
+              <a:rPr lang="en-US" sz="2800" dirty="0"/>
+              <a:t>3-5 </a:t>
+            </a:r>
+            <a:r>
+              <a:rPr lang="en-US" sz="2800" dirty="0" err="1"/>
+              <a:t>aastat</a:t>
+            </a:r>
+            <a:r>
+              <a:rPr lang="en-US" sz="2800" dirty="0"/>
+              <a:t> </a:t>
+            </a:r>
           </a:p>
           <a:p>
-            <a:pPr marL="457200" lvl="1" indent="0">
-              <a:buNone/>
-            </a:pPr>
-            <a:r>
-              <a:rPr lang="en-US" sz="1200" dirty="0">
-                <a:solidFill>
-                  <a:srgbClr val="000000"/>
-                </a:solidFill>
-                <a:latin typeface="Consolas"/>
-                <a:ea typeface="Inter"/>
-              </a:rPr>
-              <a:t>            </a:t>
-            </a:r>
-            <a:r>
-              <a:rPr lang="en-US" sz="1200" dirty="0">
-                <a:solidFill>
-                  <a:srgbClr val="001080"/>
-                </a:solidFill>
-                <a:latin typeface="Consolas"/>
-                <a:ea typeface="Inter"/>
-              </a:rPr>
-              <a:t>'</a:t>
-            </a:r>
-            <a:r>
-              <a:rPr lang="en-US" sz="1200" dirty="0" err="1">
-                <a:solidFill>
-                  <a:srgbClr val="001080"/>
-                </a:solidFill>
-                <a:latin typeface="Consolas"/>
-                <a:ea typeface="Inter"/>
-              </a:rPr>
-              <a:t>HR_dataset</a:t>
-            </a:r>
-            <a:r>
-              <a:rPr lang="en-US" sz="1200" dirty="0">
-                <a:solidFill>
-                  <a:srgbClr val="001080"/>
-                </a:solidFill>
-                <a:latin typeface="Consolas"/>
-                <a:ea typeface="Inter"/>
-              </a:rPr>
-              <a:t>'[Hire Date]</a:t>
-            </a:r>
-            <a:r>
-              <a:rPr lang="en-US" sz="1200" dirty="0">
-                <a:solidFill>
-                  <a:srgbClr val="000000"/>
-                </a:solidFill>
-                <a:latin typeface="Consolas"/>
-                <a:ea typeface="Inter"/>
-              </a:rPr>
-              <a:t> &lt;= </a:t>
-            </a:r>
-            <a:r>
-              <a:rPr lang="en-US" sz="1200" dirty="0" err="1">
-                <a:solidFill>
-                  <a:srgbClr val="008080"/>
-                </a:solidFill>
-                <a:latin typeface="Consolas"/>
-                <a:ea typeface="Inter"/>
-              </a:rPr>
-              <a:t>EndDate</a:t>
-            </a:r>
-            <a:r>
-              <a:rPr lang="en-US" sz="1200" dirty="0">
-                <a:solidFill>
-                  <a:srgbClr val="000000"/>
-                </a:solidFill>
-                <a:latin typeface="Consolas"/>
-                <a:ea typeface="Inter"/>
-              </a:rPr>
-              <a:t> &amp;&amp;</a:t>
-            </a:r>
-            <a:endParaRPr lang="en-US" sz="1200" dirty="0">
-              <a:ea typeface="Inter"/>
-            </a:endParaRPr>
-          </a:p>
-          <a:p>
-            <a:pPr marL="457200" lvl="1" indent="0">
-              <a:buNone/>
-            </a:pPr>
-            <a:r>
-              <a:rPr lang="en-US" sz="1200" dirty="0">
-                <a:solidFill>
-                  <a:srgbClr val="000000"/>
-                </a:solidFill>
-                <a:latin typeface="Consolas"/>
-                <a:ea typeface="Inter"/>
-              </a:rPr>
-              <a:t>            (</a:t>
-            </a:r>
-            <a:r>
-              <a:rPr lang="en-US" sz="1200" dirty="0">
-                <a:solidFill>
-                  <a:srgbClr val="3165BB"/>
-                </a:solidFill>
-                <a:latin typeface="Consolas"/>
-                <a:ea typeface="Inter"/>
-              </a:rPr>
-              <a:t>ISBLANK</a:t>
-            </a:r>
-            <a:r>
-              <a:rPr lang="en-US" sz="1200" dirty="0">
-                <a:solidFill>
-                  <a:srgbClr val="000000"/>
-                </a:solidFill>
-                <a:latin typeface="Consolas"/>
-                <a:ea typeface="Inter"/>
-              </a:rPr>
-              <a:t>(</a:t>
-            </a:r>
-            <a:r>
-              <a:rPr lang="en-US" sz="1200" dirty="0">
-                <a:solidFill>
-                  <a:srgbClr val="001080"/>
-                </a:solidFill>
-                <a:latin typeface="Consolas"/>
-                <a:ea typeface="Inter"/>
-              </a:rPr>
-              <a:t>'</a:t>
-            </a:r>
-            <a:r>
-              <a:rPr lang="en-US" sz="1200" dirty="0" err="1">
-                <a:solidFill>
-                  <a:srgbClr val="001080"/>
-                </a:solidFill>
-                <a:latin typeface="Consolas"/>
-                <a:ea typeface="Inter"/>
-              </a:rPr>
-              <a:t>HR_dataset</a:t>
-            </a:r>
-            <a:r>
-              <a:rPr lang="en-US" sz="1200" dirty="0">
-                <a:solidFill>
-                  <a:srgbClr val="001080"/>
-                </a:solidFill>
-                <a:latin typeface="Consolas"/>
-                <a:ea typeface="Inter"/>
-              </a:rPr>
-              <a:t>'[Leave Date]</a:t>
-            </a:r>
-            <a:r>
-              <a:rPr lang="en-US" sz="1200" dirty="0">
-                <a:solidFill>
-                  <a:srgbClr val="000000"/>
-                </a:solidFill>
-                <a:latin typeface="Consolas"/>
-                <a:ea typeface="Inter"/>
-              </a:rPr>
-              <a:t>) || </a:t>
-            </a:r>
-            <a:r>
-              <a:rPr lang="en-US" sz="1200" dirty="0">
-                <a:solidFill>
-                  <a:srgbClr val="001080"/>
-                </a:solidFill>
-                <a:latin typeface="Consolas"/>
-                <a:ea typeface="Inter"/>
-              </a:rPr>
-              <a:t>'</a:t>
-            </a:r>
-            <a:r>
-              <a:rPr lang="en-US" sz="1200" dirty="0" err="1">
-                <a:solidFill>
-                  <a:srgbClr val="001080"/>
-                </a:solidFill>
-                <a:latin typeface="Consolas"/>
-                <a:ea typeface="Inter"/>
-              </a:rPr>
-              <a:t>HR_dataset</a:t>
-            </a:r>
-            <a:r>
-              <a:rPr lang="en-US" sz="1200" dirty="0">
-                <a:solidFill>
-                  <a:srgbClr val="001080"/>
-                </a:solidFill>
-                <a:latin typeface="Consolas"/>
-                <a:ea typeface="Inter"/>
-              </a:rPr>
-              <a:t>'[Leave Date]</a:t>
-            </a:r>
-            <a:r>
-              <a:rPr lang="en-US" sz="1200" dirty="0">
-                <a:solidFill>
-                  <a:srgbClr val="000000"/>
-                </a:solidFill>
-                <a:latin typeface="Consolas"/>
-                <a:ea typeface="Inter"/>
-              </a:rPr>
-              <a:t> &gt; </a:t>
-            </a:r>
-            <a:r>
-              <a:rPr lang="en-US" sz="1200" dirty="0" err="1">
-                <a:solidFill>
-                  <a:srgbClr val="008080"/>
-                </a:solidFill>
-                <a:latin typeface="Consolas"/>
-                <a:ea typeface="Inter"/>
-              </a:rPr>
-              <a:t>EndDate</a:t>
-            </a:r>
-            <a:r>
-              <a:rPr lang="en-US" sz="1200" dirty="0">
-                <a:solidFill>
-                  <a:srgbClr val="000000"/>
-                </a:solidFill>
-                <a:latin typeface="Consolas"/>
-                <a:ea typeface="Inter"/>
-              </a:rPr>
-              <a:t>)</a:t>
-            </a:r>
-            <a:endParaRPr lang="en-US" sz="1200" dirty="0">
-              <a:ea typeface="Inter"/>
-            </a:endParaRPr>
-          </a:p>
-          <a:p>
-            <a:pPr marL="457200" lvl="1" indent="0">
-              <a:buNone/>
-            </a:pPr>
-            <a:r>
-              <a:rPr lang="en-US" sz="1200" dirty="0">
-                <a:solidFill>
-                  <a:srgbClr val="000000"/>
-                </a:solidFill>
-                <a:latin typeface="Consolas"/>
-                <a:ea typeface="Inter"/>
-              </a:rPr>
-              <a:t>        ),</a:t>
-            </a:r>
-            <a:endParaRPr lang="en-US" sz="1200" dirty="0">
-              <a:ea typeface="Inter"/>
-            </a:endParaRPr>
-          </a:p>
-          <a:p>
-            <a:pPr marL="457200" lvl="1" indent="0">
-              <a:buNone/>
-            </a:pPr>
-            <a:r>
-              <a:rPr lang="en-US" sz="1200" dirty="0">
-                <a:solidFill>
-                  <a:srgbClr val="000000"/>
-                </a:solidFill>
-                <a:latin typeface="Consolas"/>
-                <a:ea typeface="Inter"/>
-              </a:rPr>
-              <a:t>        </a:t>
-            </a:r>
-            <a:r>
-              <a:rPr lang="en-US" sz="1200" dirty="0">
-                <a:solidFill>
-                  <a:srgbClr val="A31515"/>
-                </a:solidFill>
-                <a:latin typeface="Consolas"/>
-                <a:ea typeface="Inter"/>
-              </a:rPr>
-              <a:t>"</a:t>
-            </a:r>
-            <a:r>
-              <a:rPr lang="en-US" sz="1200" dirty="0" err="1">
-                <a:solidFill>
-                  <a:srgbClr val="A31515"/>
-                </a:solidFill>
-                <a:latin typeface="Consolas"/>
-                <a:ea typeface="Inter"/>
-              </a:rPr>
-              <a:t>TenureCategory</a:t>
-            </a:r>
-            <a:r>
-              <a:rPr lang="en-US" sz="1200" dirty="0">
-                <a:solidFill>
-                  <a:srgbClr val="A31515"/>
-                </a:solidFill>
-                <a:latin typeface="Consolas"/>
-                <a:ea typeface="Inter"/>
-              </a:rPr>
-              <a:t>"</a:t>
-            </a:r>
-            <a:r>
-              <a:rPr lang="en-US" sz="1200" dirty="0">
-                <a:solidFill>
-                  <a:srgbClr val="000000"/>
-                </a:solidFill>
-                <a:latin typeface="Consolas"/>
-                <a:ea typeface="Inter"/>
-              </a:rPr>
-              <a:t>,</a:t>
-            </a:r>
-            <a:endParaRPr lang="en-US" sz="1200" dirty="0">
-              <a:ea typeface="Inter"/>
-            </a:endParaRPr>
-          </a:p>
-          <a:p>
-            <a:pPr marL="457200" lvl="1" indent="0">
-              <a:buNone/>
-            </a:pPr>
-            <a:r>
-              <a:rPr lang="en-US" sz="1200" dirty="0">
-                <a:solidFill>
-                  <a:srgbClr val="000000"/>
-                </a:solidFill>
-                <a:latin typeface="Consolas"/>
-                <a:ea typeface="Inter"/>
-              </a:rPr>
-              <a:t>        </a:t>
-            </a:r>
-            <a:r>
-              <a:rPr lang="en-US" sz="1200" dirty="0">
-                <a:solidFill>
-                  <a:srgbClr val="3165BB"/>
-                </a:solidFill>
-                <a:latin typeface="Consolas"/>
-                <a:ea typeface="Inter"/>
-              </a:rPr>
-              <a:t>SWITCH</a:t>
-            </a:r>
-            <a:r>
-              <a:rPr lang="en-US" sz="1200" dirty="0">
-                <a:solidFill>
-                  <a:srgbClr val="000000"/>
-                </a:solidFill>
-                <a:latin typeface="Consolas"/>
-                <a:ea typeface="Inter"/>
-              </a:rPr>
-              <a:t>(</a:t>
-            </a:r>
-            <a:endParaRPr lang="en-US" sz="1200" dirty="0">
-              <a:ea typeface="Inter"/>
-            </a:endParaRPr>
-          </a:p>
-          <a:p>
-            <a:pPr marL="457200" lvl="1" indent="0">
-              <a:buNone/>
-            </a:pPr>
-            <a:r>
-              <a:rPr lang="en-US" sz="1200" dirty="0">
-                <a:solidFill>
-                  <a:srgbClr val="000000"/>
-                </a:solidFill>
-                <a:latin typeface="Consolas"/>
-                <a:ea typeface="Inter"/>
-              </a:rPr>
-              <a:t>            </a:t>
-            </a:r>
-            <a:r>
-              <a:rPr lang="en-US" sz="1200" dirty="0">
-                <a:solidFill>
-                  <a:srgbClr val="3165BB"/>
-                </a:solidFill>
-                <a:latin typeface="Consolas"/>
-                <a:ea typeface="Inter"/>
-              </a:rPr>
-              <a:t>TRUE</a:t>
-            </a:r>
-            <a:r>
-              <a:rPr lang="en-US" sz="1200" dirty="0">
-                <a:solidFill>
-                  <a:srgbClr val="000000"/>
-                </a:solidFill>
-                <a:latin typeface="Consolas"/>
-                <a:ea typeface="Inter"/>
-              </a:rPr>
-              <a:t>(),</a:t>
-            </a:r>
-            <a:endParaRPr lang="en-US" sz="1200" dirty="0">
-              <a:ea typeface="Inter"/>
-            </a:endParaRPr>
-          </a:p>
-          <a:p>
-            <a:pPr marL="457200" lvl="1" indent="0">
-              <a:buNone/>
-            </a:pPr>
-            <a:r>
-              <a:rPr lang="en-US" sz="1200" dirty="0">
-                <a:solidFill>
-                  <a:srgbClr val="000000"/>
-                </a:solidFill>
-                <a:latin typeface="Consolas"/>
-                <a:ea typeface="Inter"/>
-              </a:rPr>
-              <a:t>            </a:t>
-            </a:r>
-            <a:r>
-              <a:rPr lang="en-US" sz="1200" dirty="0">
-                <a:solidFill>
-                  <a:srgbClr val="3165BB"/>
-                </a:solidFill>
-                <a:latin typeface="Consolas"/>
-                <a:ea typeface="Inter"/>
-              </a:rPr>
-              <a:t>DATEDIFF</a:t>
-            </a:r>
-            <a:r>
-              <a:rPr lang="en-US" sz="1200" dirty="0">
-                <a:solidFill>
-                  <a:srgbClr val="000000"/>
-                </a:solidFill>
-                <a:latin typeface="Consolas"/>
-                <a:ea typeface="Inter"/>
-              </a:rPr>
-              <a:t>(</a:t>
-            </a:r>
-            <a:r>
-              <a:rPr lang="en-US" sz="1200" dirty="0">
-                <a:solidFill>
-                  <a:srgbClr val="001080"/>
-                </a:solidFill>
-                <a:latin typeface="Consolas"/>
-                <a:ea typeface="Inter"/>
-              </a:rPr>
-              <a:t>'</a:t>
-            </a:r>
-            <a:r>
-              <a:rPr lang="en-US" sz="1200" dirty="0" err="1">
-                <a:solidFill>
-                  <a:srgbClr val="001080"/>
-                </a:solidFill>
-                <a:latin typeface="Consolas"/>
-                <a:ea typeface="Inter"/>
-              </a:rPr>
-              <a:t>HR_dataset</a:t>
-            </a:r>
-            <a:r>
-              <a:rPr lang="en-US" sz="1200" dirty="0">
-                <a:solidFill>
-                  <a:srgbClr val="001080"/>
-                </a:solidFill>
-                <a:latin typeface="Consolas"/>
-                <a:ea typeface="Inter"/>
-              </a:rPr>
-              <a:t>'[Hire Date]</a:t>
-            </a:r>
-            <a:r>
-              <a:rPr lang="en-US" sz="1200" dirty="0">
-                <a:solidFill>
-                  <a:srgbClr val="000000"/>
-                </a:solidFill>
-                <a:latin typeface="Consolas"/>
-                <a:ea typeface="Inter"/>
-              </a:rPr>
-              <a:t>, </a:t>
-            </a:r>
-            <a:r>
-              <a:rPr lang="en-US" sz="1200" dirty="0" err="1">
-                <a:solidFill>
-                  <a:srgbClr val="008080"/>
-                </a:solidFill>
-                <a:latin typeface="Consolas"/>
-                <a:ea typeface="Inter"/>
-              </a:rPr>
-              <a:t>EndDate</a:t>
-            </a:r>
-            <a:r>
-              <a:rPr lang="en-US" sz="1200" dirty="0">
-                <a:solidFill>
-                  <a:srgbClr val="000000"/>
-                </a:solidFill>
-                <a:latin typeface="Consolas"/>
-                <a:ea typeface="Inter"/>
-              </a:rPr>
-              <a:t>, </a:t>
-            </a:r>
-            <a:r>
-              <a:rPr lang="en-US" sz="1200" dirty="0">
-                <a:solidFill>
-                  <a:srgbClr val="3165BB"/>
-                </a:solidFill>
-                <a:latin typeface="Consolas"/>
-                <a:ea typeface="Inter"/>
-              </a:rPr>
-              <a:t>YEAR</a:t>
-            </a:r>
-            <a:r>
-              <a:rPr lang="en-US" sz="1200" dirty="0">
-                <a:solidFill>
-                  <a:srgbClr val="000000"/>
-                </a:solidFill>
-                <a:latin typeface="Consolas"/>
-                <a:ea typeface="Inter"/>
-              </a:rPr>
-              <a:t>) &lt; </a:t>
-            </a:r>
-            <a:r>
-              <a:rPr lang="en-US" sz="1200" dirty="0">
-                <a:solidFill>
-                  <a:srgbClr val="098658"/>
-                </a:solidFill>
-                <a:latin typeface="Consolas"/>
-                <a:ea typeface="Inter"/>
-              </a:rPr>
-              <a:t>1</a:t>
-            </a:r>
-            <a:r>
-              <a:rPr lang="en-US" sz="1200" dirty="0">
-                <a:solidFill>
-                  <a:srgbClr val="000000"/>
-                </a:solidFill>
-                <a:latin typeface="Consolas"/>
-                <a:ea typeface="Inter"/>
-              </a:rPr>
-              <a:t>, </a:t>
-            </a:r>
-            <a:r>
-              <a:rPr lang="en-US" sz="1200" dirty="0">
-                <a:solidFill>
-                  <a:srgbClr val="A31515"/>
-                </a:solidFill>
-                <a:latin typeface="Consolas"/>
-                <a:ea typeface="Inter"/>
-              </a:rPr>
-              <a:t>"0-1 Years"</a:t>
-            </a:r>
-            <a:r>
-              <a:rPr lang="en-US" sz="1200" dirty="0">
-                <a:solidFill>
-                  <a:srgbClr val="000000"/>
-                </a:solidFill>
-                <a:latin typeface="Consolas"/>
-                <a:ea typeface="Inter"/>
-              </a:rPr>
-              <a:t>,</a:t>
-            </a:r>
-            <a:endParaRPr lang="en-US" sz="1200" dirty="0">
-              <a:ea typeface="Inter"/>
-            </a:endParaRPr>
-          </a:p>
-          <a:p>
-            <a:pPr marL="457200" lvl="1" indent="0">
-              <a:buNone/>
-            </a:pPr>
-            <a:r>
-              <a:rPr lang="en-US" sz="1200" dirty="0">
-                <a:solidFill>
-                  <a:srgbClr val="000000"/>
-                </a:solidFill>
-                <a:latin typeface="Consolas"/>
-                <a:ea typeface="Inter"/>
-              </a:rPr>
-              <a:t>            </a:t>
-            </a:r>
-            <a:r>
-              <a:rPr lang="en-US" sz="1200" dirty="0">
-                <a:solidFill>
-                  <a:srgbClr val="3165BB"/>
-                </a:solidFill>
-                <a:latin typeface="Consolas"/>
-                <a:ea typeface="Inter"/>
-              </a:rPr>
-              <a:t>DATEDIFF</a:t>
-            </a:r>
-            <a:r>
-              <a:rPr lang="en-US" sz="1200" dirty="0">
-                <a:solidFill>
-                  <a:srgbClr val="000000"/>
-                </a:solidFill>
-                <a:latin typeface="Consolas"/>
-                <a:ea typeface="Inter"/>
-              </a:rPr>
-              <a:t>(</a:t>
-            </a:r>
-            <a:r>
-              <a:rPr lang="en-US" sz="1200" dirty="0">
-                <a:solidFill>
-                  <a:srgbClr val="001080"/>
-                </a:solidFill>
-                <a:latin typeface="Consolas"/>
-                <a:ea typeface="Inter"/>
-              </a:rPr>
-              <a:t>'</a:t>
-            </a:r>
-            <a:r>
-              <a:rPr lang="en-US" sz="1200" dirty="0" err="1">
-                <a:solidFill>
-                  <a:srgbClr val="001080"/>
-                </a:solidFill>
-                <a:latin typeface="Consolas"/>
-                <a:ea typeface="Inter"/>
-              </a:rPr>
-              <a:t>HR_dataset</a:t>
-            </a:r>
-            <a:r>
-              <a:rPr lang="en-US" sz="1200" dirty="0">
-                <a:solidFill>
-                  <a:srgbClr val="001080"/>
-                </a:solidFill>
-                <a:latin typeface="Consolas"/>
-                <a:ea typeface="Inter"/>
-              </a:rPr>
-              <a:t>'[Hire Date]</a:t>
-            </a:r>
-            <a:r>
-              <a:rPr lang="en-US" sz="1200" dirty="0">
-                <a:solidFill>
-                  <a:srgbClr val="000000"/>
-                </a:solidFill>
-                <a:latin typeface="Consolas"/>
-                <a:ea typeface="Inter"/>
-              </a:rPr>
-              <a:t>, </a:t>
-            </a:r>
-            <a:r>
-              <a:rPr lang="en-US" sz="1200" dirty="0" err="1">
-                <a:solidFill>
-                  <a:srgbClr val="008080"/>
-                </a:solidFill>
-                <a:latin typeface="Consolas"/>
-                <a:ea typeface="Inter"/>
-              </a:rPr>
-              <a:t>EndDate</a:t>
-            </a:r>
-            <a:r>
-              <a:rPr lang="en-US" sz="1200" dirty="0">
-                <a:solidFill>
-                  <a:srgbClr val="000000"/>
-                </a:solidFill>
-                <a:latin typeface="Consolas"/>
-                <a:ea typeface="Inter"/>
-              </a:rPr>
-              <a:t>, </a:t>
-            </a:r>
-            <a:r>
-              <a:rPr lang="en-US" sz="1200" dirty="0">
-                <a:solidFill>
-                  <a:srgbClr val="3165BB"/>
-                </a:solidFill>
-                <a:latin typeface="Consolas"/>
-                <a:ea typeface="Inter"/>
-              </a:rPr>
-              <a:t>YEAR</a:t>
-            </a:r>
-            <a:r>
-              <a:rPr lang="en-US" sz="1200" dirty="0">
-                <a:solidFill>
-                  <a:srgbClr val="000000"/>
-                </a:solidFill>
-                <a:latin typeface="Consolas"/>
-                <a:ea typeface="Inter"/>
-              </a:rPr>
-              <a:t>) &gt;= </a:t>
-            </a:r>
-            <a:r>
-              <a:rPr lang="en-US" sz="1200" dirty="0">
-                <a:solidFill>
-                  <a:srgbClr val="098658"/>
-                </a:solidFill>
-                <a:latin typeface="Consolas"/>
-                <a:ea typeface="Inter"/>
-              </a:rPr>
-              <a:t>1</a:t>
-            </a:r>
-            <a:r>
-              <a:rPr lang="en-US" sz="1200" dirty="0">
-                <a:solidFill>
-                  <a:srgbClr val="000000"/>
-                </a:solidFill>
-                <a:latin typeface="Consolas"/>
-                <a:ea typeface="Inter"/>
-              </a:rPr>
-              <a:t> &amp;&amp; </a:t>
-            </a:r>
-            <a:r>
-              <a:rPr lang="en-US" sz="1200" dirty="0">
-                <a:solidFill>
-                  <a:srgbClr val="3165BB"/>
-                </a:solidFill>
-                <a:latin typeface="Consolas"/>
-                <a:ea typeface="Inter"/>
-              </a:rPr>
-              <a:t>DATEDIFF</a:t>
-            </a:r>
-            <a:r>
-              <a:rPr lang="en-US" sz="1200" dirty="0">
-                <a:solidFill>
-                  <a:srgbClr val="000000"/>
-                </a:solidFill>
-                <a:latin typeface="Consolas"/>
-                <a:ea typeface="Inter"/>
-              </a:rPr>
-              <a:t>(</a:t>
-            </a:r>
-            <a:r>
-              <a:rPr lang="en-US" sz="1200" dirty="0">
-                <a:solidFill>
-                  <a:srgbClr val="001080"/>
-                </a:solidFill>
-                <a:latin typeface="Consolas"/>
-                <a:ea typeface="Inter"/>
-              </a:rPr>
-              <a:t>'</a:t>
-            </a:r>
-            <a:r>
-              <a:rPr lang="en-US" sz="1200" dirty="0" err="1">
-                <a:solidFill>
-                  <a:srgbClr val="001080"/>
-                </a:solidFill>
-                <a:latin typeface="Consolas"/>
-                <a:ea typeface="Inter"/>
-              </a:rPr>
-              <a:t>HR_dataset</a:t>
-            </a:r>
-            <a:r>
-              <a:rPr lang="en-US" sz="1200" dirty="0">
-                <a:solidFill>
-                  <a:srgbClr val="001080"/>
-                </a:solidFill>
-                <a:latin typeface="Consolas"/>
-                <a:ea typeface="Inter"/>
-              </a:rPr>
-              <a:t>'[Hire Date]</a:t>
-            </a:r>
-            <a:r>
-              <a:rPr lang="en-US" sz="1200" dirty="0">
-                <a:solidFill>
-                  <a:srgbClr val="000000"/>
-                </a:solidFill>
-                <a:latin typeface="Consolas"/>
-                <a:ea typeface="Inter"/>
-              </a:rPr>
-              <a:t>, </a:t>
-            </a:r>
-            <a:r>
-              <a:rPr lang="en-US" sz="1200" dirty="0" err="1">
-                <a:solidFill>
-                  <a:srgbClr val="008080"/>
-                </a:solidFill>
-                <a:latin typeface="Consolas"/>
-                <a:ea typeface="Inter"/>
-              </a:rPr>
-              <a:t>EndDate</a:t>
-            </a:r>
-            <a:r>
-              <a:rPr lang="en-US" sz="1200" dirty="0">
-                <a:solidFill>
-                  <a:srgbClr val="000000"/>
-                </a:solidFill>
-                <a:latin typeface="Consolas"/>
-                <a:ea typeface="Inter"/>
-              </a:rPr>
-              <a:t>, </a:t>
-            </a:r>
-            <a:r>
-              <a:rPr lang="en-US" sz="1200" dirty="0">
-                <a:solidFill>
-                  <a:srgbClr val="3165BB"/>
-                </a:solidFill>
-                <a:latin typeface="Consolas"/>
-                <a:ea typeface="Inter"/>
-              </a:rPr>
-              <a:t>YEAR</a:t>
-            </a:r>
-            <a:r>
-              <a:rPr lang="en-US" sz="1200" dirty="0">
-                <a:solidFill>
-                  <a:srgbClr val="000000"/>
-                </a:solidFill>
-                <a:latin typeface="Consolas"/>
-                <a:ea typeface="Inter"/>
-              </a:rPr>
-              <a:t>) &lt; </a:t>
-            </a:r>
-            <a:r>
-              <a:rPr lang="en-US" sz="1200" dirty="0">
-                <a:solidFill>
-                  <a:srgbClr val="098658"/>
-                </a:solidFill>
-                <a:latin typeface="Consolas"/>
-                <a:ea typeface="Inter"/>
-              </a:rPr>
-              <a:t>3</a:t>
-            </a:r>
-            <a:r>
-              <a:rPr lang="en-US" sz="1200" dirty="0">
-                <a:solidFill>
-                  <a:srgbClr val="000000"/>
-                </a:solidFill>
-                <a:latin typeface="Consolas"/>
-                <a:ea typeface="Inter"/>
-              </a:rPr>
-              <a:t>, </a:t>
-            </a:r>
-            <a:r>
-              <a:rPr lang="en-US" sz="1200" dirty="0">
-                <a:solidFill>
-                  <a:srgbClr val="A31515"/>
-                </a:solidFill>
-                <a:latin typeface="Consolas"/>
-                <a:ea typeface="Inter"/>
-              </a:rPr>
-              <a:t>"1-3 Years"</a:t>
-            </a:r>
-            <a:r>
-              <a:rPr lang="en-US" sz="1200" dirty="0">
-                <a:solidFill>
-                  <a:srgbClr val="000000"/>
-                </a:solidFill>
-                <a:latin typeface="Consolas"/>
-                <a:ea typeface="Inter"/>
-              </a:rPr>
-              <a:t>,</a:t>
-            </a:r>
-            <a:endParaRPr lang="en-US" sz="1200" dirty="0">
-              <a:ea typeface="Inter"/>
-            </a:endParaRPr>
-          </a:p>
-          <a:p>
-            <a:pPr marL="457200" lvl="1" indent="0">
-              <a:buNone/>
-            </a:pPr>
-            <a:r>
-              <a:rPr lang="en-US" sz="1200" dirty="0">
-                <a:solidFill>
-                  <a:srgbClr val="000000"/>
-                </a:solidFill>
-                <a:latin typeface="Consolas"/>
-                <a:ea typeface="Inter"/>
-              </a:rPr>
-              <a:t>            </a:t>
-            </a:r>
-            <a:r>
-              <a:rPr lang="en-US" sz="1200" dirty="0">
-                <a:solidFill>
-                  <a:srgbClr val="3165BB"/>
-                </a:solidFill>
-                <a:latin typeface="Consolas"/>
-                <a:ea typeface="Inter"/>
-              </a:rPr>
-              <a:t>DATEDIFF</a:t>
-            </a:r>
-            <a:r>
-              <a:rPr lang="en-US" sz="1200" dirty="0">
-                <a:solidFill>
-                  <a:srgbClr val="000000"/>
-                </a:solidFill>
-                <a:latin typeface="Consolas"/>
-                <a:ea typeface="Inter"/>
-              </a:rPr>
-              <a:t>(</a:t>
-            </a:r>
-            <a:r>
-              <a:rPr lang="en-US" sz="1200" dirty="0">
-                <a:solidFill>
-                  <a:srgbClr val="001080"/>
-                </a:solidFill>
-                <a:latin typeface="Consolas"/>
-                <a:ea typeface="Inter"/>
-              </a:rPr>
-              <a:t>'</a:t>
-            </a:r>
-            <a:r>
-              <a:rPr lang="en-US" sz="1200" dirty="0" err="1">
-                <a:solidFill>
-                  <a:srgbClr val="001080"/>
-                </a:solidFill>
-                <a:latin typeface="Consolas"/>
-                <a:ea typeface="Inter"/>
-              </a:rPr>
-              <a:t>HR_dataset</a:t>
-            </a:r>
-            <a:r>
-              <a:rPr lang="en-US" sz="1200" dirty="0">
-                <a:solidFill>
-                  <a:srgbClr val="001080"/>
-                </a:solidFill>
-                <a:latin typeface="Consolas"/>
-                <a:ea typeface="Inter"/>
-              </a:rPr>
-              <a:t>'[Hire Date]</a:t>
-            </a:r>
-            <a:r>
-              <a:rPr lang="en-US" sz="1200" dirty="0">
-                <a:solidFill>
-                  <a:srgbClr val="000000"/>
-                </a:solidFill>
-                <a:latin typeface="Consolas"/>
-                <a:ea typeface="Inter"/>
-              </a:rPr>
-              <a:t>, </a:t>
-            </a:r>
-            <a:r>
-              <a:rPr lang="en-US" sz="1200" dirty="0" err="1">
-                <a:solidFill>
-                  <a:srgbClr val="008080"/>
-                </a:solidFill>
-                <a:latin typeface="Consolas"/>
-                <a:ea typeface="Inter"/>
-              </a:rPr>
-              <a:t>EndDate</a:t>
-            </a:r>
-            <a:r>
-              <a:rPr lang="en-US" sz="1200" dirty="0">
-                <a:solidFill>
-                  <a:srgbClr val="000000"/>
-                </a:solidFill>
-                <a:latin typeface="Consolas"/>
-                <a:ea typeface="Inter"/>
-              </a:rPr>
-              <a:t>, </a:t>
-            </a:r>
-            <a:r>
-              <a:rPr lang="en-US" sz="1200" dirty="0">
-                <a:solidFill>
-                  <a:srgbClr val="3165BB"/>
-                </a:solidFill>
-                <a:latin typeface="Consolas"/>
-                <a:ea typeface="Inter"/>
-              </a:rPr>
-              <a:t>YEAR</a:t>
-            </a:r>
-            <a:r>
-              <a:rPr lang="en-US" sz="1200" dirty="0">
-                <a:solidFill>
-                  <a:srgbClr val="000000"/>
-                </a:solidFill>
-                <a:latin typeface="Consolas"/>
-                <a:ea typeface="Inter"/>
-              </a:rPr>
-              <a:t>) &gt;= </a:t>
-            </a:r>
-            <a:r>
-              <a:rPr lang="en-US" sz="1200" dirty="0">
-                <a:solidFill>
-                  <a:srgbClr val="098658"/>
-                </a:solidFill>
-                <a:latin typeface="Consolas"/>
-                <a:ea typeface="Inter"/>
-              </a:rPr>
-              <a:t>3</a:t>
-            </a:r>
-            <a:r>
-              <a:rPr lang="en-US" sz="1200" dirty="0">
-                <a:solidFill>
-                  <a:srgbClr val="000000"/>
-                </a:solidFill>
-                <a:latin typeface="Consolas"/>
-                <a:ea typeface="Inter"/>
-              </a:rPr>
-              <a:t> &amp;&amp; </a:t>
-            </a:r>
-            <a:r>
-              <a:rPr lang="en-US" sz="1200" dirty="0">
-                <a:solidFill>
-                  <a:srgbClr val="3165BB"/>
-                </a:solidFill>
-                <a:latin typeface="Consolas"/>
-                <a:ea typeface="Inter"/>
-              </a:rPr>
-              <a:t>DATEDIFF</a:t>
-            </a:r>
-            <a:r>
-              <a:rPr lang="en-US" sz="1200" dirty="0">
-                <a:solidFill>
-                  <a:srgbClr val="000000"/>
-                </a:solidFill>
-                <a:latin typeface="Consolas"/>
-                <a:ea typeface="Inter"/>
-              </a:rPr>
-              <a:t>(</a:t>
-            </a:r>
-            <a:r>
-              <a:rPr lang="en-US" sz="1200" dirty="0">
-                <a:solidFill>
-                  <a:srgbClr val="001080"/>
-                </a:solidFill>
-                <a:latin typeface="Consolas"/>
-                <a:ea typeface="Inter"/>
-              </a:rPr>
-              <a:t>'</a:t>
-            </a:r>
-            <a:r>
-              <a:rPr lang="en-US" sz="1200" dirty="0" err="1">
-                <a:solidFill>
-                  <a:srgbClr val="001080"/>
-                </a:solidFill>
-                <a:latin typeface="Consolas"/>
-                <a:ea typeface="Inter"/>
-              </a:rPr>
-              <a:t>HR_dataset</a:t>
-            </a:r>
-            <a:r>
-              <a:rPr lang="en-US" sz="1200" dirty="0">
-                <a:solidFill>
-                  <a:srgbClr val="001080"/>
-                </a:solidFill>
-                <a:latin typeface="Consolas"/>
-                <a:ea typeface="Inter"/>
-              </a:rPr>
-              <a:t>'[Hire Date]</a:t>
-            </a:r>
-            <a:r>
-              <a:rPr lang="en-US" sz="1200" dirty="0">
-                <a:solidFill>
-                  <a:srgbClr val="000000"/>
-                </a:solidFill>
-                <a:latin typeface="Consolas"/>
-                <a:ea typeface="Inter"/>
-              </a:rPr>
-              <a:t>, </a:t>
-            </a:r>
-            <a:r>
-              <a:rPr lang="en-US" sz="1200" dirty="0" err="1">
-                <a:solidFill>
-                  <a:srgbClr val="008080"/>
-                </a:solidFill>
-                <a:latin typeface="Consolas"/>
-                <a:ea typeface="Inter"/>
-              </a:rPr>
-              <a:t>EndDate</a:t>
-            </a:r>
-            <a:r>
-              <a:rPr lang="en-US" sz="1200" dirty="0">
-                <a:solidFill>
-                  <a:srgbClr val="000000"/>
-                </a:solidFill>
-                <a:latin typeface="Consolas"/>
-                <a:ea typeface="Inter"/>
-              </a:rPr>
-              <a:t>, </a:t>
-            </a:r>
-            <a:r>
-              <a:rPr lang="en-US" sz="1200" dirty="0">
-                <a:solidFill>
-                  <a:srgbClr val="3165BB"/>
-                </a:solidFill>
-                <a:latin typeface="Consolas"/>
-                <a:ea typeface="Inter"/>
-              </a:rPr>
-              <a:t>YEAR</a:t>
-            </a:r>
-            <a:r>
-              <a:rPr lang="en-US" sz="1200" dirty="0">
-                <a:solidFill>
-                  <a:srgbClr val="000000"/>
-                </a:solidFill>
-                <a:latin typeface="Consolas"/>
-                <a:ea typeface="Inter"/>
-              </a:rPr>
-              <a:t>) &lt; </a:t>
-            </a:r>
-            <a:r>
-              <a:rPr lang="en-US" sz="1200" dirty="0">
-                <a:solidFill>
-                  <a:srgbClr val="098658"/>
-                </a:solidFill>
-                <a:latin typeface="Consolas"/>
-                <a:ea typeface="Inter"/>
-              </a:rPr>
-              <a:t>5</a:t>
-            </a:r>
-            <a:r>
-              <a:rPr lang="en-US" sz="1200" dirty="0">
-                <a:solidFill>
-                  <a:srgbClr val="000000"/>
-                </a:solidFill>
-                <a:latin typeface="Consolas"/>
-                <a:ea typeface="Inter"/>
-              </a:rPr>
-              <a:t>, </a:t>
-            </a:r>
-            <a:r>
-              <a:rPr lang="en-US" sz="1200" dirty="0">
-                <a:solidFill>
-                  <a:srgbClr val="A31515"/>
-                </a:solidFill>
-                <a:latin typeface="Consolas"/>
-                <a:ea typeface="Inter"/>
-              </a:rPr>
-              <a:t>"3-5 Years"</a:t>
-            </a:r>
-            <a:r>
-              <a:rPr lang="en-US" sz="1200" dirty="0">
-                <a:solidFill>
-                  <a:srgbClr val="000000"/>
-                </a:solidFill>
-                <a:latin typeface="Consolas"/>
-                <a:ea typeface="Inter"/>
-              </a:rPr>
-              <a:t>,</a:t>
-            </a:r>
-            <a:endParaRPr lang="en-US" sz="1200" dirty="0">
-              <a:ea typeface="Inter"/>
-            </a:endParaRPr>
-          </a:p>
-          <a:p>
-            <a:pPr marL="457200" lvl="1" indent="0">
-              <a:buNone/>
-            </a:pPr>
-            <a:r>
-              <a:rPr lang="en-US" sz="1200" dirty="0">
-                <a:solidFill>
-                  <a:srgbClr val="000000"/>
-                </a:solidFill>
-                <a:latin typeface="Consolas"/>
-                <a:ea typeface="Inter"/>
-              </a:rPr>
-              <a:t>            </a:t>
-            </a:r>
-            <a:r>
-              <a:rPr lang="en-US" sz="1200" dirty="0">
-                <a:solidFill>
-                  <a:srgbClr val="3165BB"/>
-                </a:solidFill>
-                <a:latin typeface="Consolas"/>
-                <a:ea typeface="Inter"/>
-              </a:rPr>
-              <a:t>DATEDIFF</a:t>
-            </a:r>
-            <a:r>
-              <a:rPr lang="en-US" sz="1200" dirty="0">
-                <a:solidFill>
-                  <a:srgbClr val="000000"/>
-                </a:solidFill>
-                <a:latin typeface="Consolas"/>
-                <a:ea typeface="Inter"/>
-              </a:rPr>
-              <a:t>(</a:t>
-            </a:r>
-            <a:r>
-              <a:rPr lang="en-US" sz="1200" dirty="0">
-                <a:solidFill>
-                  <a:srgbClr val="001080"/>
-                </a:solidFill>
-                <a:latin typeface="Consolas"/>
-                <a:ea typeface="Inter"/>
-              </a:rPr>
-              <a:t>'</a:t>
-            </a:r>
-            <a:r>
-              <a:rPr lang="en-US" sz="1200" dirty="0" err="1">
-                <a:solidFill>
-                  <a:srgbClr val="001080"/>
-                </a:solidFill>
-                <a:latin typeface="Consolas"/>
-                <a:ea typeface="Inter"/>
-              </a:rPr>
-              <a:t>HR_dataset</a:t>
-            </a:r>
-            <a:r>
-              <a:rPr lang="en-US" sz="1200" dirty="0">
-                <a:solidFill>
-                  <a:srgbClr val="001080"/>
-                </a:solidFill>
-                <a:latin typeface="Consolas"/>
-                <a:ea typeface="Inter"/>
-              </a:rPr>
-              <a:t>'[Hire Date]</a:t>
-            </a:r>
-            <a:r>
-              <a:rPr lang="en-US" sz="1200" dirty="0">
-                <a:solidFill>
-                  <a:srgbClr val="000000"/>
-                </a:solidFill>
-                <a:latin typeface="Consolas"/>
-                <a:ea typeface="Inter"/>
-              </a:rPr>
-              <a:t>, </a:t>
-            </a:r>
-            <a:r>
-              <a:rPr lang="en-US" sz="1200" dirty="0" err="1">
-                <a:solidFill>
-                  <a:srgbClr val="008080"/>
-                </a:solidFill>
-                <a:latin typeface="Consolas"/>
-                <a:ea typeface="Inter"/>
-              </a:rPr>
-              <a:t>EndDate</a:t>
-            </a:r>
-            <a:r>
-              <a:rPr lang="en-US" sz="1200" dirty="0">
-                <a:solidFill>
-                  <a:srgbClr val="000000"/>
-                </a:solidFill>
-                <a:latin typeface="Consolas"/>
-                <a:ea typeface="Inter"/>
-              </a:rPr>
-              <a:t>, </a:t>
-            </a:r>
-            <a:r>
-              <a:rPr lang="en-US" sz="1200" dirty="0">
-                <a:solidFill>
-                  <a:srgbClr val="3165BB"/>
-                </a:solidFill>
-                <a:latin typeface="Consolas"/>
-                <a:ea typeface="Inter"/>
-              </a:rPr>
-              <a:t>YEAR</a:t>
-            </a:r>
-            <a:r>
-              <a:rPr lang="en-US" sz="1200" dirty="0">
-                <a:solidFill>
-                  <a:srgbClr val="000000"/>
-                </a:solidFill>
-                <a:latin typeface="Consolas"/>
-                <a:ea typeface="Inter"/>
-              </a:rPr>
-              <a:t>) &gt;= </a:t>
-            </a:r>
-            <a:r>
-              <a:rPr lang="en-US" sz="1200" dirty="0">
-                <a:solidFill>
-                  <a:srgbClr val="098658"/>
-                </a:solidFill>
-                <a:latin typeface="Consolas"/>
-                <a:ea typeface="Inter"/>
-              </a:rPr>
-              <a:t>5</a:t>
-            </a:r>
-            <a:r>
-              <a:rPr lang="en-US" sz="1200" dirty="0">
-                <a:solidFill>
-                  <a:srgbClr val="000000"/>
-                </a:solidFill>
-                <a:latin typeface="Consolas"/>
-                <a:ea typeface="Inter"/>
-              </a:rPr>
-              <a:t>, </a:t>
-            </a:r>
-            <a:r>
-              <a:rPr lang="en-US" sz="1200" dirty="0">
-                <a:solidFill>
-                  <a:srgbClr val="A31515"/>
-                </a:solidFill>
-                <a:latin typeface="Consolas"/>
-                <a:ea typeface="Inter"/>
-              </a:rPr>
-              <a:t>"5+ Years"</a:t>
-            </a:r>
-            <a:r>
-              <a:rPr lang="en-US" sz="1200" dirty="0">
-                <a:solidFill>
-                  <a:srgbClr val="000000"/>
-                </a:solidFill>
-                <a:latin typeface="Consolas"/>
-                <a:ea typeface="Inter"/>
-              </a:rPr>
-              <a:t>,</a:t>
-            </a:r>
-            <a:endParaRPr lang="en-US" sz="1200" dirty="0">
-              <a:ea typeface="Inter"/>
-            </a:endParaRPr>
-          </a:p>
-          <a:p>
-            <a:pPr marL="457200" lvl="1" indent="0">
-              <a:buNone/>
-            </a:pPr>
-            <a:r>
-              <a:rPr lang="en-US" sz="1200" dirty="0">
-                <a:solidFill>
-                  <a:srgbClr val="000000"/>
-                </a:solidFill>
-                <a:latin typeface="Consolas"/>
-                <a:ea typeface="Inter"/>
-              </a:rPr>
-              <a:t>            </a:t>
-            </a:r>
-            <a:r>
-              <a:rPr lang="en-US" sz="1200" dirty="0">
-                <a:solidFill>
-                  <a:srgbClr val="A31515"/>
-                </a:solidFill>
-                <a:latin typeface="Consolas"/>
-                <a:ea typeface="Inter"/>
-              </a:rPr>
-              <a:t>"Unknown"</a:t>
-            </a:r>
-            <a:endParaRPr lang="en-US" sz="1200" dirty="0">
-              <a:ea typeface="Inter"/>
-            </a:endParaRPr>
-          </a:p>
-          <a:p>
-            <a:pPr marL="457200" lvl="1" indent="0">
-              <a:buNone/>
-            </a:pPr>
-            <a:r>
-              <a:rPr lang="en-US" sz="1200" dirty="0">
-                <a:solidFill>
-                  <a:srgbClr val="000000"/>
-                </a:solidFill>
-                <a:latin typeface="Consolas"/>
-                <a:ea typeface="Inter"/>
-              </a:rPr>
-              <a:t>        )</a:t>
-            </a:r>
-            <a:endParaRPr lang="en-US" sz="1200" dirty="0">
-              <a:ea typeface="Inter"/>
-            </a:endParaRPr>
-          </a:p>
-          <a:p>
-            <a:pPr marL="457200" lvl="1" indent="0">
-              <a:buNone/>
-            </a:pPr>
-            <a:r>
-              <a:rPr lang="en-US" sz="1200" dirty="0">
-                <a:solidFill>
-                  <a:srgbClr val="000000"/>
-                </a:solidFill>
-                <a:latin typeface="Consolas"/>
-                <a:ea typeface="Inter"/>
-              </a:rPr>
-              <a:t>    )</a:t>
-            </a:r>
-            <a:endParaRPr lang="en-US" sz="1200" dirty="0">
-              <a:ea typeface="Inter"/>
-            </a:endParaRPr>
-          </a:p>
-          <a:p>
-            <a:pPr marL="457200" lvl="1" indent="0">
-              <a:buNone/>
-            </a:pPr>
-            <a:r>
-              <a:rPr lang="en-US" sz="1200" dirty="0">
-                <a:solidFill>
-                  <a:srgbClr val="0000FF"/>
-                </a:solidFill>
-                <a:latin typeface="Consolas"/>
-                <a:ea typeface="Inter"/>
-              </a:rPr>
-              <a:t>RETURN</a:t>
-            </a:r>
-            <a:endParaRPr lang="en-US" sz="1200" dirty="0">
-              <a:ea typeface="Inter"/>
-            </a:endParaRPr>
-          </a:p>
-          <a:p>
-            <a:pPr marL="457200" lvl="1" indent="0">
-              <a:buNone/>
-            </a:pPr>
-            <a:r>
-              <a:rPr lang="en-US" sz="1200" dirty="0">
-                <a:solidFill>
-                  <a:srgbClr val="000000"/>
-                </a:solidFill>
-                <a:latin typeface="Consolas"/>
-                <a:ea typeface="Inter"/>
-              </a:rPr>
-              <a:t>    </a:t>
-            </a:r>
-            <a:r>
-              <a:rPr lang="en-US" sz="1200" dirty="0">
-                <a:solidFill>
-                  <a:srgbClr val="3165BB"/>
-                </a:solidFill>
-                <a:latin typeface="Consolas"/>
-                <a:ea typeface="Inter"/>
-              </a:rPr>
-              <a:t>COUNTROWS</a:t>
-            </a:r>
-            <a:r>
-              <a:rPr lang="en-US" sz="1200" dirty="0">
-                <a:solidFill>
-                  <a:srgbClr val="000000"/>
-                </a:solidFill>
-                <a:latin typeface="Consolas"/>
-                <a:ea typeface="Inter"/>
-              </a:rPr>
-              <a:t>(</a:t>
-            </a:r>
-            <a:endParaRPr lang="en-US" sz="1200" dirty="0">
-              <a:ea typeface="Inter"/>
-            </a:endParaRPr>
-          </a:p>
-          <a:p>
-            <a:pPr marL="457200" lvl="1" indent="0">
-              <a:buNone/>
-            </a:pPr>
-            <a:r>
-              <a:rPr lang="en-US" sz="1200" dirty="0">
-                <a:solidFill>
-                  <a:srgbClr val="000000"/>
-                </a:solidFill>
-                <a:latin typeface="Consolas"/>
-                <a:ea typeface="Inter"/>
-              </a:rPr>
-              <a:t>        </a:t>
-            </a:r>
-            <a:r>
-              <a:rPr lang="en-US" sz="1200" dirty="0">
-                <a:solidFill>
-                  <a:srgbClr val="3165BB"/>
-                </a:solidFill>
-                <a:latin typeface="Consolas"/>
-                <a:ea typeface="Inter"/>
-              </a:rPr>
-              <a:t>FILTER</a:t>
-            </a:r>
-            <a:r>
-              <a:rPr lang="en-US" sz="1200" dirty="0">
-                <a:solidFill>
-                  <a:srgbClr val="000000"/>
-                </a:solidFill>
-                <a:latin typeface="Consolas"/>
-                <a:ea typeface="Inter"/>
-              </a:rPr>
-              <a:t>(</a:t>
-            </a:r>
-            <a:endParaRPr lang="en-US" sz="1200" dirty="0">
-              <a:ea typeface="Inter"/>
-            </a:endParaRPr>
-          </a:p>
-          <a:p>
-            <a:pPr marL="457200" lvl="1" indent="0">
-              <a:buNone/>
-            </a:pPr>
-            <a:r>
-              <a:rPr lang="en-US" sz="1200" dirty="0">
-                <a:solidFill>
-                  <a:srgbClr val="000000"/>
-                </a:solidFill>
-                <a:latin typeface="Consolas"/>
-                <a:ea typeface="Inter"/>
-              </a:rPr>
-              <a:t>            </a:t>
-            </a:r>
-            <a:r>
-              <a:rPr lang="en-US" sz="1200" dirty="0" err="1">
-                <a:solidFill>
-                  <a:srgbClr val="008080"/>
-                </a:solidFill>
-                <a:latin typeface="Consolas"/>
-                <a:ea typeface="Inter"/>
-              </a:rPr>
-              <a:t>TenureGroups</a:t>
-            </a:r>
-            <a:r>
-              <a:rPr lang="en-US" sz="1200" dirty="0">
-                <a:solidFill>
-                  <a:srgbClr val="000000"/>
-                </a:solidFill>
-                <a:latin typeface="Consolas"/>
-                <a:ea typeface="Inter"/>
-              </a:rPr>
-              <a:t>,</a:t>
-            </a:r>
-            <a:endParaRPr lang="en-US" sz="1200" dirty="0">
-              <a:ea typeface="Inter"/>
-            </a:endParaRPr>
-          </a:p>
-          <a:p>
-            <a:pPr marL="457200" lvl="1" indent="0">
-              <a:buNone/>
-            </a:pPr>
-            <a:r>
-              <a:rPr lang="en-US" sz="1200" dirty="0">
-                <a:solidFill>
-                  <a:srgbClr val="000000"/>
-                </a:solidFill>
-                <a:latin typeface="Consolas"/>
-                <a:ea typeface="Inter"/>
-              </a:rPr>
-              <a:t>            </a:t>
-            </a:r>
-            <a:r>
-              <a:rPr lang="en-US" sz="1200" dirty="0">
-                <a:solidFill>
-                  <a:srgbClr val="001080"/>
-                </a:solidFill>
-                <a:latin typeface="Consolas"/>
-                <a:ea typeface="Inter"/>
-              </a:rPr>
-              <a:t>[</a:t>
-            </a:r>
-            <a:r>
-              <a:rPr lang="en-US" sz="1200" dirty="0" err="1">
-                <a:solidFill>
-                  <a:srgbClr val="001080"/>
-                </a:solidFill>
-                <a:latin typeface="Consolas"/>
-                <a:ea typeface="Inter"/>
-              </a:rPr>
-              <a:t>TenureCategory</a:t>
-            </a:r>
-            <a:r>
-              <a:rPr lang="en-US" sz="1200" dirty="0">
-                <a:solidFill>
-                  <a:srgbClr val="001080"/>
-                </a:solidFill>
-                <a:latin typeface="Consolas"/>
-                <a:ea typeface="Inter"/>
-              </a:rPr>
-              <a:t>]</a:t>
-            </a:r>
-            <a:r>
-              <a:rPr lang="en-US" sz="1200" dirty="0">
-                <a:solidFill>
-                  <a:srgbClr val="000000"/>
-                </a:solidFill>
-                <a:latin typeface="Consolas"/>
-                <a:ea typeface="Inter"/>
-              </a:rPr>
-              <a:t> = </a:t>
-            </a:r>
-            <a:r>
-              <a:rPr lang="en-US" sz="1200" dirty="0">
-                <a:solidFill>
-                  <a:srgbClr val="3165BB"/>
-                </a:solidFill>
-                <a:latin typeface="Consolas"/>
-                <a:ea typeface="Inter"/>
-              </a:rPr>
-              <a:t>SELECTEDVALUE</a:t>
-            </a:r>
-            <a:r>
-              <a:rPr lang="en-US" sz="1200" dirty="0">
-                <a:solidFill>
-                  <a:srgbClr val="000000"/>
-                </a:solidFill>
-                <a:latin typeface="Consolas"/>
-                <a:ea typeface="Inter"/>
-              </a:rPr>
-              <a:t>(</a:t>
-            </a:r>
-            <a:r>
-              <a:rPr lang="en-US" sz="1200" dirty="0">
-                <a:solidFill>
-                  <a:srgbClr val="001080"/>
-                </a:solidFill>
-                <a:latin typeface="Consolas"/>
-                <a:ea typeface="Inter"/>
-              </a:rPr>
-              <a:t>'Tenure Groups Table'[Tenure Group]</a:t>
-            </a:r>
-            <a:r>
-              <a:rPr lang="en-US" sz="1200" dirty="0">
-                <a:solidFill>
-                  <a:srgbClr val="000000"/>
-                </a:solidFill>
-                <a:latin typeface="Consolas"/>
-                <a:ea typeface="Inter"/>
-              </a:rPr>
-              <a:t>)))</a:t>
-            </a:r>
-            <a:br>
-              <a:rPr lang="en-US" dirty="0"/>
-            </a:br>
-            <a:endParaRPr lang="en-US" dirty="0"/>
-          </a:p>
-          <a:p>
-            <a:pPr marL="1143000" lvl="1">
-              <a:lnSpc>
-                <a:spcPct val="150000"/>
-              </a:lnSpc>
-              <a:buClr>
-                <a:srgbClr val="121212"/>
-              </a:buClr>
-            </a:pPr>
-            <a:endParaRPr lang="en-US" sz="2000" dirty="0"/>
-          </a:p>
-          <a:p>
-            <a:pPr marL="628650" indent="-342900">
-              <a:lnSpc>
-                <a:spcPct val="150000"/>
-              </a:lnSpc>
-              <a:buClr>
-                <a:srgbClr val="121212"/>
-              </a:buClr>
-            </a:pPr>
-            <a:endParaRPr lang="en-US" sz="2000" dirty="0"/>
-          </a:p>
-          <a:p>
-            <a:pPr marL="1428750" lvl="2">
-              <a:lnSpc>
-                <a:spcPct val="150000"/>
-              </a:lnSpc>
-              <a:buFont typeface="Wingdings" panose="020B0502030000000004" pitchFamily="34" charset="0"/>
-              <a:buChar char="§"/>
-            </a:pPr>
-            <a:endParaRPr lang="en-US" sz="2000" dirty="0"/>
-          </a:p>
-          <a:p>
-            <a:pPr marL="1428750" lvl="2">
-              <a:lnSpc>
-                <a:spcPct val="150000"/>
-              </a:lnSpc>
-              <a:buFont typeface="Wingdings" panose="020B0502030000000004" pitchFamily="34" charset="0"/>
-              <a:buChar char="§"/>
-            </a:pPr>
-            <a:endParaRPr lang="en-US" sz="2000" dirty="0"/>
-          </a:p>
-          <a:p>
-            <a:pPr marL="514350">
-              <a:lnSpc>
-                <a:spcPct val="150000"/>
-              </a:lnSpc>
-              <a:buClr>
-                <a:srgbClr val="121212"/>
-              </a:buClr>
-            </a:pPr>
-            <a:endParaRPr lang="en-US" sz="2000" dirty="0"/>
-          </a:p>
-          <a:p>
-            <a:pPr marL="514350">
-              <a:lnSpc>
-                <a:spcPct val="150000"/>
-              </a:lnSpc>
-              <a:buClr>
-                <a:srgbClr val="121212"/>
-              </a:buClr>
-            </a:pPr>
-            <a:endParaRPr lang="en-US" sz="2000" dirty="0"/>
+            <a:pPr lvl="1"/>
+            <a:r>
+              <a:rPr lang="en-US" sz="2800" dirty="0"/>
+              <a:t>5+ </a:t>
+            </a:r>
+            <a:r>
+              <a:rPr lang="en-US" sz="2800" dirty="0" err="1"/>
+              <a:t>aastat</a:t>
+            </a:r>
+            <a:endParaRPr lang="et-EE" sz="2800" dirty="0"/>
           </a:p>
         </p:txBody>
       </p:sp>
     </p:spTree>
     <p:extLst>
       <p:ext uri="{BB962C8B-B14F-4D97-AF65-F5344CB8AC3E}">
-        <p14:creationId xmlns:p14="http://schemas.microsoft.com/office/powerpoint/2010/main" val="1143309316"/>
+        <p14:creationId xmlns:p14="http://schemas.microsoft.com/office/powerpoint/2010/main" val="1361550783"/>
       </p:ext>
     </p:extLst>
   </p:cSld>
   <p:clrMapOvr>
     <a:masterClrMapping/>
   </p:clrMapOvr>
-  <p:timing>
-    <p:tnLst>
-      <p:par>
-        <p:cTn id="1" dur="indefinite" restart="never" nodeType="tmRoot">
-          <p:childTnLst>
-            <p:seq concurrent="1" nextAc="seek">
-              <p:cTn id="2" dur="indefinite" nodeType="mainSeq">
-                <p:childTnLst>
-                  <p:par>
-                    <p:cTn id="3" fill="hold">
-                      <p:stCondLst>
-                        <p:cond delay="indefinite"/>
-                      </p:stCondLst>
-                      <p:childTnLst>
-                        <p:par>
-                          <p:cTn id="4" fill="hold">
-                            <p:stCondLst>
-                              <p:cond delay="0"/>
-                            </p:stCondLst>
-                            <p:childTnLst>
-                              <p:par>
-                                <p:cTn id="5" presetID="1" presetClass="entr" presetSubtype="0" fill="hold" grpId="0" nodeType="clickEffect">
-                                  <p:stCondLst>
-                                    <p:cond delay="0"/>
-                                  </p:stCondLst>
-                                  <p:childTnLst>
-                                    <p:set>
-                                      <p:cBhvr>
-                                        <p:cTn id="6" dur="1" fill="hold">
-                                          <p:stCondLst>
-                                            <p:cond delay="0"/>
-                                          </p:stCondLst>
-                                        </p:cTn>
-                                        <p:tgtEl>
-                                          <p:spTgt spid="4">
-                                            <p:txEl>
-                                              <p:pRg st="0" end="0"/>
-                                            </p:txEl>
-                                          </p:spTgt>
-                                        </p:tgtEl>
-                                        <p:attrNameLst>
-                                          <p:attrName>style.visibility</p:attrName>
-                                        </p:attrNameLst>
-                                      </p:cBhvr>
-                                      <p:to>
-                                        <p:strVal val="visible"/>
-                                      </p:to>
-                                    </p:set>
-                                  </p:childTnLst>
-                                </p:cTn>
-                              </p:par>
-                              <p:par>
-                                <p:cTn id="7" presetID="1" presetClass="entr" presetSubtype="0" fill="hold" grpId="0" nodeType="withEffect">
-                                  <p:stCondLst>
-                                    <p:cond delay="0"/>
-                                  </p:stCondLst>
-                                  <p:childTnLst>
-                                    <p:set>
-                                      <p:cBhvr>
-                                        <p:cTn id="8" dur="1" fill="hold">
-                                          <p:stCondLst>
-                                            <p:cond delay="0"/>
-                                          </p:stCondLst>
-                                        </p:cTn>
-                                        <p:tgtEl>
-                                          <p:spTgt spid="4">
-                                            <p:txEl>
-                                              <p:pRg st="1" end="1"/>
-                                            </p:txEl>
-                                          </p:spTgt>
-                                        </p:tgtEl>
-                                        <p:attrNameLst>
-                                          <p:attrName>style.visibility</p:attrName>
-                                        </p:attrNameLst>
-                                      </p:cBhvr>
-                                      <p:to>
-                                        <p:strVal val="visible"/>
-                                      </p:to>
-                                    </p:set>
-                                  </p:childTnLst>
-                                </p:cTn>
-                              </p:par>
-                              <p:par>
-                                <p:cTn id="9" presetID="1" presetClass="entr" presetSubtype="0" fill="hold" grpId="0" nodeType="withEffect">
-                                  <p:stCondLst>
-                                    <p:cond delay="0"/>
-                                  </p:stCondLst>
-                                  <p:childTnLst>
-                                    <p:set>
-                                      <p:cBhvr>
-                                        <p:cTn id="10" dur="1" fill="hold">
-                                          <p:stCondLst>
-                                            <p:cond delay="0"/>
-                                          </p:stCondLst>
-                                        </p:cTn>
-                                        <p:tgtEl>
-                                          <p:spTgt spid="4">
-                                            <p:txEl>
-                                              <p:pRg st="2" end="2"/>
-                                            </p:txEl>
-                                          </p:spTgt>
-                                        </p:tgtEl>
-                                        <p:attrNameLst>
-                                          <p:attrName>style.visibility</p:attrName>
-                                        </p:attrNameLst>
-                                      </p:cBhvr>
-                                      <p:to>
-                                        <p:strVal val="visible"/>
-                                      </p:to>
-                                    </p:set>
-                                  </p:childTnLst>
-                                </p:cTn>
-                              </p:par>
-                              <p:par>
-                                <p:cTn id="11" presetID="1" presetClass="entr" presetSubtype="0" fill="hold" grpId="0" nodeType="withEffect">
-                                  <p:stCondLst>
-                                    <p:cond delay="0"/>
-                                  </p:stCondLst>
-                                  <p:childTnLst>
-                                    <p:set>
-                                      <p:cBhvr>
-                                        <p:cTn id="12" dur="1" fill="hold">
-                                          <p:stCondLst>
-                                            <p:cond delay="0"/>
-                                          </p:stCondLst>
-                                        </p:cTn>
-                                        <p:tgtEl>
-                                          <p:spTgt spid="4">
-                                            <p:txEl>
-                                              <p:pRg st="3" end="3"/>
-                                            </p:txEl>
-                                          </p:spTgt>
-                                        </p:tgtEl>
-                                        <p:attrNameLst>
-                                          <p:attrName>style.visibility</p:attrName>
-                                        </p:attrNameLst>
-                                      </p:cBhvr>
-                                      <p:to>
-                                        <p:strVal val="visible"/>
-                                      </p:to>
-                                    </p:set>
-                                  </p:childTnLst>
-                                </p:cTn>
-                              </p:par>
-                              <p:par>
-                                <p:cTn id="13" presetID="1" presetClass="entr" presetSubtype="0" fill="hold" grpId="0" nodeType="withEffect">
-                                  <p:stCondLst>
-                                    <p:cond delay="0"/>
-                                  </p:stCondLst>
-                                  <p:childTnLst>
-                                    <p:set>
-                                      <p:cBhvr>
-                                        <p:cTn id="14" dur="1" fill="hold">
-                                          <p:stCondLst>
-                                            <p:cond delay="0"/>
-                                          </p:stCondLst>
-                                        </p:cTn>
-                                        <p:tgtEl>
-                                          <p:spTgt spid="4">
-                                            <p:txEl>
-                                              <p:pRg st="4" end="4"/>
-                                            </p:txEl>
-                                          </p:spTgt>
-                                        </p:tgtEl>
-                                        <p:attrNameLst>
-                                          <p:attrName>style.visibility</p:attrName>
-                                        </p:attrNameLst>
-                                      </p:cBhvr>
-                                      <p:to>
-                                        <p:strVal val="visible"/>
-                                      </p:to>
-                                    </p:set>
-                                  </p:childTnLst>
-                                </p:cTn>
-                              </p:par>
-                              <p:par>
-                                <p:cTn id="15" presetID="1" presetClass="entr" presetSubtype="0" fill="hold" grpId="0" nodeType="withEffect">
-                                  <p:stCondLst>
-                                    <p:cond delay="0"/>
-                                  </p:stCondLst>
-                                  <p:childTnLst>
-                                    <p:set>
-                                      <p:cBhvr>
-                                        <p:cTn id="16" dur="1" fill="hold">
-                                          <p:stCondLst>
-                                            <p:cond delay="0"/>
-                                          </p:stCondLst>
-                                        </p:cTn>
-                                        <p:tgtEl>
-                                          <p:spTgt spid="4">
-                                            <p:txEl>
-                                              <p:pRg st="5" end="5"/>
-                                            </p:txEl>
-                                          </p:spTgt>
-                                        </p:tgtEl>
-                                        <p:attrNameLst>
-                                          <p:attrName>style.visibility</p:attrName>
-                                        </p:attrNameLst>
-                                      </p:cBhvr>
-                                      <p:to>
-                                        <p:strVal val="visible"/>
-                                      </p:to>
-                                    </p:set>
-                                  </p:childTnLst>
-                                </p:cTn>
-                              </p:par>
-                              <p:par>
-                                <p:cTn id="17" presetID="1" presetClass="entr" presetSubtype="0" fill="hold" grpId="0" nodeType="withEffect">
-                                  <p:stCondLst>
-                                    <p:cond delay="0"/>
-                                  </p:stCondLst>
-                                  <p:childTnLst>
-                                    <p:set>
-                                      <p:cBhvr>
-                                        <p:cTn id="18" dur="1" fill="hold">
-                                          <p:stCondLst>
-                                            <p:cond delay="0"/>
-                                          </p:stCondLst>
-                                        </p:cTn>
-                                        <p:tgtEl>
-                                          <p:spTgt spid="4">
-                                            <p:txEl>
-                                              <p:pRg st="6" end="6"/>
-                                            </p:txEl>
-                                          </p:spTgt>
-                                        </p:tgtEl>
-                                        <p:attrNameLst>
-                                          <p:attrName>style.visibility</p:attrName>
-                                        </p:attrNameLst>
-                                      </p:cBhvr>
-                                      <p:to>
-                                        <p:strVal val="visible"/>
-                                      </p:to>
-                                    </p:set>
-                                  </p:childTnLst>
-                                </p:cTn>
-                              </p:par>
-                              <p:par>
-                                <p:cTn id="19" presetID="1" presetClass="entr" presetSubtype="0" fill="hold" grpId="0" nodeType="withEffect">
-                                  <p:stCondLst>
-                                    <p:cond delay="0"/>
-                                  </p:stCondLst>
-                                  <p:childTnLst>
-                                    <p:set>
-                                      <p:cBhvr>
-                                        <p:cTn id="20" dur="1" fill="hold">
-                                          <p:stCondLst>
-                                            <p:cond delay="0"/>
-                                          </p:stCondLst>
-                                        </p:cTn>
-                                        <p:tgtEl>
-                                          <p:spTgt spid="4">
-                                            <p:txEl>
-                                              <p:pRg st="7" end="7"/>
-                                            </p:txEl>
-                                          </p:spTgt>
-                                        </p:tgtEl>
-                                        <p:attrNameLst>
-                                          <p:attrName>style.visibility</p:attrName>
-                                        </p:attrNameLst>
-                                      </p:cBhvr>
-                                      <p:to>
-                                        <p:strVal val="visible"/>
-                                      </p:to>
-                                    </p:set>
-                                  </p:childTnLst>
-                                </p:cTn>
-                              </p:par>
-                              <p:par>
-                                <p:cTn id="21" presetID="1" presetClass="entr" presetSubtype="0" fill="hold" grpId="0" nodeType="withEffect">
-                                  <p:stCondLst>
-                                    <p:cond delay="0"/>
-                                  </p:stCondLst>
-                                  <p:childTnLst>
-                                    <p:set>
-                                      <p:cBhvr>
-                                        <p:cTn id="22" dur="1" fill="hold">
-                                          <p:stCondLst>
-                                            <p:cond delay="0"/>
-                                          </p:stCondLst>
-                                        </p:cTn>
-                                        <p:tgtEl>
-                                          <p:spTgt spid="4">
-                                            <p:txEl>
-                                              <p:pRg st="8" end="8"/>
-                                            </p:txEl>
-                                          </p:spTgt>
-                                        </p:tgtEl>
-                                        <p:attrNameLst>
-                                          <p:attrName>style.visibility</p:attrName>
-                                        </p:attrNameLst>
-                                      </p:cBhvr>
-                                      <p:to>
-                                        <p:strVal val="visible"/>
-                                      </p:to>
-                                    </p:set>
-                                  </p:childTnLst>
-                                </p:cTn>
-                              </p:par>
-                              <p:par>
-                                <p:cTn id="23" presetID="1" presetClass="entr" presetSubtype="0" fill="hold" grpId="0" nodeType="withEffect">
-                                  <p:stCondLst>
-                                    <p:cond delay="0"/>
-                                  </p:stCondLst>
-                                  <p:childTnLst>
-                                    <p:set>
-                                      <p:cBhvr>
-                                        <p:cTn id="24" dur="1" fill="hold">
-                                          <p:stCondLst>
-                                            <p:cond delay="0"/>
-                                          </p:stCondLst>
-                                        </p:cTn>
-                                        <p:tgtEl>
-                                          <p:spTgt spid="4">
-                                            <p:txEl>
-                                              <p:pRg st="9" end="9"/>
-                                            </p:txEl>
-                                          </p:spTgt>
-                                        </p:tgtEl>
-                                        <p:attrNameLst>
-                                          <p:attrName>style.visibility</p:attrName>
-                                        </p:attrNameLst>
-                                      </p:cBhvr>
-                                      <p:to>
-                                        <p:strVal val="visible"/>
-                                      </p:to>
-                                    </p:set>
-                                  </p:childTnLst>
-                                </p:cTn>
-                              </p:par>
-                              <p:par>
-                                <p:cTn id="25" presetID="1" presetClass="entr" presetSubtype="0" fill="hold" grpId="0" nodeType="withEffect">
-                                  <p:stCondLst>
-                                    <p:cond delay="0"/>
-                                  </p:stCondLst>
-                                  <p:childTnLst>
-                                    <p:set>
-                                      <p:cBhvr>
-                                        <p:cTn id="26" dur="1" fill="hold">
-                                          <p:stCondLst>
-                                            <p:cond delay="0"/>
-                                          </p:stCondLst>
-                                        </p:cTn>
-                                        <p:tgtEl>
-                                          <p:spTgt spid="4">
-                                            <p:txEl>
-                                              <p:pRg st="10" end="10"/>
-                                            </p:txEl>
-                                          </p:spTgt>
-                                        </p:tgtEl>
-                                        <p:attrNameLst>
-                                          <p:attrName>style.visibility</p:attrName>
-                                        </p:attrNameLst>
-                                      </p:cBhvr>
-                                      <p:to>
-                                        <p:strVal val="visible"/>
-                                      </p:to>
-                                    </p:set>
-                                  </p:childTnLst>
-                                </p:cTn>
-                              </p:par>
-                              <p:par>
-                                <p:cTn id="27" presetID="1" presetClass="entr" presetSubtype="0" fill="hold" grpId="0" nodeType="withEffect">
-                                  <p:stCondLst>
-                                    <p:cond delay="0"/>
-                                  </p:stCondLst>
-                                  <p:childTnLst>
-                                    <p:set>
-                                      <p:cBhvr>
-                                        <p:cTn id="28" dur="1" fill="hold">
-                                          <p:stCondLst>
-                                            <p:cond delay="0"/>
-                                          </p:stCondLst>
-                                        </p:cTn>
-                                        <p:tgtEl>
-                                          <p:spTgt spid="4">
-                                            <p:txEl>
-                                              <p:pRg st="11" end="11"/>
-                                            </p:txEl>
-                                          </p:spTgt>
-                                        </p:tgtEl>
-                                        <p:attrNameLst>
-                                          <p:attrName>style.visibility</p:attrName>
-                                        </p:attrNameLst>
-                                      </p:cBhvr>
-                                      <p:to>
-                                        <p:strVal val="visible"/>
-                                      </p:to>
-                                    </p:set>
-                                  </p:childTnLst>
-                                </p:cTn>
-                              </p:par>
-                              <p:par>
-                                <p:cTn id="29" presetID="1" presetClass="entr" presetSubtype="0" fill="hold" grpId="0" nodeType="withEffect">
-                                  <p:stCondLst>
-                                    <p:cond delay="0"/>
-                                  </p:stCondLst>
-                                  <p:childTnLst>
-                                    <p:set>
-                                      <p:cBhvr>
-                                        <p:cTn id="30" dur="1" fill="hold">
-                                          <p:stCondLst>
-                                            <p:cond delay="0"/>
-                                          </p:stCondLst>
-                                        </p:cTn>
-                                        <p:tgtEl>
-                                          <p:spTgt spid="4">
-                                            <p:txEl>
-                                              <p:pRg st="12" end="12"/>
-                                            </p:txEl>
-                                          </p:spTgt>
-                                        </p:tgtEl>
-                                        <p:attrNameLst>
-                                          <p:attrName>style.visibility</p:attrName>
-                                        </p:attrNameLst>
-                                      </p:cBhvr>
-                                      <p:to>
-                                        <p:strVal val="visible"/>
-                                      </p:to>
-                                    </p:set>
-                                  </p:childTnLst>
-                                </p:cTn>
-                              </p:par>
-                              <p:par>
-                                <p:cTn id="31" presetID="1" presetClass="entr" presetSubtype="0" fill="hold" grpId="0" nodeType="withEffect">
-                                  <p:stCondLst>
-                                    <p:cond delay="0"/>
-                                  </p:stCondLst>
-                                  <p:childTnLst>
-                                    <p:set>
-                                      <p:cBhvr>
-                                        <p:cTn id="32" dur="1" fill="hold">
-                                          <p:stCondLst>
-                                            <p:cond delay="0"/>
-                                          </p:stCondLst>
-                                        </p:cTn>
-                                        <p:tgtEl>
-                                          <p:spTgt spid="4">
-                                            <p:txEl>
-                                              <p:pRg st="13" end="13"/>
-                                            </p:txEl>
-                                          </p:spTgt>
-                                        </p:tgtEl>
-                                        <p:attrNameLst>
-                                          <p:attrName>style.visibility</p:attrName>
-                                        </p:attrNameLst>
-                                      </p:cBhvr>
-                                      <p:to>
-                                        <p:strVal val="visible"/>
-                                      </p:to>
-                                    </p:set>
-                                  </p:childTnLst>
-                                </p:cTn>
-                              </p:par>
-                              <p:par>
-                                <p:cTn id="33" presetID="1" presetClass="entr" presetSubtype="0" fill="hold" grpId="0" nodeType="withEffect">
-                                  <p:stCondLst>
-                                    <p:cond delay="0"/>
-                                  </p:stCondLst>
-                                  <p:childTnLst>
-                                    <p:set>
-                                      <p:cBhvr>
-                                        <p:cTn id="34" dur="1" fill="hold">
-                                          <p:stCondLst>
-                                            <p:cond delay="0"/>
-                                          </p:stCondLst>
-                                        </p:cTn>
-                                        <p:tgtEl>
-                                          <p:spTgt spid="4">
-                                            <p:txEl>
-                                              <p:pRg st="14" end="14"/>
-                                            </p:txEl>
-                                          </p:spTgt>
-                                        </p:tgtEl>
-                                        <p:attrNameLst>
-                                          <p:attrName>style.visibility</p:attrName>
-                                        </p:attrNameLst>
-                                      </p:cBhvr>
-                                      <p:to>
-                                        <p:strVal val="visible"/>
-                                      </p:to>
-                                    </p:set>
-                                  </p:childTnLst>
-                                </p:cTn>
-                              </p:par>
-                              <p:par>
-                                <p:cTn id="35" presetID="1" presetClass="entr" presetSubtype="0" fill="hold" grpId="0" nodeType="withEffect">
-                                  <p:stCondLst>
-                                    <p:cond delay="0"/>
-                                  </p:stCondLst>
-                                  <p:childTnLst>
-                                    <p:set>
-                                      <p:cBhvr>
-                                        <p:cTn id="36" dur="1" fill="hold">
-                                          <p:stCondLst>
-                                            <p:cond delay="0"/>
-                                          </p:stCondLst>
-                                        </p:cTn>
-                                        <p:tgtEl>
-                                          <p:spTgt spid="4">
-                                            <p:txEl>
-                                              <p:pRg st="15" end="15"/>
-                                            </p:txEl>
-                                          </p:spTgt>
-                                        </p:tgtEl>
-                                        <p:attrNameLst>
-                                          <p:attrName>style.visibility</p:attrName>
-                                        </p:attrNameLst>
-                                      </p:cBhvr>
-                                      <p:to>
-                                        <p:strVal val="visible"/>
-                                      </p:to>
-                                    </p:set>
-                                  </p:childTnLst>
-                                </p:cTn>
-                              </p:par>
-                              <p:par>
-                                <p:cTn id="37" presetID="1" presetClass="entr" presetSubtype="0" fill="hold" grpId="0" nodeType="withEffect">
-                                  <p:stCondLst>
-                                    <p:cond delay="0"/>
-                                  </p:stCondLst>
-                                  <p:childTnLst>
-                                    <p:set>
-                                      <p:cBhvr>
-                                        <p:cTn id="38" dur="1" fill="hold">
-                                          <p:stCondLst>
-                                            <p:cond delay="0"/>
-                                          </p:stCondLst>
-                                        </p:cTn>
-                                        <p:tgtEl>
-                                          <p:spTgt spid="4">
-                                            <p:txEl>
-                                              <p:pRg st="16" end="16"/>
-                                            </p:txEl>
-                                          </p:spTgt>
-                                        </p:tgtEl>
-                                        <p:attrNameLst>
-                                          <p:attrName>style.visibility</p:attrName>
-                                        </p:attrNameLst>
-                                      </p:cBhvr>
-                                      <p:to>
-                                        <p:strVal val="visible"/>
-                                      </p:to>
-                                    </p:set>
-                                  </p:childTnLst>
-                                </p:cTn>
-                              </p:par>
-                              <p:par>
-                                <p:cTn id="39" presetID="1" presetClass="entr" presetSubtype="0" fill="hold" grpId="0" nodeType="withEffect">
-                                  <p:stCondLst>
-                                    <p:cond delay="0"/>
-                                  </p:stCondLst>
-                                  <p:childTnLst>
-                                    <p:set>
-                                      <p:cBhvr>
-                                        <p:cTn id="40" dur="1" fill="hold">
-                                          <p:stCondLst>
-                                            <p:cond delay="0"/>
-                                          </p:stCondLst>
-                                        </p:cTn>
-                                        <p:tgtEl>
-                                          <p:spTgt spid="4">
-                                            <p:txEl>
-                                              <p:pRg st="17" end="17"/>
-                                            </p:txEl>
-                                          </p:spTgt>
-                                        </p:tgtEl>
-                                        <p:attrNameLst>
-                                          <p:attrName>style.visibility</p:attrName>
-                                        </p:attrNameLst>
-                                      </p:cBhvr>
-                                      <p:to>
-                                        <p:strVal val="visible"/>
-                                      </p:to>
-                                    </p:set>
-                                  </p:childTnLst>
-                                </p:cTn>
-                              </p:par>
-                              <p:par>
-                                <p:cTn id="41" presetID="1" presetClass="entr" presetSubtype="0" fill="hold" grpId="0" nodeType="withEffect">
-                                  <p:stCondLst>
-                                    <p:cond delay="0"/>
-                                  </p:stCondLst>
-                                  <p:childTnLst>
-                                    <p:set>
-                                      <p:cBhvr>
-                                        <p:cTn id="42" dur="1" fill="hold">
-                                          <p:stCondLst>
-                                            <p:cond delay="0"/>
-                                          </p:stCondLst>
-                                        </p:cTn>
-                                        <p:tgtEl>
-                                          <p:spTgt spid="4">
-                                            <p:txEl>
-                                              <p:pRg st="18" end="18"/>
-                                            </p:txEl>
-                                          </p:spTgt>
-                                        </p:tgtEl>
-                                        <p:attrNameLst>
-                                          <p:attrName>style.visibility</p:attrName>
-                                        </p:attrNameLst>
-                                      </p:cBhvr>
-                                      <p:to>
-                                        <p:strVal val="visible"/>
-                                      </p:to>
-                                    </p:set>
-                                  </p:childTnLst>
-                                </p:cTn>
-                              </p:par>
-                              <p:par>
-                                <p:cTn id="43" presetID="1" presetClass="entr" presetSubtype="0" fill="hold" grpId="0" nodeType="withEffect">
-                                  <p:stCondLst>
-                                    <p:cond delay="0"/>
-                                  </p:stCondLst>
-                                  <p:childTnLst>
-                                    <p:set>
-                                      <p:cBhvr>
-                                        <p:cTn id="44" dur="1" fill="hold">
-                                          <p:stCondLst>
-                                            <p:cond delay="0"/>
-                                          </p:stCondLst>
-                                        </p:cTn>
-                                        <p:tgtEl>
-                                          <p:spTgt spid="4">
-                                            <p:txEl>
-                                              <p:pRg st="19" end="19"/>
-                                            </p:txEl>
-                                          </p:spTgt>
-                                        </p:tgtEl>
-                                        <p:attrNameLst>
-                                          <p:attrName>style.visibility</p:attrName>
-                                        </p:attrNameLst>
-                                      </p:cBhvr>
-                                      <p:to>
-                                        <p:strVal val="visible"/>
-                                      </p:to>
-                                    </p:set>
-                                  </p:childTnLst>
-                                </p:cTn>
-                              </p:par>
-                              <p:par>
-                                <p:cTn id="45" presetID="1" presetClass="entr" presetSubtype="0" fill="hold" grpId="0" nodeType="withEffect">
-                                  <p:stCondLst>
-                                    <p:cond delay="0"/>
-                                  </p:stCondLst>
-                                  <p:childTnLst>
-                                    <p:set>
-                                      <p:cBhvr>
-                                        <p:cTn id="46" dur="1" fill="hold">
-                                          <p:stCondLst>
-                                            <p:cond delay="0"/>
-                                          </p:stCondLst>
-                                        </p:cTn>
-                                        <p:tgtEl>
-                                          <p:spTgt spid="4">
-                                            <p:txEl>
-                                              <p:pRg st="20" end="20"/>
-                                            </p:txEl>
-                                          </p:spTgt>
-                                        </p:tgtEl>
-                                        <p:attrNameLst>
-                                          <p:attrName>style.visibility</p:attrName>
-                                        </p:attrNameLst>
-                                      </p:cBhvr>
-                                      <p:to>
-                                        <p:strVal val="visible"/>
-                                      </p:to>
-                                    </p:set>
-                                  </p:childTnLst>
-                                </p:cTn>
-                              </p:par>
-                              <p:par>
-                                <p:cTn id="47" presetID="1" presetClass="entr" presetSubtype="0" fill="hold" grpId="0" nodeType="withEffect">
-                                  <p:stCondLst>
-                                    <p:cond delay="0"/>
-                                  </p:stCondLst>
-                                  <p:childTnLst>
-                                    <p:set>
-                                      <p:cBhvr>
-                                        <p:cTn id="48" dur="1" fill="hold">
-                                          <p:stCondLst>
-                                            <p:cond delay="0"/>
-                                          </p:stCondLst>
-                                        </p:cTn>
-                                        <p:tgtEl>
-                                          <p:spTgt spid="4">
-                                            <p:txEl>
-                                              <p:pRg st="21" end="21"/>
-                                            </p:txEl>
-                                          </p:spTgt>
-                                        </p:tgtEl>
-                                        <p:attrNameLst>
-                                          <p:attrName>style.visibility</p:attrName>
-                                        </p:attrNameLst>
-                                      </p:cBhvr>
-                                      <p:to>
-                                        <p:strVal val="visible"/>
-                                      </p:to>
-                                    </p:set>
-                                  </p:childTnLst>
-                                </p:cTn>
-                              </p:par>
-                              <p:par>
-                                <p:cTn id="49" presetID="1" presetClass="entr" presetSubtype="0" fill="hold" grpId="0" nodeType="withEffect">
-                                  <p:stCondLst>
-                                    <p:cond delay="0"/>
-                                  </p:stCondLst>
-                                  <p:childTnLst>
-                                    <p:set>
-                                      <p:cBhvr>
-                                        <p:cTn id="50" dur="1" fill="hold">
-                                          <p:stCondLst>
-                                            <p:cond delay="0"/>
-                                          </p:stCondLst>
-                                        </p:cTn>
-                                        <p:tgtEl>
-                                          <p:spTgt spid="4">
-                                            <p:txEl>
-                                              <p:pRg st="22" end="22"/>
-                                            </p:txEl>
-                                          </p:spTgt>
-                                        </p:tgtEl>
-                                        <p:attrNameLst>
-                                          <p:attrName>style.visibility</p:attrName>
-                                        </p:attrNameLst>
-                                      </p:cBhvr>
-                                      <p:to>
-                                        <p:strVal val="visible"/>
-                                      </p:to>
-                                    </p:set>
-                                  </p:childTnLst>
-                                </p:cTn>
-                              </p:par>
-                            </p:childTnLst>
-                          </p:cTn>
-                        </p:par>
-                      </p:childTnLst>
-                    </p:cTn>
-                  </p:par>
-                </p:childTnLst>
-              </p:cTn>
-              <p:prevCondLst>
-                <p:cond evt="onPrev" delay="0">
-                  <p:tgtEl>
-                    <p:sldTgt/>
-                  </p:tgtEl>
-                </p:cond>
-              </p:prevCondLst>
-              <p:nextCondLst>
-                <p:cond evt="onNext" delay="0">
-                  <p:tgtEl>
-                    <p:sldTgt/>
-                  </p:tgtEl>
-                </p:cond>
-              </p:nextCondLst>
-            </p:seq>
-          </p:childTnLst>
-        </p:cTn>
-      </p:par>
-    </p:tnLst>
-    <p:bldLst>
-      <p:bldP spid="4" grpId="0" build="p"/>
-    </p:bldLst>
-  </p:timing>
 </p:sld>
 </file>
 
@@ -35123,62 +35402,48 @@
           <a:lstStyle/>
           <a:p>
             <a:r>
-              <a:rPr lang="en-US" sz="2800" b="1">
+              <a:rPr lang="en-US" sz="2800" b="1" dirty="0">
                 <a:ea typeface="+mj-lt"/>
                 <a:cs typeface="+mj-lt"/>
               </a:rPr>
-              <a:t>Lisaks </a:t>
-            </a:r>
-            <a:r>
-              <a:rPr lang="en-US" sz="2800" b="1" err="1">
+              <a:t>Vaja </a:t>
+            </a:r>
+            <a:r>
+              <a:rPr lang="en-US" sz="2800" b="1" dirty="0" err="1">
                 <a:ea typeface="+mj-lt"/>
                 <a:cs typeface="+mj-lt"/>
               </a:rPr>
-              <a:t>vaja</a:t>
-            </a:r>
-            <a:r>
-              <a:rPr lang="en-US" sz="2800" b="1">
+              <a:t>tabel</a:t>
+            </a:r>
+            <a:r>
+              <a:rPr lang="en-US" sz="2800" b="1" dirty="0">
                 <a:ea typeface="+mj-lt"/>
                 <a:cs typeface="+mj-lt"/>
               </a:rPr>
               <a:t> </a:t>
             </a:r>
             <a:r>
-              <a:rPr lang="en-US" sz="2800" b="1" err="1">
+              <a:rPr lang="en-US" sz="2800" b="1" dirty="0" err="1">
                 <a:ea typeface="+mj-lt"/>
                 <a:cs typeface="+mj-lt"/>
               </a:rPr>
-              <a:t>tabel</a:t>
-            </a:r>
-            <a:r>
-              <a:rPr lang="en-US" sz="2800" b="1">
+              <a:t>grupi</a:t>
+            </a:r>
+            <a:r>
+              <a:rPr lang="en-US" sz="2800" b="1" dirty="0">
                 <a:ea typeface="+mj-lt"/>
                 <a:cs typeface="+mj-lt"/>
               </a:rPr>
               <a:t> </a:t>
             </a:r>
             <a:r>
-              <a:rPr lang="en-US" sz="2800" b="1" err="1">
+              <a:rPr lang="en-US" sz="2800" b="1" dirty="0" err="1">
                 <a:ea typeface="+mj-lt"/>
                 <a:cs typeface="+mj-lt"/>
               </a:rPr>
-              <a:t>grupi</a:t>
-            </a:r>
-            <a:r>
-              <a:rPr lang="en-US" sz="2800" b="1">
-                <a:ea typeface="+mj-lt"/>
-                <a:cs typeface="+mj-lt"/>
-              </a:rPr>
-              <a:t> </a:t>
-            </a:r>
-            <a:r>
-              <a:rPr lang="en-US" sz="2800" b="1" err="1">
-                <a:ea typeface="+mj-lt"/>
-                <a:cs typeface="+mj-lt"/>
-              </a:rPr>
               <a:t>väärtustega</a:t>
             </a:r>
-            <a:endParaRPr lang="en-US" sz="2800" b="1" err="1">
+            <a:endParaRPr lang="en-US" sz="2800" b="1" dirty="0">
               <a:ea typeface="Inter Bold"/>
             </a:endParaRPr>
           </a:p>
